--- a/NLP_TM/02-TextProcessing.pptx
+++ b/NLP_TM/02-TextProcessing.pptx
@@ -268,7 +268,7 @@
           <a:p>
             <a:fld id="{C1C26474-3C06-4BFF-92BD-3335C5CB9F32}" type="datetimeFigureOut">
               <a:rPr lang="zh-TW" altLang="en-US" smtClean="0"/>
-              <a:t>2024/3/5</a:t>
+              <a:t>2025/3/4</a:t>
             </a:fld>
             <a:endParaRPr lang="zh-TW" altLang="en-US"/>
           </a:p>
@@ -332,38 +332,37 @@
           <a:p>
             <a:pPr lvl="0"/>
             <a:r>
-              <a:rPr lang="zh-TW" altLang="en-US" smtClean="0"/>
+              <a:rPr lang="zh-TW" altLang="en-US"/>
               <a:t>編輯母片文字樣式</a:t>
             </a:r>
           </a:p>
           <a:p>
             <a:pPr lvl="1"/>
             <a:r>
-              <a:rPr lang="zh-TW" altLang="en-US" smtClean="0"/>
+              <a:rPr lang="zh-TW" altLang="en-US"/>
               <a:t>第二層</a:t>
             </a:r>
           </a:p>
           <a:p>
             <a:pPr lvl="2"/>
             <a:r>
-              <a:rPr lang="zh-TW" altLang="en-US" smtClean="0"/>
+              <a:rPr lang="zh-TW" altLang="en-US"/>
               <a:t>第三層</a:t>
             </a:r>
           </a:p>
           <a:p>
             <a:pPr lvl="3"/>
             <a:r>
-              <a:rPr lang="zh-TW" altLang="en-US" smtClean="0"/>
+              <a:rPr lang="zh-TW" altLang="en-US"/>
               <a:t>第四層</a:t>
             </a:r>
           </a:p>
           <a:p>
             <a:pPr lvl="4"/>
             <a:r>
-              <a:rPr lang="zh-TW" altLang="en-US" smtClean="0"/>
+              <a:rPr lang="zh-TW" altLang="en-US"/>
               <a:t>第五層</a:t>
             </a:r>
-            <a:endParaRPr lang="zh-TW" altLang="en-US"/>
           </a:p>
         </p:txBody>
       </p:sp>
@@ -5849,10 +5848,9 @@
           </a:lstStyle>
           <a:p>
             <a:r>
-              <a:rPr lang="zh-TW" altLang="en-US" smtClean="0"/>
+              <a:rPr lang="zh-TW" altLang="en-US"/>
               <a:t>按一下以編輯母片標題樣式</a:t>
             </a:r>
-            <a:endParaRPr lang="zh-TW" altLang="en-US"/>
           </a:p>
         </p:txBody>
       </p:sp>
@@ -5914,38 +5912,37 @@
           </a:lstStyle>
           <a:p>
             <a:r>
-              <a:rPr lang="zh-TW" altLang="en-US" smtClean="0"/>
+              <a:rPr lang="zh-TW" altLang="en-US"/>
               <a:t>按一下以編輯母片副標題樣式</a:t>
             </a:r>
+          </a:p>
+        </p:txBody>
+      </p:sp>
+      <p:sp>
+        <p:nvSpPr>
+          <p:cNvPr id="4" name="日期版面配置區 3"/>
+          <p:cNvSpPr>
+            <a:spLocks noGrp="1"/>
+          </p:cNvSpPr>
+          <p:nvPr>
+            <p:ph type="dt" sz="half" idx="10"/>
+          </p:nvPr>
+        </p:nvSpPr>
+        <p:spPr/>
+        <p:txBody>
+          <a:bodyPr/>
+          <a:lstStyle/>
+          <a:p>
+            <a:r>
+              <a:rPr lang="en-US" altLang="zh-TW"/>
+              <a:t>NLP &amp; TM, Spring 2025</a:t>
+            </a:r>
             <a:endParaRPr lang="zh-TW" altLang="en-US"/>
           </a:p>
         </p:txBody>
       </p:sp>
       <p:sp>
         <p:nvSpPr>
-          <p:cNvPr id="4" name="日期版面配置區 3"/>
-          <p:cNvSpPr>
-            <a:spLocks noGrp="1"/>
-          </p:cNvSpPr>
-          <p:nvPr>
-            <p:ph type="dt" sz="half" idx="10"/>
-          </p:nvPr>
-        </p:nvSpPr>
-        <p:spPr/>
-        <p:txBody>
-          <a:bodyPr/>
-          <a:lstStyle/>
-          <a:p>
-            <a:r>
-              <a:rPr lang="en-US" altLang="zh-TW" smtClean="0"/>
-              <a:t>NLP &amp; TM, Spring 2024</a:t>
-            </a:r>
-            <a:endParaRPr lang="zh-TW" altLang="en-US"/>
-          </a:p>
-        </p:txBody>
-      </p:sp>
-      <p:sp>
-        <p:nvSpPr>
           <p:cNvPr id="5" name="頁尾版面配置區 4"/>
           <p:cNvSpPr>
             <a:spLocks noGrp="1"/>
@@ -5960,7 +5957,7 @@
           <a:lstStyle/>
           <a:p>
             <a:r>
-              <a:rPr lang="en-US" altLang="zh-TW" smtClean="0"/>
+              <a:rPr lang="en-US" altLang="zh-TW"/>
               <a:t>NTUT CSIE</a:t>
             </a:r>
             <a:endParaRPr lang="zh-TW" altLang="en-US"/>
@@ -6036,90 +6033,88 @@
           <a:lstStyle/>
           <a:p>
             <a:r>
-              <a:rPr lang="zh-TW" altLang="en-US" smtClean="0"/>
+              <a:rPr lang="zh-TW" altLang="en-US"/>
               <a:t>按一下以編輯母片標題樣式</a:t>
             </a:r>
+          </a:p>
+        </p:txBody>
+      </p:sp>
+      <p:sp>
+        <p:nvSpPr>
+          <p:cNvPr id="3" name="直排文字版面配置區 2"/>
+          <p:cNvSpPr>
+            <a:spLocks noGrp="1"/>
+          </p:cNvSpPr>
+          <p:nvPr>
+            <p:ph type="body" orient="vert" idx="1"/>
+          </p:nvPr>
+        </p:nvSpPr>
+        <p:spPr/>
+        <p:txBody>
+          <a:bodyPr vert="eaVert"/>
+          <a:lstStyle/>
+          <a:p>
+            <a:pPr lvl="0"/>
+            <a:r>
+              <a:rPr lang="zh-TW" altLang="en-US"/>
+              <a:t>編輯母片文字樣式</a:t>
+            </a:r>
+          </a:p>
+          <a:p>
+            <a:pPr lvl="1"/>
+            <a:r>
+              <a:rPr lang="zh-TW" altLang="en-US"/>
+              <a:t>第二層</a:t>
+            </a:r>
+          </a:p>
+          <a:p>
+            <a:pPr lvl="2"/>
+            <a:r>
+              <a:rPr lang="zh-TW" altLang="en-US"/>
+              <a:t>第三層</a:t>
+            </a:r>
+          </a:p>
+          <a:p>
+            <a:pPr lvl="3"/>
+            <a:r>
+              <a:rPr lang="zh-TW" altLang="en-US"/>
+              <a:t>第四層</a:t>
+            </a:r>
+          </a:p>
+          <a:p>
+            <a:pPr lvl="4"/>
+            <a:r>
+              <a:rPr lang="zh-TW" altLang="en-US"/>
+              <a:t>第五層</a:t>
+            </a:r>
+          </a:p>
+        </p:txBody>
+      </p:sp>
+      <p:sp>
+        <p:nvSpPr>
+          <p:cNvPr id="4" name="日期版面配置區 3"/>
+          <p:cNvSpPr>
+            <a:spLocks noGrp="1"/>
+          </p:cNvSpPr>
+          <p:nvPr>
+            <p:ph type="dt" sz="half" idx="10"/>
+          </p:nvPr>
+        </p:nvSpPr>
+        <p:spPr/>
+        <p:txBody>
+          <a:bodyPr/>
+          <a:lstStyle/>
+          <a:p>
+            <a:r>
+              <a:rPr lang="en-US" altLang="zh-TW"/>
+              <a:t>NLP &amp; TM, Spring 2025</a:t>
+            </a:r>
             <a:endParaRPr lang="zh-TW" altLang="en-US"/>
           </a:p>
         </p:txBody>
       </p:sp>
       <p:sp>
         <p:nvSpPr>
-          <p:cNvPr id="3" name="直排文字版面配置區 2"/>
-          <p:cNvSpPr>
-            <a:spLocks noGrp="1"/>
-          </p:cNvSpPr>
-          <p:nvPr>
-            <p:ph type="body" orient="vert" idx="1"/>
-          </p:nvPr>
-        </p:nvSpPr>
-        <p:spPr/>
-        <p:txBody>
-          <a:bodyPr vert="eaVert"/>
-          <a:lstStyle/>
-          <a:p>
-            <a:pPr lvl="0"/>
-            <a:r>
-              <a:rPr lang="zh-TW" altLang="en-US" smtClean="0"/>
-              <a:t>編輯母片文字樣式</a:t>
-            </a:r>
-          </a:p>
-          <a:p>
-            <a:pPr lvl="1"/>
-            <a:r>
-              <a:rPr lang="zh-TW" altLang="en-US" smtClean="0"/>
-              <a:t>第二層</a:t>
-            </a:r>
-          </a:p>
-          <a:p>
-            <a:pPr lvl="2"/>
-            <a:r>
-              <a:rPr lang="zh-TW" altLang="en-US" smtClean="0"/>
-              <a:t>第三層</a:t>
-            </a:r>
-          </a:p>
-          <a:p>
-            <a:pPr lvl="3"/>
-            <a:r>
-              <a:rPr lang="zh-TW" altLang="en-US" smtClean="0"/>
-              <a:t>第四層</a:t>
-            </a:r>
-          </a:p>
-          <a:p>
-            <a:pPr lvl="4"/>
-            <a:r>
-              <a:rPr lang="zh-TW" altLang="en-US" smtClean="0"/>
-              <a:t>第五層</a:t>
-            </a:r>
-            <a:endParaRPr lang="zh-TW" altLang="en-US"/>
-          </a:p>
-        </p:txBody>
-      </p:sp>
-      <p:sp>
-        <p:nvSpPr>
-          <p:cNvPr id="4" name="日期版面配置區 3"/>
-          <p:cNvSpPr>
-            <a:spLocks noGrp="1"/>
-          </p:cNvSpPr>
-          <p:nvPr>
-            <p:ph type="dt" sz="half" idx="10"/>
-          </p:nvPr>
-        </p:nvSpPr>
-        <p:spPr/>
-        <p:txBody>
-          <a:bodyPr/>
-          <a:lstStyle/>
-          <a:p>
-            <a:r>
-              <a:rPr lang="en-US" altLang="zh-TW" smtClean="0"/>
-              <a:t>NLP &amp; TM, Spring 2024</a:t>
-            </a:r>
-            <a:endParaRPr lang="zh-TW" altLang="en-US"/>
-          </a:p>
-        </p:txBody>
-      </p:sp>
-      <p:sp>
-        <p:nvSpPr>
           <p:cNvPr id="5" name="頁尾版面配置區 4"/>
           <p:cNvSpPr>
             <a:spLocks noGrp="1"/>
@@ -6134,7 +6129,7 @@
           <a:lstStyle/>
           <a:p>
             <a:r>
-              <a:rPr lang="en-US" altLang="zh-TW" smtClean="0"/>
+              <a:rPr lang="en-US" altLang="zh-TW"/>
               <a:t>NTUT CSIE</a:t>
             </a:r>
             <a:endParaRPr lang="zh-TW" altLang="en-US"/>
@@ -6215,10 +6210,9 @@
           <a:lstStyle/>
           <a:p>
             <a:r>
-              <a:rPr lang="zh-TW" altLang="en-US" smtClean="0"/>
+              <a:rPr lang="zh-TW" altLang="en-US"/>
               <a:t>按一下以編輯母片標題樣式</a:t>
             </a:r>
-            <a:endParaRPr lang="zh-TW" altLang="en-US"/>
           </a:p>
         </p:txBody>
       </p:sp>
@@ -6244,66 +6238,65 @@
           <a:p>
             <a:pPr lvl="0"/>
             <a:r>
-              <a:rPr lang="zh-TW" altLang="en-US" smtClean="0"/>
+              <a:rPr lang="zh-TW" altLang="en-US"/>
               <a:t>編輯母片文字樣式</a:t>
             </a:r>
           </a:p>
           <a:p>
             <a:pPr lvl="1"/>
             <a:r>
-              <a:rPr lang="zh-TW" altLang="en-US" smtClean="0"/>
+              <a:rPr lang="zh-TW" altLang="en-US"/>
               <a:t>第二層</a:t>
             </a:r>
           </a:p>
           <a:p>
             <a:pPr lvl="2"/>
             <a:r>
-              <a:rPr lang="zh-TW" altLang="en-US" smtClean="0"/>
+              <a:rPr lang="zh-TW" altLang="en-US"/>
               <a:t>第三層</a:t>
             </a:r>
           </a:p>
           <a:p>
             <a:pPr lvl="3"/>
             <a:r>
-              <a:rPr lang="zh-TW" altLang="en-US" smtClean="0"/>
+              <a:rPr lang="zh-TW" altLang="en-US"/>
               <a:t>第四層</a:t>
             </a:r>
           </a:p>
           <a:p>
             <a:pPr lvl="4"/>
             <a:r>
-              <a:rPr lang="zh-TW" altLang="en-US" smtClean="0"/>
+              <a:rPr lang="zh-TW" altLang="en-US"/>
               <a:t>第五層</a:t>
             </a:r>
+          </a:p>
+        </p:txBody>
+      </p:sp>
+      <p:sp>
+        <p:nvSpPr>
+          <p:cNvPr id="4" name="日期版面配置區 3"/>
+          <p:cNvSpPr>
+            <a:spLocks noGrp="1"/>
+          </p:cNvSpPr>
+          <p:nvPr>
+            <p:ph type="dt" sz="half" idx="10"/>
+          </p:nvPr>
+        </p:nvSpPr>
+        <p:spPr/>
+        <p:txBody>
+          <a:bodyPr/>
+          <a:lstStyle/>
+          <a:p>
+            <a:r>
+              <a:rPr lang="en-US" altLang="zh-TW"/>
+              <a:t>NLP &amp; TM, Spring 2025</a:t>
+            </a:r>
             <a:endParaRPr lang="zh-TW" altLang="en-US"/>
           </a:p>
         </p:txBody>
       </p:sp>
       <p:sp>
         <p:nvSpPr>
-          <p:cNvPr id="4" name="日期版面配置區 3"/>
-          <p:cNvSpPr>
-            <a:spLocks noGrp="1"/>
-          </p:cNvSpPr>
-          <p:nvPr>
-            <p:ph type="dt" sz="half" idx="10"/>
-          </p:nvPr>
-        </p:nvSpPr>
-        <p:spPr/>
-        <p:txBody>
-          <a:bodyPr/>
-          <a:lstStyle/>
-          <a:p>
-            <a:r>
-              <a:rPr lang="en-US" altLang="zh-TW" smtClean="0"/>
-              <a:t>NLP &amp; TM, Spring 2024</a:t>
-            </a:r>
-            <a:endParaRPr lang="zh-TW" altLang="en-US"/>
-          </a:p>
-        </p:txBody>
-      </p:sp>
-      <p:sp>
-        <p:nvSpPr>
           <p:cNvPr id="5" name="頁尾版面配置區 4"/>
           <p:cNvSpPr>
             <a:spLocks noGrp="1"/>
@@ -6318,7 +6311,7 @@
           <a:lstStyle/>
           <a:p>
             <a:r>
-              <a:rPr lang="en-US" altLang="zh-TW" smtClean="0"/>
+              <a:rPr lang="en-US" altLang="zh-TW"/>
               <a:t>NTUT CSIE</a:t>
             </a:r>
             <a:endParaRPr lang="zh-TW" altLang="en-US"/>
@@ -6394,90 +6387,88 @@
           <a:lstStyle/>
           <a:p>
             <a:r>
-              <a:rPr lang="zh-TW" altLang="en-US" smtClean="0"/>
+              <a:rPr lang="zh-TW" altLang="en-US"/>
               <a:t>按一下以編輯母片標題樣式</a:t>
             </a:r>
+          </a:p>
+        </p:txBody>
+      </p:sp>
+      <p:sp>
+        <p:nvSpPr>
+          <p:cNvPr id="3" name="內容版面配置區 2"/>
+          <p:cNvSpPr>
+            <a:spLocks noGrp="1"/>
+          </p:cNvSpPr>
+          <p:nvPr>
+            <p:ph idx="1"/>
+          </p:nvPr>
+        </p:nvSpPr>
+        <p:spPr/>
+        <p:txBody>
+          <a:bodyPr/>
+          <a:lstStyle/>
+          <a:p>
+            <a:pPr lvl="0"/>
+            <a:r>
+              <a:rPr lang="zh-TW" altLang="en-US"/>
+              <a:t>編輯母片文字樣式</a:t>
+            </a:r>
+          </a:p>
+          <a:p>
+            <a:pPr lvl="1"/>
+            <a:r>
+              <a:rPr lang="zh-TW" altLang="en-US"/>
+              <a:t>第二層</a:t>
+            </a:r>
+          </a:p>
+          <a:p>
+            <a:pPr lvl="2"/>
+            <a:r>
+              <a:rPr lang="zh-TW" altLang="en-US"/>
+              <a:t>第三層</a:t>
+            </a:r>
+          </a:p>
+          <a:p>
+            <a:pPr lvl="3"/>
+            <a:r>
+              <a:rPr lang="zh-TW" altLang="en-US"/>
+              <a:t>第四層</a:t>
+            </a:r>
+          </a:p>
+          <a:p>
+            <a:pPr lvl="4"/>
+            <a:r>
+              <a:rPr lang="zh-TW" altLang="en-US"/>
+              <a:t>第五層</a:t>
+            </a:r>
+          </a:p>
+        </p:txBody>
+      </p:sp>
+      <p:sp>
+        <p:nvSpPr>
+          <p:cNvPr id="4" name="日期版面配置區 3"/>
+          <p:cNvSpPr>
+            <a:spLocks noGrp="1"/>
+          </p:cNvSpPr>
+          <p:nvPr>
+            <p:ph type="dt" sz="half" idx="10"/>
+          </p:nvPr>
+        </p:nvSpPr>
+        <p:spPr/>
+        <p:txBody>
+          <a:bodyPr/>
+          <a:lstStyle/>
+          <a:p>
+            <a:r>
+              <a:rPr lang="en-US" altLang="zh-TW"/>
+              <a:t>NLP &amp; TM, Spring 2025</a:t>
+            </a:r>
             <a:endParaRPr lang="zh-TW" altLang="en-US"/>
           </a:p>
         </p:txBody>
       </p:sp>
       <p:sp>
         <p:nvSpPr>
-          <p:cNvPr id="3" name="內容版面配置區 2"/>
-          <p:cNvSpPr>
-            <a:spLocks noGrp="1"/>
-          </p:cNvSpPr>
-          <p:nvPr>
-            <p:ph idx="1"/>
-          </p:nvPr>
-        </p:nvSpPr>
-        <p:spPr/>
-        <p:txBody>
-          <a:bodyPr/>
-          <a:lstStyle/>
-          <a:p>
-            <a:pPr lvl="0"/>
-            <a:r>
-              <a:rPr lang="zh-TW" altLang="en-US" smtClean="0"/>
-              <a:t>編輯母片文字樣式</a:t>
-            </a:r>
-          </a:p>
-          <a:p>
-            <a:pPr lvl="1"/>
-            <a:r>
-              <a:rPr lang="zh-TW" altLang="en-US" smtClean="0"/>
-              <a:t>第二層</a:t>
-            </a:r>
-          </a:p>
-          <a:p>
-            <a:pPr lvl="2"/>
-            <a:r>
-              <a:rPr lang="zh-TW" altLang="en-US" smtClean="0"/>
-              <a:t>第三層</a:t>
-            </a:r>
-          </a:p>
-          <a:p>
-            <a:pPr lvl="3"/>
-            <a:r>
-              <a:rPr lang="zh-TW" altLang="en-US" smtClean="0"/>
-              <a:t>第四層</a:t>
-            </a:r>
-          </a:p>
-          <a:p>
-            <a:pPr lvl="4"/>
-            <a:r>
-              <a:rPr lang="zh-TW" altLang="en-US" smtClean="0"/>
-              <a:t>第五層</a:t>
-            </a:r>
-            <a:endParaRPr lang="zh-TW" altLang="en-US"/>
-          </a:p>
-        </p:txBody>
-      </p:sp>
-      <p:sp>
-        <p:nvSpPr>
-          <p:cNvPr id="4" name="日期版面配置區 3"/>
-          <p:cNvSpPr>
-            <a:spLocks noGrp="1"/>
-          </p:cNvSpPr>
-          <p:nvPr>
-            <p:ph type="dt" sz="half" idx="10"/>
-          </p:nvPr>
-        </p:nvSpPr>
-        <p:spPr/>
-        <p:txBody>
-          <a:bodyPr/>
-          <a:lstStyle/>
-          <a:p>
-            <a:r>
-              <a:rPr lang="en-US" altLang="zh-TW" smtClean="0"/>
-              <a:t>NLP &amp; TM, Spring 2024</a:t>
-            </a:r>
-            <a:endParaRPr lang="zh-TW" altLang="en-US"/>
-          </a:p>
-        </p:txBody>
-      </p:sp>
-      <p:sp>
-        <p:nvSpPr>
           <p:cNvPr id="5" name="頁尾版面配置區 4"/>
           <p:cNvSpPr>
             <a:spLocks noGrp="1"/>
@@ -6492,7 +6483,7 @@
           <a:lstStyle/>
           <a:p>
             <a:r>
-              <a:rPr lang="en-US" altLang="zh-TW" smtClean="0"/>
+              <a:rPr lang="en-US" altLang="zh-TW"/>
               <a:t>NTUT CSIE</a:t>
             </a:r>
             <a:endParaRPr lang="zh-TW" altLang="en-US"/>
@@ -6577,10 +6568,9 @@
           </a:lstStyle>
           <a:p>
             <a:r>
-              <a:rPr lang="zh-TW" altLang="en-US" smtClean="0"/>
+              <a:rPr lang="zh-TW" altLang="en-US"/>
               <a:t>按一下以編輯母片標題樣式</a:t>
             </a:r>
-            <a:endParaRPr lang="zh-TW" altLang="en-US"/>
           </a:p>
         </p:txBody>
       </p:sp>
@@ -6697,7 +6687,7 @@
           <a:p>
             <a:pPr lvl="0"/>
             <a:r>
-              <a:rPr lang="zh-TW" altLang="en-US" smtClean="0"/>
+              <a:rPr lang="zh-TW" altLang="en-US"/>
               <a:t>編輯母片文字樣式</a:t>
             </a:r>
           </a:p>
@@ -6719,8 +6709,8 @@
           <a:lstStyle/>
           <a:p>
             <a:r>
-              <a:rPr lang="en-US" altLang="zh-TW" smtClean="0"/>
-              <a:t>NLP &amp; TM, Spring 2024</a:t>
+              <a:rPr lang="en-US" altLang="zh-TW"/>
+              <a:t>NLP &amp; TM, Spring 2025</a:t>
             </a:r>
             <a:endParaRPr lang="zh-TW" altLang="en-US"/>
           </a:p>
@@ -6742,7 +6732,7 @@
           <a:lstStyle/>
           <a:p>
             <a:r>
-              <a:rPr lang="en-US" altLang="zh-TW" smtClean="0"/>
+              <a:rPr lang="en-US" altLang="zh-TW"/>
               <a:t>NTUT CSIE</a:t>
             </a:r>
             <a:endParaRPr lang="zh-TW" altLang="en-US"/>
@@ -6818,10 +6808,9 @@
           <a:lstStyle/>
           <a:p>
             <a:r>
-              <a:rPr lang="zh-TW" altLang="en-US" smtClean="0"/>
+              <a:rPr lang="zh-TW" altLang="en-US"/>
               <a:t>按一下以編輯母片標題樣式</a:t>
             </a:r>
-            <a:endParaRPr lang="zh-TW" altLang="en-US"/>
           </a:p>
         </p:txBody>
       </p:sp>
@@ -6847,38 +6836,37 @@
           <a:p>
             <a:pPr lvl="0"/>
             <a:r>
-              <a:rPr lang="zh-TW" altLang="en-US" smtClean="0"/>
+              <a:rPr lang="zh-TW" altLang="en-US"/>
               <a:t>編輯母片文字樣式</a:t>
             </a:r>
           </a:p>
           <a:p>
             <a:pPr lvl="1"/>
             <a:r>
-              <a:rPr lang="zh-TW" altLang="en-US" smtClean="0"/>
+              <a:rPr lang="zh-TW" altLang="en-US"/>
               <a:t>第二層</a:t>
             </a:r>
           </a:p>
           <a:p>
             <a:pPr lvl="2"/>
             <a:r>
-              <a:rPr lang="zh-TW" altLang="en-US" smtClean="0"/>
+              <a:rPr lang="zh-TW" altLang="en-US"/>
               <a:t>第三層</a:t>
             </a:r>
           </a:p>
           <a:p>
             <a:pPr lvl="3"/>
             <a:r>
-              <a:rPr lang="zh-TW" altLang="en-US" smtClean="0"/>
+              <a:rPr lang="zh-TW" altLang="en-US"/>
               <a:t>第四層</a:t>
             </a:r>
           </a:p>
           <a:p>
             <a:pPr lvl="4"/>
             <a:r>
-              <a:rPr lang="zh-TW" altLang="en-US" smtClean="0"/>
+              <a:rPr lang="zh-TW" altLang="en-US"/>
               <a:t>第五層</a:t>
             </a:r>
-            <a:endParaRPr lang="zh-TW" altLang="en-US"/>
           </a:p>
         </p:txBody>
       </p:sp>
@@ -6904,66 +6892,65 @@
           <a:p>
             <a:pPr lvl="0"/>
             <a:r>
-              <a:rPr lang="zh-TW" altLang="en-US" smtClean="0"/>
+              <a:rPr lang="zh-TW" altLang="en-US"/>
               <a:t>編輯母片文字樣式</a:t>
             </a:r>
           </a:p>
           <a:p>
             <a:pPr lvl="1"/>
             <a:r>
-              <a:rPr lang="zh-TW" altLang="en-US" smtClean="0"/>
+              <a:rPr lang="zh-TW" altLang="en-US"/>
               <a:t>第二層</a:t>
             </a:r>
           </a:p>
           <a:p>
             <a:pPr lvl="2"/>
             <a:r>
-              <a:rPr lang="zh-TW" altLang="en-US" smtClean="0"/>
+              <a:rPr lang="zh-TW" altLang="en-US"/>
               <a:t>第三層</a:t>
             </a:r>
           </a:p>
           <a:p>
             <a:pPr lvl="3"/>
             <a:r>
-              <a:rPr lang="zh-TW" altLang="en-US" smtClean="0"/>
+              <a:rPr lang="zh-TW" altLang="en-US"/>
               <a:t>第四層</a:t>
             </a:r>
           </a:p>
           <a:p>
             <a:pPr lvl="4"/>
             <a:r>
-              <a:rPr lang="zh-TW" altLang="en-US" smtClean="0"/>
+              <a:rPr lang="zh-TW" altLang="en-US"/>
               <a:t>第五層</a:t>
             </a:r>
+          </a:p>
+        </p:txBody>
+      </p:sp>
+      <p:sp>
+        <p:nvSpPr>
+          <p:cNvPr id="5" name="日期版面配置區 4"/>
+          <p:cNvSpPr>
+            <a:spLocks noGrp="1"/>
+          </p:cNvSpPr>
+          <p:nvPr>
+            <p:ph type="dt" sz="half" idx="10"/>
+          </p:nvPr>
+        </p:nvSpPr>
+        <p:spPr/>
+        <p:txBody>
+          <a:bodyPr/>
+          <a:lstStyle/>
+          <a:p>
+            <a:r>
+              <a:rPr lang="en-US" altLang="zh-TW"/>
+              <a:t>NLP &amp; TM, Spring 2025</a:t>
+            </a:r>
             <a:endParaRPr lang="zh-TW" altLang="en-US"/>
           </a:p>
         </p:txBody>
       </p:sp>
       <p:sp>
         <p:nvSpPr>
-          <p:cNvPr id="5" name="日期版面配置區 4"/>
-          <p:cNvSpPr>
-            <a:spLocks noGrp="1"/>
-          </p:cNvSpPr>
-          <p:nvPr>
-            <p:ph type="dt" sz="half" idx="10"/>
-          </p:nvPr>
-        </p:nvSpPr>
-        <p:spPr/>
-        <p:txBody>
-          <a:bodyPr/>
-          <a:lstStyle/>
-          <a:p>
-            <a:r>
-              <a:rPr lang="en-US" altLang="zh-TW" smtClean="0"/>
-              <a:t>NLP &amp; TM, Spring 2024</a:t>
-            </a:r>
-            <a:endParaRPr lang="zh-TW" altLang="en-US"/>
-          </a:p>
-        </p:txBody>
-      </p:sp>
-      <p:sp>
-        <p:nvSpPr>
           <p:cNvPr id="6" name="頁尾版面配置區 5"/>
           <p:cNvSpPr>
             <a:spLocks noGrp="1"/>
@@ -6978,7 +6965,7 @@
           <a:lstStyle/>
           <a:p>
             <a:r>
-              <a:rPr lang="en-US" altLang="zh-TW" smtClean="0"/>
+              <a:rPr lang="en-US" altLang="zh-TW"/>
               <a:t>NTUT CSIE</a:t>
             </a:r>
             <a:endParaRPr lang="zh-TW" altLang="en-US"/>
@@ -7059,10 +7046,9 @@
           <a:lstStyle/>
           <a:p>
             <a:r>
-              <a:rPr lang="zh-TW" altLang="en-US" smtClean="0"/>
+              <a:rPr lang="zh-TW" altLang="en-US"/>
               <a:t>按一下以編輯母片標題樣式</a:t>
             </a:r>
-            <a:endParaRPr lang="zh-TW" altLang="en-US"/>
           </a:p>
         </p:txBody>
       </p:sp>
@@ -7125,7 +7111,7 @@
           <a:p>
             <a:pPr lvl="0"/>
             <a:r>
-              <a:rPr lang="zh-TW" altLang="en-US" smtClean="0"/>
+              <a:rPr lang="zh-TW" altLang="en-US"/>
               <a:t>編輯母片文字樣式</a:t>
             </a:r>
           </a:p>
@@ -7153,38 +7139,37 @@
           <a:p>
             <a:pPr lvl="0"/>
             <a:r>
-              <a:rPr lang="zh-TW" altLang="en-US" smtClean="0"/>
+              <a:rPr lang="zh-TW" altLang="en-US"/>
               <a:t>編輯母片文字樣式</a:t>
             </a:r>
           </a:p>
           <a:p>
             <a:pPr lvl="1"/>
             <a:r>
-              <a:rPr lang="zh-TW" altLang="en-US" smtClean="0"/>
+              <a:rPr lang="zh-TW" altLang="en-US"/>
               <a:t>第二層</a:t>
             </a:r>
           </a:p>
           <a:p>
             <a:pPr lvl="2"/>
             <a:r>
-              <a:rPr lang="zh-TW" altLang="en-US" smtClean="0"/>
+              <a:rPr lang="zh-TW" altLang="en-US"/>
               <a:t>第三層</a:t>
             </a:r>
           </a:p>
           <a:p>
             <a:pPr lvl="3"/>
             <a:r>
-              <a:rPr lang="zh-TW" altLang="en-US" smtClean="0"/>
+              <a:rPr lang="zh-TW" altLang="en-US"/>
               <a:t>第四層</a:t>
             </a:r>
           </a:p>
           <a:p>
             <a:pPr lvl="4"/>
             <a:r>
-              <a:rPr lang="zh-TW" altLang="en-US" smtClean="0"/>
+              <a:rPr lang="zh-TW" altLang="en-US"/>
               <a:t>第五層</a:t>
             </a:r>
-            <a:endParaRPr lang="zh-TW" altLang="en-US"/>
           </a:p>
         </p:txBody>
       </p:sp>
@@ -7247,7 +7232,7 @@
           <a:p>
             <a:pPr lvl="0"/>
             <a:r>
-              <a:rPr lang="zh-TW" altLang="en-US" smtClean="0"/>
+              <a:rPr lang="zh-TW" altLang="en-US"/>
               <a:t>編輯母片文字樣式</a:t>
             </a:r>
           </a:p>
@@ -7275,66 +7260,65 @@
           <a:p>
             <a:pPr lvl="0"/>
             <a:r>
-              <a:rPr lang="zh-TW" altLang="en-US" smtClean="0"/>
+              <a:rPr lang="zh-TW" altLang="en-US"/>
               <a:t>編輯母片文字樣式</a:t>
             </a:r>
           </a:p>
           <a:p>
             <a:pPr lvl="1"/>
             <a:r>
-              <a:rPr lang="zh-TW" altLang="en-US" smtClean="0"/>
+              <a:rPr lang="zh-TW" altLang="en-US"/>
               <a:t>第二層</a:t>
             </a:r>
           </a:p>
           <a:p>
             <a:pPr lvl="2"/>
             <a:r>
-              <a:rPr lang="zh-TW" altLang="en-US" smtClean="0"/>
+              <a:rPr lang="zh-TW" altLang="en-US"/>
               <a:t>第三層</a:t>
             </a:r>
           </a:p>
           <a:p>
             <a:pPr lvl="3"/>
             <a:r>
-              <a:rPr lang="zh-TW" altLang="en-US" smtClean="0"/>
+              <a:rPr lang="zh-TW" altLang="en-US"/>
               <a:t>第四層</a:t>
             </a:r>
           </a:p>
           <a:p>
             <a:pPr lvl="4"/>
             <a:r>
-              <a:rPr lang="zh-TW" altLang="en-US" smtClean="0"/>
+              <a:rPr lang="zh-TW" altLang="en-US"/>
               <a:t>第五層</a:t>
             </a:r>
+          </a:p>
+        </p:txBody>
+      </p:sp>
+      <p:sp>
+        <p:nvSpPr>
+          <p:cNvPr id="7" name="日期版面配置區 6"/>
+          <p:cNvSpPr>
+            <a:spLocks noGrp="1"/>
+          </p:cNvSpPr>
+          <p:nvPr>
+            <p:ph type="dt" sz="half" idx="10"/>
+          </p:nvPr>
+        </p:nvSpPr>
+        <p:spPr/>
+        <p:txBody>
+          <a:bodyPr/>
+          <a:lstStyle/>
+          <a:p>
+            <a:r>
+              <a:rPr lang="en-US" altLang="zh-TW"/>
+              <a:t>NLP &amp; TM, Spring 2025</a:t>
+            </a:r>
             <a:endParaRPr lang="zh-TW" altLang="en-US"/>
           </a:p>
         </p:txBody>
       </p:sp>
       <p:sp>
         <p:nvSpPr>
-          <p:cNvPr id="7" name="日期版面配置區 6"/>
-          <p:cNvSpPr>
-            <a:spLocks noGrp="1"/>
-          </p:cNvSpPr>
-          <p:nvPr>
-            <p:ph type="dt" sz="half" idx="10"/>
-          </p:nvPr>
-        </p:nvSpPr>
-        <p:spPr/>
-        <p:txBody>
-          <a:bodyPr/>
-          <a:lstStyle/>
-          <a:p>
-            <a:r>
-              <a:rPr lang="en-US" altLang="zh-TW" smtClean="0"/>
-              <a:t>NLP &amp; TM, Spring 2024</a:t>
-            </a:r>
-            <a:endParaRPr lang="zh-TW" altLang="en-US"/>
-          </a:p>
-        </p:txBody>
-      </p:sp>
-      <p:sp>
-        <p:nvSpPr>
           <p:cNvPr id="8" name="頁尾版面配置區 7"/>
           <p:cNvSpPr>
             <a:spLocks noGrp="1"/>
@@ -7349,7 +7333,7 @@
           <a:lstStyle/>
           <a:p>
             <a:r>
-              <a:rPr lang="en-US" altLang="zh-TW" smtClean="0"/>
+              <a:rPr lang="en-US" altLang="zh-TW"/>
               <a:t>NTUT CSIE</a:t>
             </a:r>
             <a:endParaRPr lang="zh-TW" altLang="en-US"/>
@@ -7425,38 +7409,37 @@
           <a:lstStyle/>
           <a:p>
             <a:r>
-              <a:rPr lang="zh-TW" altLang="en-US" smtClean="0"/>
+              <a:rPr lang="zh-TW" altLang="en-US"/>
               <a:t>按一下以編輯母片標題樣式</a:t>
             </a:r>
+          </a:p>
+        </p:txBody>
+      </p:sp>
+      <p:sp>
+        <p:nvSpPr>
+          <p:cNvPr id="3" name="日期版面配置區 2"/>
+          <p:cNvSpPr>
+            <a:spLocks noGrp="1"/>
+          </p:cNvSpPr>
+          <p:nvPr>
+            <p:ph type="dt" sz="half" idx="10"/>
+          </p:nvPr>
+        </p:nvSpPr>
+        <p:spPr/>
+        <p:txBody>
+          <a:bodyPr/>
+          <a:lstStyle/>
+          <a:p>
+            <a:r>
+              <a:rPr lang="en-US" altLang="zh-TW"/>
+              <a:t>NLP &amp; TM, Spring 2025</a:t>
+            </a:r>
             <a:endParaRPr lang="zh-TW" altLang="en-US"/>
           </a:p>
         </p:txBody>
       </p:sp>
       <p:sp>
         <p:nvSpPr>
-          <p:cNvPr id="3" name="日期版面配置區 2"/>
-          <p:cNvSpPr>
-            <a:spLocks noGrp="1"/>
-          </p:cNvSpPr>
-          <p:nvPr>
-            <p:ph type="dt" sz="half" idx="10"/>
-          </p:nvPr>
-        </p:nvSpPr>
-        <p:spPr/>
-        <p:txBody>
-          <a:bodyPr/>
-          <a:lstStyle/>
-          <a:p>
-            <a:r>
-              <a:rPr lang="en-US" altLang="zh-TW" smtClean="0"/>
-              <a:t>NLP &amp; TM, Spring 2024</a:t>
-            </a:r>
-            <a:endParaRPr lang="zh-TW" altLang="en-US"/>
-          </a:p>
-        </p:txBody>
-      </p:sp>
-      <p:sp>
-        <p:nvSpPr>
           <p:cNvPr id="4" name="頁尾版面配置區 3"/>
           <p:cNvSpPr>
             <a:spLocks noGrp="1"/>
@@ -7471,7 +7454,7 @@
           <a:lstStyle/>
           <a:p>
             <a:r>
-              <a:rPr lang="en-US" altLang="zh-TW" smtClean="0"/>
+              <a:rPr lang="en-US" altLang="zh-TW"/>
               <a:t>NTUT CSIE</a:t>
             </a:r>
             <a:endParaRPr lang="zh-TW" altLang="en-US"/>
@@ -7547,8 +7530,8 @@
           <a:lstStyle/>
           <a:p>
             <a:r>
-              <a:rPr lang="en-US" altLang="zh-TW" smtClean="0"/>
-              <a:t>NLP &amp; TM, Spring 2024</a:t>
+              <a:rPr lang="en-US" altLang="zh-TW"/>
+              <a:t>NLP &amp; TM, Spring 2025</a:t>
             </a:r>
             <a:endParaRPr lang="zh-TW" altLang="en-US"/>
           </a:p>
@@ -7570,7 +7553,7 @@
           <a:lstStyle/>
           <a:p>
             <a:r>
-              <a:rPr lang="en-US" altLang="zh-TW" smtClean="0"/>
+              <a:rPr lang="en-US" altLang="zh-TW"/>
               <a:t>NTUT CSIE</a:t>
             </a:r>
             <a:endParaRPr lang="zh-TW" altLang="en-US"/>
@@ -7655,10 +7638,9 @@
           </a:lstStyle>
           <a:p>
             <a:r>
-              <a:rPr lang="zh-TW" altLang="en-US" smtClean="0"/>
+              <a:rPr lang="zh-TW" altLang="en-US"/>
               <a:t>按一下以編輯母片標題樣式</a:t>
             </a:r>
-            <a:endParaRPr lang="zh-TW" altLang="en-US"/>
           </a:p>
         </p:txBody>
       </p:sp>
@@ -7712,38 +7694,37 @@
           <a:p>
             <a:pPr lvl="0"/>
             <a:r>
-              <a:rPr lang="zh-TW" altLang="en-US" smtClean="0"/>
+              <a:rPr lang="zh-TW" altLang="en-US"/>
               <a:t>編輯母片文字樣式</a:t>
             </a:r>
           </a:p>
           <a:p>
             <a:pPr lvl="1"/>
             <a:r>
-              <a:rPr lang="zh-TW" altLang="en-US" smtClean="0"/>
+              <a:rPr lang="zh-TW" altLang="en-US"/>
               <a:t>第二層</a:t>
             </a:r>
           </a:p>
           <a:p>
             <a:pPr lvl="2"/>
             <a:r>
-              <a:rPr lang="zh-TW" altLang="en-US" smtClean="0"/>
+              <a:rPr lang="zh-TW" altLang="en-US"/>
               <a:t>第三層</a:t>
             </a:r>
           </a:p>
           <a:p>
             <a:pPr lvl="3"/>
             <a:r>
-              <a:rPr lang="zh-TW" altLang="en-US" smtClean="0"/>
+              <a:rPr lang="zh-TW" altLang="en-US"/>
               <a:t>第四層</a:t>
             </a:r>
           </a:p>
           <a:p>
             <a:pPr lvl="4"/>
             <a:r>
-              <a:rPr lang="zh-TW" altLang="en-US" smtClean="0"/>
+              <a:rPr lang="zh-TW" altLang="en-US"/>
               <a:t>第五層</a:t>
             </a:r>
-            <a:endParaRPr lang="zh-TW" altLang="en-US"/>
           </a:p>
         </p:txBody>
       </p:sp>
@@ -7806,7 +7787,7 @@
           <a:p>
             <a:pPr lvl="0"/>
             <a:r>
-              <a:rPr lang="zh-TW" altLang="en-US" smtClean="0"/>
+              <a:rPr lang="zh-TW" altLang="en-US"/>
               <a:t>編輯母片文字樣式</a:t>
             </a:r>
           </a:p>
@@ -7828,8 +7809,8 @@
           <a:lstStyle/>
           <a:p>
             <a:r>
-              <a:rPr lang="en-US" altLang="zh-TW" smtClean="0"/>
-              <a:t>NLP &amp; TM, Spring 2024</a:t>
+              <a:rPr lang="en-US" altLang="zh-TW"/>
+              <a:t>NLP &amp; TM, Spring 2025</a:t>
             </a:r>
             <a:endParaRPr lang="zh-TW" altLang="en-US"/>
           </a:p>
@@ -7851,7 +7832,7 @@
           <a:lstStyle/>
           <a:p>
             <a:r>
-              <a:rPr lang="en-US" altLang="zh-TW" smtClean="0"/>
+              <a:rPr lang="en-US" altLang="zh-TW"/>
               <a:t>NTUT CSIE</a:t>
             </a:r>
             <a:endParaRPr lang="zh-TW" altLang="en-US"/>
@@ -7936,10 +7917,9 @@
           </a:lstStyle>
           <a:p>
             <a:r>
-              <a:rPr lang="zh-TW" altLang="en-US" smtClean="0"/>
+              <a:rPr lang="zh-TW" altLang="en-US"/>
               <a:t>按一下以編輯母片標題樣式</a:t>
             </a:r>
-            <a:endParaRPr lang="zh-TW" altLang="en-US"/>
           </a:p>
         </p:txBody>
       </p:sp>
@@ -8063,7 +8043,7 @@
           <a:p>
             <a:pPr lvl="0"/>
             <a:r>
-              <a:rPr lang="zh-TW" altLang="en-US" smtClean="0"/>
+              <a:rPr lang="zh-TW" altLang="en-US"/>
               <a:t>編輯母片文字樣式</a:t>
             </a:r>
           </a:p>
@@ -8085,8 +8065,8 @@
           <a:lstStyle/>
           <a:p>
             <a:r>
-              <a:rPr lang="en-US" altLang="zh-TW" smtClean="0"/>
-              <a:t>NLP &amp; TM, Spring 2024</a:t>
+              <a:rPr lang="en-US" altLang="zh-TW"/>
+              <a:t>NLP &amp; TM, Spring 2025</a:t>
             </a:r>
             <a:endParaRPr lang="zh-TW" altLang="en-US"/>
           </a:p>
@@ -8108,7 +8088,7 @@
           <a:lstStyle/>
           <a:p>
             <a:r>
-              <a:rPr lang="en-US" altLang="zh-TW" smtClean="0"/>
+              <a:rPr lang="en-US" altLang="zh-TW"/>
               <a:t>NTUT CSIE</a:t>
             </a:r>
             <a:endParaRPr lang="zh-TW" altLang="en-US"/>
@@ -8199,10 +8179,9 @@
           <a:lstStyle/>
           <a:p>
             <a:r>
-              <a:rPr lang="zh-TW" altLang="en-US" smtClean="0"/>
+              <a:rPr lang="zh-TW" altLang="en-US"/>
               <a:t>按一下以編輯母片標題樣式</a:t>
             </a:r>
-            <a:endParaRPr lang="zh-TW" altLang="en-US"/>
           </a:p>
         </p:txBody>
       </p:sp>
@@ -8233,38 +8212,37 @@
           <a:p>
             <a:pPr lvl="0"/>
             <a:r>
-              <a:rPr lang="zh-TW" altLang="en-US" smtClean="0"/>
+              <a:rPr lang="zh-TW" altLang="en-US"/>
               <a:t>編輯母片文字樣式</a:t>
             </a:r>
           </a:p>
           <a:p>
             <a:pPr lvl="1"/>
             <a:r>
-              <a:rPr lang="zh-TW" altLang="en-US" smtClean="0"/>
+              <a:rPr lang="zh-TW" altLang="en-US"/>
               <a:t>第二層</a:t>
             </a:r>
           </a:p>
           <a:p>
             <a:pPr lvl="2"/>
             <a:r>
-              <a:rPr lang="zh-TW" altLang="en-US" smtClean="0"/>
+              <a:rPr lang="zh-TW" altLang="en-US"/>
               <a:t>第三層</a:t>
             </a:r>
           </a:p>
           <a:p>
             <a:pPr lvl="3"/>
             <a:r>
-              <a:rPr lang="zh-TW" altLang="en-US" smtClean="0"/>
+              <a:rPr lang="zh-TW" altLang="en-US"/>
               <a:t>第四層</a:t>
             </a:r>
           </a:p>
           <a:p>
             <a:pPr lvl="4"/>
             <a:r>
-              <a:rPr lang="zh-TW" altLang="en-US" smtClean="0"/>
+              <a:rPr lang="zh-TW" altLang="en-US"/>
               <a:t>第五層</a:t>
             </a:r>
-            <a:endParaRPr lang="zh-TW" altLang="en-US"/>
           </a:p>
         </p:txBody>
       </p:sp>
@@ -8302,8 +8280,8 @@
           </a:lstStyle>
           <a:p>
             <a:r>
-              <a:rPr lang="en-US" altLang="zh-TW" smtClean="0"/>
-              <a:t>NLP &amp; TM, Spring 2024</a:t>
+              <a:rPr lang="en-US" altLang="zh-TW"/>
+              <a:t>NLP &amp; TM, Spring 2025</a:t>
             </a:r>
             <a:endParaRPr lang="zh-TW" altLang="en-US"/>
           </a:p>
@@ -8343,7 +8321,7 @@
           </a:lstStyle>
           <a:p>
             <a:r>
-              <a:rPr lang="en-US" altLang="zh-TW" smtClean="0"/>
+              <a:rPr lang="en-US" altLang="zh-TW"/>
               <a:t>NTUT CSIE</a:t>
             </a:r>
             <a:endParaRPr lang="zh-TW" altLang="en-US"/>
@@ -8729,7 +8707,7 @@
           <a:lstStyle/>
           <a:p>
             <a:r>
-              <a:rPr lang="en-US" altLang="zh-TW" dirty="0" smtClean="0"/>
+              <a:rPr lang="en-US" altLang="zh-TW" dirty="0"/>
               <a:t>Basic Text Processing</a:t>
             </a:r>
             <a:endParaRPr lang="zh-TW" altLang="en-US" dirty="0"/>
@@ -8752,14 +8730,14 @@
           <a:lstStyle/>
           <a:p>
             <a:r>
-              <a:rPr lang="en-US" altLang="zh-TW" dirty="0" smtClean="0"/>
+              <a:rPr lang="en-US" altLang="zh-TW" dirty="0"/>
               <a:t>By J. H. Wang</a:t>
             </a:r>
           </a:p>
           <a:p>
             <a:r>
-              <a:rPr lang="en-US" altLang="zh-TW" dirty="0" smtClean="0"/>
-              <a:t>Feb. 26, 2024</a:t>
+              <a:rPr lang="en-US" altLang="zh-TW" dirty="0"/>
+              <a:t>Feb. 25, 2025</a:t>
             </a:r>
             <a:endParaRPr lang="zh-TW" altLang="en-US" dirty="0"/>
           </a:p>
@@ -8781,8 +8759,8 @@
           <a:lstStyle/>
           <a:p>
             <a:r>
-              <a:rPr lang="en-US" altLang="zh-TW" smtClean="0"/>
-              <a:t>NLP &amp; TM, Spring 2024</a:t>
+              <a:rPr lang="en-US" altLang="zh-TW"/>
+              <a:t>NLP &amp; TM, Spring 2025</a:t>
             </a:r>
             <a:endParaRPr lang="zh-TW" altLang="en-US"/>
           </a:p>
@@ -8804,7 +8782,7 @@
           <a:lstStyle/>
           <a:p>
             <a:r>
-              <a:rPr lang="en-US" altLang="zh-TW" smtClean="0"/>
+              <a:rPr lang="en-US" altLang="zh-TW"/>
               <a:t>NTUT CSIE</a:t>
             </a:r>
             <a:endParaRPr lang="zh-TW" altLang="en-US"/>
@@ -8886,10 +8864,9 @@
           <a:p>
             <a:pPr eaLnBrk="1" hangingPunct="1"/>
             <a:r>
-              <a:rPr lang="en-US" dirty="0" smtClean="0"/>
+              <a:rPr lang="en-US" dirty="0"/>
               <a:t>Regular Expressions: More Disjunction</a:t>
             </a:r>
-            <a:endParaRPr lang="en-US" dirty="0"/>
           </a:p>
         </p:txBody>
       </p:sp>
@@ -8915,7 +8892,7 @@
           <a:p>
             <a:pPr eaLnBrk="1" hangingPunct="1"/>
             <a:r>
-              <a:rPr lang="en-US" dirty="0" smtClean="0">
+              <a:rPr lang="en-US" dirty="0">
                 <a:solidFill>
                   <a:srgbClr val="000000"/>
                 </a:solidFill>
@@ -8925,20 +8902,20 @@
               <a:t>Woodchucks is another name for groundhog</a:t>
             </a:r>
             <a:r>
-              <a:rPr lang="en-US" dirty="0" smtClean="0"/>
+              <a:rPr lang="en-US" dirty="0"/>
               <a:t>!</a:t>
             </a:r>
           </a:p>
           <a:p>
             <a:pPr eaLnBrk="1" hangingPunct="1"/>
             <a:r>
-              <a:rPr lang="en-US" dirty="0" smtClean="0"/>
+              <a:rPr lang="en-US" dirty="0"/>
               <a:t>The pipe | for disjunction</a:t>
             </a:r>
           </a:p>
           <a:p>
             <a:pPr eaLnBrk="1" hangingPunct="1"/>
-            <a:endParaRPr lang="en-US" dirty="0" smtClean="0">
+            <a:endParaRPr lang="en-US" dirty="0">
               <a:solidFill>
                 <a:srgbClr val="CC0000"/>
               </a:solidFill>
@@ -8994,10 +8971,9 @@
                     <a:lstStyle/>
                     <a:p>
                       <a:r>
-                        <a:rPr lang="en-US" sz="2400" dirty="0" smtClean="0"/>
+                        <a:rPr lang="en-US" sz="2400" dirty="0"/>
                         <a:t>Pattern</a:t>
                       </a:r>
-                      <a:endParaRPr lang="en-US" sz="2400" dirty="0"/>
                     </a:p>
                   </a:txBody>
                   <a:tcPr marL="121920" marR="121920" marT="60960" marB="60960"/>
@@ -9008,10 +8984,9 @@
                     <a:lstStyle/>
                     <a:p>
                       <a:r>
-                        <a:rPr lang="en-US" sz="2400" dirty="0" smtClean="0"/>
+                        <a:rPr lang="en-US" sz="2400" dirty="0"/>
                         <a:t>Matches</a:t>
                       </a:r>
-                      <a:endParaRPr lang="en-US" sz="2400" dirty="0"/>
                     </a:p>
                   </a:txBody>
                   <a:tcPr marL="121920" marR="121920" marT="60960" marB="60960"/>
@@ -9029,7 +9004,7 @@
                     <a:lstStyle/>
                     <a:p>
                       <a:r>
-                        <a:rPr lang="en-US" sz="2400" dirty="0" err="1" smtClean="0">
+                        <a:rPr lang="en-US" sz="2400" dirty="0" err="1">
                           <a:solidFill>
                             <a:srgbClr val="CC0000"/>
                           </a:solidFill>
@@ -9039,7 +9014,7 @@
                         <a:t>groundhog</a:t>
                       </a:r>
                       <a:r>
-                        <a:rPr lang="en-US" sz="2400" b="1" dirty="0" err="1" smtClean="0">
+                        <a:rPr lang="en-US" sz="2400" b="1" dirty="0" err="1">
                           <a:solidFill>
                             <a:srgbClr val="CC0000"/>
                           </a:solidFill>
@@ -9049,7 +9024,7 @@
                         <a:t>|</a:t>
                       </a:r>
                       <a:r>
-                        <a:rPr lang="en-US" sz="2400" dirty="0" err="1" smtClean="0">
+                        <a:rPr lang="en-US" sz="2400" dirty="0" err="1">
                           <a:solidFill>
                             <a:srgbClr val="CC0000"/>
                           </a:solidFill>
@@ -9069,7 +9044,7 @@
                     <a:lstStyle/>
                     <a:p>
                       <a:r>
-                        <a:rPr lang="en-US" sz="2400" kern="1200" dirty="0" smtClean="0">
+                        <a:rPr lang="en-US" sz="2400" kern="1200" dirty="0">
                           <a:solidFill>
                             <a:srgbClr val="000000"/>
                           </a:solidFill>
@@ -9079,14 +9054,6 @@
                         </a:rPr>
                         <a:t>woodchuck</a:t>
                       </a:r>
-                      <a:endParaRPr lang="en-US" sz="2400" kern="1200" dirty="0">
-                        <a:solidFill>
-                          <a:srgbClr val="000000"/>
-                        </a:solidFill>
-                        <a:latin typeface="Courier"/>
-                        <a:ea typeface="+mn-ea"/>
-                        <a:cs typeface="Courier"/>
-                      </a:endParaRPr>
                     </a:p>
                   </a:txBody>
                   <a:tcPr marL="121920" marR="121920" marT="60960" marB="60960"/>
@@ -9104,7 +9071,7 @@
                     <a:lstStyle/>
                     <a:p>
                       <a:r>
-                        <a:rPr lang="en-US" sz="2400" dirty="0" err="1" smtClean="0">
+                        <a:rPr lang="en-US" sz="2400" dirty="0" err="1">
                           <a:solidFill>
                             <a:srgbClr val="CC0000"/>
                           </a:solidFill>
@@ -9114,7 +9081,7 @@
                         <a:t>yours</a:t>
                       </a:r>
                       <a:r>
-                        <a:rPr lang="en-US" sz="2400" b="1" dirty="0" err="1" smtClean="0">
+                        <a:rPr lang="en-US" sz="2400" b="1" dirty="0" err="1">
                           <a:solidFill>
                             <a:srgbClr val="CC0000"/>
                           </a:solidFill>
@@ -9124,7 +9091,7 @@
                         <a:t>|</a:t>
                       </a:r>
                       <a:r>
-                        <a:rPr lang="en-US" sz="2400" dirty="0" err="1" smtClean="0">
+                        <a:rPr lang="en-US" sz="2400" dirty="0" err="1">
                           <a:solidFill>
                             <a:srgbClr val="CC0000"/>
                           </a:solidFill>
@@ -9144,7 +9111,7 @@
                     <a:lstStyle/>
                     <a:p>
                       <a:r>
-                        <a:rPr lang="en-US" sz="2400" dirty="0" smtClean="0">
+                        <a:rPr lang="en-US" sz="2400" dirty="0">
                           <a:solidFill>
                             <a:srgbClr val="000000"/>
                           </a:solidFill>
@@ -9154,7 +9121,7 @@
                         <a:t>yours</a:t>
                       </a:r>
                       <a:r>
-                        <a:rPr lang="en-US" sz="2400" baseline="0" dirty="0" smtClean="0">
+                        <a:rPr lang="en-US" sz="2400" baseline="0" dirty="0">
                           <a:solidFill>
                             <a:srgbClr val="000000"/>
                           </a:solidFill>
@@ -9187,7 +9154,7 @@
                     <a:lstStyle/>
                     <a:p>
                       <a:r>
-                        <a:rPr lang="en-US" sz="2400" dirty="0" err="1" smtClean="0">
+                        <a:rPr lang="en-US" sz="2400" dirty="0" err="1">
                           <a:solidFill>
                             <a:srgbClr val="CC0000"/>
                           </a:solidFill>
@@ -9197,7 +9164,7 @@
                         <a:t>a</a:t>
                       </a:r>
                       <a:r>
-                        <a:rPr lang="en-US" sz="2400" b="1" dirty="0" err="1" smtClean="0">
+                        <a:rPr lang="en-US" sz="2400" b="1" dirty="0" err="1">
                           <a:solidFill>
                             <a:srgbClr val="CC0000"/>
                           </a:solidFill>
@@ -9207,7 +9174,7 @@
                         <a:t>|</a:t>
                       </a:r>
                       <a:r>
-                        <a:rPr lang="en-US" sz="2400" dirty="0" err="1" smtClean="0">
+                        <a:rPr lang="en-US" sz="2400" dirty="0" err="1">
                           <a:solidFill>
                             <a:srgbClr val="CC0000"/>
                           </a:solidFill>
@@ -9217,7 +9184,7 @@
                         <a:t>b</a:t>
                       </a:r>
                       <a:r>
-                        <a:rPr lang="en-US" sz="2400" b="1" dirty="0" err="1" smtClean="0">
+                        <a:rPr lang="en-US" sz="2400" b="1" dirty="0" err="1">
                           <a:solidFill>
                             <a:srgbClr val="CC0000"/>
                           </a:solidFill>
@@ -9227,7 +9194,7 @@
                         <a:t>|</a:t>
                       </a:r>
                       <a:r>
-                        <a:rPr lang="en-US" sz="2400" dirty="0" err="1" smtClean="0">
+                        <a:rPr lang="en-US" sz="2400" dirty="0" err="1">
                           <a:solidFill>
                             <a:srgbClr val="CC0000"/>
                           </a:solidFill>
@@ -9247,11 +9214,11 @@
                     <a:lstStyle/>
                     <a:p>
                       <a:r>
-                        <a:rPr lang="en-US" sz="2400" dirty="0" smtClean="0"/>
+                        <a:rPr lang="en-US" sz="2400" dirty="0"/>
                         <a:t>= </a:t>
                       </a:r>
                       <a:r>
-                        <a:rPr lang="en-US" sz="2400" dirty="0" smtClean="0">
+                        <a:rPr lang="en-US" sz="2400" dirty="0">
                           <a:solidFill>
                             <a:srgbClr val="FF0000"/>
                           </a:solidFill>
@@ -9261,7 +9228,7 @@
                         <a:t>[</a:t>
                       </a:r>
                       <a:r>
-                        <a:rPr lang="en-US" sz="2400" dirty="0" err="1" smtClean="0">
+                        <a:rPr lang="en-US" sz="2400" dirty="0" err="1">
                           <a:solidFill>
                             <a:srgbClr val="FF0000"/>
                           </a:solidFill>
@@ -9271,7 +9238,7 @@
                         <a:t>abc</a:t>
                       </a:r>
                       <a:r>
-                        <a:rPr lang="en-US" sz="2400" dirty="0" smtClean="0">
+                        <a:rPr lang="en-US" sz="2400" dirty="0">
                           <a:solidFill>
                             <a:srgbClr val="FF0000"/>
                           </a:solidFill>
@@ -9280,13 +9247,6 @@
                         </a:rPr>
                         <a:t>]</a:t>
                       </a:r>
-                      <a:endParaRPr lang="en-US" sz="2400" dirty="0">
-                        <a:solidFill>
-                          <a:srgbClr val="FF0000"/>
-                        </a:solidFill>
-                        <a:latin typeface="Calibri"/>
-                        <a:cs typeface="Calibri"/>
-                      </a:endParaRPr>
                     </a:p>
                   </a:txBody>
                   <a:tcPr marL="121920" marR="121920" marT="60960" marB="60960"/>
@@ -9321,7 +9281,7 @@
                         <a:defRPr/>
                       </a:pPr>
                       <a:r>
-                        <a:rPr lang="en-US" sz="2400" dirty="0" smtClean="0">
+                        <a:rPr lang="en-US" sz="2400" dirty="0">
                           <a:solidFill>
                             <a:srgbClr val="CC0000"/>
                           </a:solidFill>
@@ -9331,7 +9291,7 @@
                         <a:t>[</a:t>
                       </a:r>
                       <a:r>
-                        <a:rPr lang="en-US" sz="2400" dirty="0" err="1" smtClean="0">
+                        <a:rPr lang="en-US" sz="2400" dirty="0" err="1">
                           <a:solidFill>
                             <a:srgbClr val="CC0000"/>
                           </a:solidFill>
@@ -9341,7 +9301,7 @@
                         <a:t>gG</a:t>
                       </a:r>
                       <a:r>
-                        <a:rPr lang="en-US" sz="2400" dirty="0" smtClean="0">
+                        <a:rPr lang="en-US" sz="2400" dirty="0">
                           <a:solidFill>
                             <a:srgbClr val="CC0000"/>
                           </a:solidFill>
@@ -9351,7 +9311,7 @@
                         <a:t>]</a:t>
                       </a:r>
                       <a:r>
-                        <a:rPr lang="en-US" sz="2400" dirty="0" err="1" smtClean="0">
+                        <a:rPr lang="en-US" sz="2400" dirty="0" err="1">
                           <a:solidFill>
                             <a:srgbClr val="CC0000"/>
                           </a:solidFill>
@@ -9361,7 +9321,7 @@
                         <a:t>roundhog</a:t>
                       </a:r>
                       <a:r>
-                        <a:rPr lang="en-US" sz="2400" b="1" dirty="0" smtClean="0">
+                        <a:rPr lang="en-US" sz="2400" b="1" dirty="0">
                           <a:solidFill>
                             <a:srgbClr val="CC0000"/>
                           </a:solidFill>
@@ -9371,7 +9331,7 @@
                         <a:t>|</a:t>
                       </a:r>
                       <a:r>
-                        <a:rPr lang="en-US" sz="2400" dirty="0" smtClean="0">
+                        <a:rPr lang="en-US" sz="2400" dirty="0">
                           <a:solidFill>
                             <a:srgbClr val="CC0000"/>
                           </a:solidFill>
@@ -9381,7 +9341,7 @@
                         <a:t>[</a:t>
                       </a:r>
                       <a:r>
-                        <a:rPr lang="en-US" sz="2400" dirty="0" err="1" smtClean="0">
+                        <a:rPr lang="en-US" sz="2400" dirty="0" err="1">
                           <a:solidFill>
                             <a:srgbClr val="CC0000"/>
                           </a:solidFill>
@@ -9391,7 +9351,7 @@
                         <a:t>Ww</a:t>
                       </a:r>
                       <a:r>
-                        <a:rPr lang="en-US" sz="2400" dirty="0" smtClean="0">
+                        <a:rPr lang="en-US" sz="2400" dirty="0">
                           <a:solidFill>
                             <a:srgbClr val="CC0000"/>
                           </a:solidFill>
@@ -9401,7 +9361,7 @@
                         <a:t>]</a:t>
                       </a:r>
                       <a:r>
-                        <a:rPr lang="en-US" sz="2400" dirty="0" err="1" smtClean="0">
+                        <a:rPr lang="en-US" sz="2400" dirty="0" err="1">
                           <a:solidFill>
                             <a:srgbClr val="CC0000"/>
                           </a:solidFill>
@@ -9410,7 +9370,7 @@
                         </a:rPr>
                         <a:t>oodchuck</a:t>
                       </a:r>
-                      <a:endParaRPr lang="en-US" sz="2400" dirty="0" smtClean="0"/>
+                      <a:endParaRPr lang="en-US" sz="2400" dirty="0"/>
                     </a:p>
                   </a:txBody>
                   <a:tcPr marL="121920" marR="121920" marT="60960" marB="60960"/>
@@ -9422,7 +9382,7 @@
                     <a:p>
                       <a:pPr marL="0" algn="l" defTabSz="914400" rtl="0" eaLnBrk="1" latinLnBrk="0" hangingPunct="1"/>
                       <a:r>
-                        <a:rPr lang="en-US" sz="2400" kern="1200" dirty="0" smtClean="0">
+                        <a:rPr lang="en-US" sz="2400" kern="1200" dirty="0">
                           <a:solidFill>
                             <a:srgbClr val="000000"/>
                           </a:solidFill>
@@ -9432,14 +9392,6 @@
                         </a:rPr>
                         <a:t>Woodchuck</a:t>
                       </a:r>
-                      <a:endParaRPr lang="en-US" sz="2400" kern="1200" dirty="0">
-                        <a:solidFill>
-                          <a:srgbClr val="000000"/>
-                        </a:solidFill>
-                        <a:latin typeface="Courier"/>
-                        <a:ea typeface="+mn-ea"/>
-                        <a:cs typeface="Courier"/>
-                      </a:endParaRPr>
                     </a:p>
                   </a:txBody>
                   <a:tcPr marL="121920" marR="121920" marT="60960" marB="60960"/>
@@ -9500,8 +9452,8 @@
           <a:lstStyle/>
           <a:p>
             <a:r>
-              <a:rPr lang="en-US" altLang="zh-TW" smtClean="0"/>
-              <a:t>NLP &amp; TM, Spring 2024</a:t>
+              <a:rPr lang="en-US" altLang="zh-TW"/>
+              <a:t>NLP &amp; TM, Spring 2025</a:t>
             </a:r>
             <a:endParaRPr lang="zh-TW" altLang="en-US"/>
           </a:p>
@@ -9523,7 +9475,7 @@
           <a:lstStyle/>
           <a:p>
             <a:r>
-              <a:rPr lang="en-US" altLang="zh-TW" smtClean="0"/>
+              <a:rPr lang="en-US" altLang="zh-TW"/>
               <a:t>NTUT CSIE</a:t>
             </a:r>
             <a:endParaRPr lang="zh-TW" altLang="en-US"/>
@@ -9563,13 +9515,6 @@
   <p:clrMapOvr>
     <a:masterClrMapping/>
   </p:clrMapOvr>
-  <p:timing>
-    <p:tnLst>
-      <p:par>
-        <p:cTn id="1" dur="indefinite" restart="never" nodeType="tmRoot"/>
-      </p:par>
-    </p:tnLst>
-  </p:timing>
 </p:sld>
 </file>
 
@@ -9606,7 +9551,7 @@
           <a:lstStyle/>
           <a:p>
             <a:r>
-              <a:rPr lang="en-US" dirty="0" smtClean="0"/>
+              <a:rPr lang="en-US" dirty="0"/>
               <a:t>Regular Expressions: </a:t>
             </a:r>
             <a:r>
@@ -9620,14 +9565,10 @@
             </a:r>
             <a:r>
               <a:rPr lang="en-US" dirty="0"/>
-              <a:t> </a:t>
-            </a:r>
-            <a:r>
-              <a:rPr lang="en-US" dirty="0" smtClean="0"/>
-              <a:t>   </a:t>
-            </a:r>
-            <a:r>
-              <a:rPr lang="en-US" dirty="0" smtClean="0">
+              <a:t>    </a:t>
+            </a:r>
+            <a:r>
+              <a:rPr lang="en-US" dirty="0">
                 <a:solidFill>
                   <a:srgbClr val="CC0000"/>
                 </a:solidFill>
@@ -9844,10 +9785,9 @@
                     <a:lstStyle/>
                     <a:p>
                       <a:r>
-                        <a:rPr lang="en-US" sz="2400" dirty="0" smtClean="0"/>
+                        <a:rPr lang="en-US" sz="2400" dirty="0"/>
                         <a:t>Pattern</a:t>
                       </a:r>
-                      <a:endParaRPr lang="en-US" sz="2400" dirty="0"/>
                     </a:p>
                   </a:txBody>
                   <a:tcPr marL="121920" marR="121920" marT="60960" marB="60960"/>
@@ -9858,10 +9798,9 @@
                     <a:lstStyle/>
                     <a:p>
                       <a:r>
-                        <a:rPr lang="en-US" sz="2400" dirty="0" smtClean="0"/>
+                        <a:rPr lang="en-US" sz="2400" dirty="0"/>
                         <a:t>Matches</a:t>
                       </a:r>
-                      <a:endParaRPr lang="en-US" sz="2400" dirty="0"/>
                     </a:p>
                   </a:txBody>
                   <a:tcPr marL="121920" marR="121920" marT="60960" marB="60960"/>
@@ -9889,7 +9828,7 @@
                     <a:lstStyle/>
                     <a:p>
                       <a:r>
-                        <a:rPr lang="en-US" sz="2400" dirty="0" err="1" smtClean="0">
+                        <a:rPr lang="en-US" sz="2400" dirty="0" err="1">
                           <a:solidFill>
                             <a:srgbClr val="CC0000"/>
                           </a:solidFill>
@@ -9909,11 +9848,11 @@
                     <a:lstStyle/>
                     <a:p>
                       <a:r>
-                        <a:rPr lang="en-US" sz="2400" dirty="0" smtClean="0"/>
+                        <a:rPr lang="en-US" sz="2400" dirty="0"/>
                         <a:t>Optional</a:t>
                       </a:r>
                       <a:r>
-                        <a:rPr lang="en-US" sz="2400" baseline="0" dirty="0" smtClean="0"/>
+                        <a:rPr lang="en-US" sz="2400" baseline="0" dirty="0"/>
                         <a:t> previous char</a:t>
                       </a:r>
                       <a:endParaRPr lang="en-US" sz="2400" dirty="0"/>
@@ -9927,7 +9866,7 @@
                     <a:lstStyle/>
                     <a:p>
                       <a:r>
-                        <a:rPr lang="en-US" sz="2400" u="sng" dirty="0" smtClean="0">
+                        <a:rPr lang="en-US" sz="2400" u="sng" dirty="0">
                           <a:solidFill>
                             <a:srgbClr val="0000FF"/>
                           </a:solidFill>
@@ -9937,14 +9876,14 @@
                         <a:t>color</a:t>
                       </a:r>
                       <a:r>
-                        <a:rPr lang="en-US" sz="2400" u="none" dirty="0" smtClean="0">
+                        <a:rPr lang="en-US" sz="2400" u="none" dirty="0">
                           <a:latin typeface="Courier"/>
                           <a:cs typeface="Courier"/>
                         </a:rPr>
                         <a:t>    </a:t>
                       </a:r>
                       <a:r>
-                        <a:rPr lang="en-US" sz="2400" u="sng" dirty="0" err="1" smtClean="0">
+                        <a:rPr lang="en-US" sz="2400" u="sng" dirty="0" err="1">
                           <a:solidFill>
                             <a:srgbClr val="0000FF"/>
                           </a:solidFill>
@@ -9977,7 +9916,7 @@
                     <a:lstStyle/>
                     <a:p>
                       <a:r>
-                        <a:rPr lang="en-US" sz="2400" dirty="0" err="1" smtClean="0">
+                        <a:rPr lang="en-US" sz="2400" dirty="0" err="1">
                           <a:solidFill>
                             <a:srgbClr val="CC0000"/>
                           </a:solidFill>
@@ -9987,7 +9926,7 @@
                         <a:t>oo</a:t>
                       </a:r>
                       <a:r>
-                        <a:rPr lang="en-US" sz="2400" dirty="0" smtClean="0">
+                        <a:rPr lang="en-US" sz="2400" dirty="0">
                           <a:solidFill>
                             <a:srgbClr val="CC0000"/>
                           </a:solidFill>
@@ -10007,7 +9946,7 @@
                     <a:lstStyle/>
                     <a:p>
                       <a:r>
-                        <a:rPr lang="en-US" sz="2400" dirty="0" smtClean="0">
+                        <a:rPr lang="en-US" sz="2400" dirty="0">
                           <a:solidFill>
                             <a:srgbClr val="000000"/>
                           </a:solidFill>
@@ -10015,7 +9954,7 @@
                         <a:t>0 or more of</a:t>
                       </a:r>
                       <a:r>
-                        <a:rPr lang="en-US" sz="2400" baseline="0" dirty="0" smtClean="0">
+                        <a:rPr lang="en-US" sz="2400" baseline="0" dirty="0">
                           <a:solidFill>
                             <a:srgbClr val="000000"/>
                           </a:solidFill>
@@ -10023,18 +9962,13 @@
                         <a:t> </a:t>
                       </a:r>
                       <a:r>
-                        <a:rPr lang="en-US" sz="2400" dirty="0" smtClean="0">
+                        <a:rPr lang="en-US" sz="2400" dirty="0">
                           <a:solidFill>
                             <a:srgbClr val="000000"/>
                           </a:solidFill>
                         </a:rPr>
                         <a:t>previous char</a:t>
                       </a:r>
-                      <a:endParaRPr lang="en-US" sz="2400" dirty="0">
-                        <a:solidFill>
-                          <a:srgbClr val="000000"/>
-                        </a:solidFill>
-                      </a:endParaRPr>
                     </a:p>
                   </a:txBody>
                   <a:tcPr marL="121920" marR="121920" marT="60960" marB="60960"/>
@@ -10062,7 +9996,7 @@
                         <a:defRPr/>
                       </a:pPr>
                       <a:r>
-                        <a:rPr lang="en-US" sz="2400" u="sng" dirty="0" smtClean="0">
+                        <a:rPr lang="en-US" sz="2400" u="sng" dirty="0">
                           <a:solidFill>
                             <a:srgbClr val="3366FF"/>
                           </a:solidFill>
@@ -10072,7 +10006,7 @@
                         <a:t>oh!</a:t>
                       </a:r>
                       <a:r>
-                        <a:rPr lang="en-US" sz="2400" u="none" dirty="0" smtClean="0">
+                        <a:rPr lang="en-US" sz="2400" u="none" dirty="0">
                           <a:solidFill>
                             <a:srgbClr val="3366FF"/>
                           </a:solidFill>
@@ -10082,7 +10016,7 @@
                         <a:t> </a:t>
                       </a:r>
                       <a:r>
-                        <a:rPr lang="en-US" sz="2400" u="sng" dirty="0" smtClean="0">
+                        <a:rPr lang="en-US" sz="2400" u="sng" dirty="0">
                           <a:solidFill>
                             <a:srgbClr val="3366FF"/>
                           </a:solidFill>
@@ -10092,7 +10026,7 @@
                         <a:t>ooh!</a:t>
                       </a:r>
                       <a:r>
-                        <a:rPr lang="en-US" sz="2400" u="none" dirty="0" smtClean="0">
+                        <a:rPr lang="en-US" sz="2400" u="none" dirty="0">
                           <a:solidFill>
                             <a:srgbClr val="000000"/>
                           </a:solidFill>
@@ -10102,7 +10036,7 @@
                         <a:t>  </a:t>
                       </a:r>
                       <a:r>
-                        <a:rPr lang="en-US" sz="2400" u="sng" dirty="0" err="1" smtClean="0">
+                        <a:rPr lang="en-US" sz="2400" u="sng" dirty="0" err="1">
                           <a:solidFill>
                             <a:srgbClr val="3366FF"/>
                           </a:solidFill>
@@ -10112,7 +10046,7 @@
                         <a:t>oooh</a:t>
                       </a:r>
                       <a:r>
-                        <a:rPr lang="en-US" sz="2400" u="sng" dirty="0" smtClean="0">
+                        <a:rPr lang="en-US" sz="2400" u="sng" dirty="0">
                           <a:solidFill>
                             <a:srgbClr val="3366FF"/>
                           </a:solidFill>
@@ -10122,7 +10056,7 @@
                         <a:t>!</a:t>
                       </a:r>
                       <a:r>
-                        <a:rPr lang="en-US" sz="2400" u="none" dirty="0" smtClean="0">
+                        <a:rPr lang="en-US" sz="2400" u="none" dirty="0">
                           <a:solidFill>
                             <a:srgbClr val="3366FF"/>
                           </a:solidFill>
@@ -10132,7 +10066,7 @@
                         <a:t> </a:t>
                       </a:r>
                       <a:r>
-                        <a:rPr lang="en-US" sz="2400" u="sng" dirty="0" err="1" smtClean="0">
+                        <a:rPr lang="en-US" sz="2400" u="sng" dirty="0" err="1">
                           <a:solidFill>
                             <a:srgbClr val="3366FF"/>
                           </a:solidFill>
@@ -10142,7 +10076,7 @@
                         <a:t>ooooh</a:t>
                       </a:r>
                       <a:r>
-                        <a:rPr lang="en-US" sz="2400" u="sng" dirty="0" smtClean="0">
+                        <a:rPr lang="en-US" sz="2400" u="sng" dirty="0">
                           <a:solidFill>
                             <a:srgbClr val="3366FF"/>
                           </a:solidFill>
@@ -10151,7 +10085,7 @@
                         </a:rPr>
                         <a:t>!</a:t>
                       </a:r>
-                      <a:endParaRPr lang="en-US" sz="2400" u="none" dirty="0" smtClean="0">
+                      <a:endParaRPr lang="en-US" sz="2400" u="none" dirty="0">
                         <a:solidFill>
                           <a:srgbClr val="000000"/>
                         </a:solidFill>
@@ -10175,7 +10109,7 @@
                     <a:lstStyle/>
                     <a:p>
                       <a:r>
-                        <a:rPr lang="en-US" sz="2400" dirty="0" err="1" smtClean="0">
+                        <a:rPr lang="en-US" sz="2400" dirty="0" err="1">
                           <a:solidFill>
                             <a:srgbClr val="CC0000"/>
                           </a:solidFill>
@@ -10185,7 +10119,7 @@
                         <a:t>o+h</a:t>
                       </a:r>
                       <a:r>
-                        <a:rPr lang="en-US" sz="2400" dirty="0" smtClean="0">
+                        <a:rPr lang="en-US" sz="2400" dirty="0">
                           <a:solidFill>
                             <a:srgbClr val="CC0000"/>
                           </a:solidFill>
@@ -10222,7 +10156,7 @@
                         <a:defRPr/>
                       </a:pPr>
                       <a:r>
-                        <a:rPr lang="en-US" sz="2400" dirty="0" smtClean="0">
+                        <a:rPr lang="en-US" sz="2400" dirty="0">
                           <a:solidFill>
                             <a:srgbClr val="000000"/>
                           </a:solidFill>
@@ -10256,7 +10190,7 @@
                         <a:defRPr/>
                       </a:pPr>
                       <a:r>
-                        <a:rPr lang="en-US" sz="2400" u="sng" dirty="0" smtClean="0">
+                        <a:rPr lang="en-US" sz="2400" u="sng" dirty="0">
                           <a:solidFill>
                             <a:srgbClr val="3366FF"/>
                           </a:solidFill>
@@ -10266,7 +10200,7 @@
                         <a:t>oh!</a:t>
                       </a:r>
                       <a:r>
-                        <a:rPr lang="en-US" sz="2400" u="none" dirty="0" smtClean="0">
+                        <a:rPr lang="en-US" sz="2400" u="none" dirty="0">
                           <a:solidFill>
                             <a:srgbClr val="3366FF"/>
                           </a:solidFill>
@@ -10276,7 +10210,7 @@
                         <a:t> </a:t>
                       </a:r>
                       <a:r>
-                        <a:rPr lang="en-US" sz="2400" u="sng" dirty="0" smtClean="0">
+                        <a:rPr lang="en-US" sz="2400" u="sng" dirty="0">
                           <a:solidFill>
                             <a:srgbClr val="3366FF"/>
                           </a:solidFill>
@@ -10286,7 +10220,7 @@
                         <a:t>ooh!</a:t>
                       </a:r>
                       <a:r>
-                        <a:rPr lang="en-US" sz="2400" u="none" dirty="0" smtClean="0">
+                        <a:rPr lang="en-US" sz="2400" u="none" dirty="0">
                           <a:solidFill>
                             <a:srgbClr val="000000"/>
                           </a:solidFill>
@@ -10296,7 +10230,7 @@
                         <a:t>  </a:t>
                       </a:r>
                       <a:r>
-                        <a:rPr lang="en-US" sz="2400" u="sng" dirty="0" err="1" smtClean="0">
+                        <a:rPr lang="en-US" sz="2400" u="sng" dirty="0" err="1">
                           <a:solidFill>
                             <a:srgbClr val="3366FF"/>
                           </a:solidFill>
@@ -10306,7 +10240,7 @@
                         <a:t>oooh</a:t>
                       </a:r>
                       <a:r>
-                        <a:rPr lang="en-US" sz="2400" u="sng" dirty="0" smtClean="0">
+                        <a:rPr lang="en-US" sz="2400" u="sng" dirty="0">
                           <a:solidFill>
                             <a:srgbClr val="3366FF"/>
                           </a:solidFill>
@@ -10316,7 +10250,7 @@
                         <a:t>!</a:t>
                       </a:r>
                       <a:r>
-                        <a:rPr lang="en-US" sz="2400" u="none" dirty="0" smtClean="0">
+                        <a:rPr lang="en-US" sz="2400" u="none" dirty="0">
                           <a:solidFill>
                             <a:srgbClr val="3366FF"/>
                           </a:solidFill>
@@ -10326,7 +10260,7 @@
                         <a:t> </a:t>
                       </a:r>
                       <a:r>
-                        <a:rPr lang="en-US" sz="2400" u="sng" dirty="0" err="1" smtClean="0">
+                        <a:rPr lang="en-US" sz="2400" u="sng" dirty="0" err="1">
                           <a:solidFill>
                             <a:srgbClr val="3366FF"/>
                           </a:solidFill>
@@ -10336,7 +10270,7 @@
                         <a:t>ooooh</a:t>
                       </a:r>
                       <a:r>
-                        <a:rPr lang="en-US" sz="2400" u="sng" dirty="0" smtClean="0">
+                        <a:rPr lang="en-US" sz="2400" u="sng" dirty="0">
                           <a:solidFill>
                             <a:srgbClr val="3366FF"/>
                           </a:solidFill>
@@ -10345,7 +10279,7 @@
                         </a:rPr>
                         <a:t>!</a:t>
                       </a:r>
-                      <a:endParaRPr lang="en-US" sz="2400" u="none" dirty="0" smtClean="0">
+                      <a:endParaRPr lang="en-US" sz="2400" u="none" dirty="0">
                         <a:solidFill>
                           <a:srgbClr val="000000"/>
                         </a:solidFill>
@@ -10386,7 +10320,7 @@
                         <a:defRPr/>
                       </a:pPr>
                       <a:r>
-                        <a:rPr lang="en-US" sz="2400" dirty="0" smtClean="0">
+                        <a:rPr lang="en-US" sz="2400" dirty="0">
                           <a:solidFill>
                             <a:srgbClr val="CC0000"/>
                           </a:solidFill>
@@ -10395,7 +10329,7 @@
                         </a:rPr>
                         <a:t>baa+</a:t>
                       </a:r>
-                      <a:endParaRPr lang="en-US" sz="2400" dirty="0" smtClean="0"/>
+                      <a:endParaRPr lang="en-US" sz="2400" dirty="0"/>
                     </a:p>
                   </a:txBody>
                   <a:tcPr marL="121920" marR="121920" marT="60960" marB="60960"/>
@@ -10433,7 +10367,7 @@
                         <a:defRPr/>
                       </a:pPr>
                       <a:r>
-                        <a:rPr lang="en-US" sz="2400" u="sng" dirty="0" smtClean="0">
+                        <a:rPr lang="en-US" sz="2400" u="sng" dirty="0">
                           <a:solidFill>
                             <a:srgbClr val="3366FF"/>
                           </a:solidFill>
@@ -10443,7 +10377,7 @@
                         <a:t>baa</a:t>
                       </a:r>
                       <a:r>
-                        <a:rPr lang="en-US" sz="2400" u="none" baseline="0" dirty="0" smtClean="0">
+                        <a:rPr lang="en-US" sz="2400" u="none" baseline="0" dirty="0">
                           <a:solidFill>
                             <a:srgbClr val="3366FF"/>
                           </a:solidFill>
@@ -10453,7 +10387,7 @@
                         <a:t> </a:t>
                       </a:r>
                       <a:r>
-                        <a:rPr lang="en-US" sz="2400" u="sng" baseline="0" dirty="0" err="1" smtClean="0">
+                        <a:rPr lang="en-US" sz="2400" u="sng" baseline="0" dirty="0" err="1">
                           <a:solidFill>
                             <a:srgbClr val="3366FF"/>
                           </a:solidFill>
@@ -10463,7 +10397,7 @@
                         <a:t>baaa</a:t>
                       </a:r>
                       <a:r>
-                        <a:rPr lang="en-US" sz="2400" u="none" baseline="0" dirty="0" smtClean="0">
+                        <a:rPr lang="en-US" sz="2400" u="none" baseline="0" dirty="0">
                           <a:solidFill>
                             <a:srgbClr val="3366FF"/>
                           </a:solidFill>
@@ -10473,7 +10407,7 @@
                         <a:t> </a:t>
                       </a:r>
                       <a:r>
-                        <a:rPr lang="en-US" sz="2400" u="sng" baseline="0" dirty="0" err="1" smtClean="0">
+                        <a:rPr lang="en-US" sz="2400" u="sng" baseline="0" dirty="0" err="1">
                           <a:solidFill>
                             <a:srgbClr val="3366FF"/>
                           </a:solidFill>
@@ -10483,7 +10417,7 @@
                         <a:t>baaaa</a:t>
                       </a:r>
                       <a:r>
-                        <a:rPr lang="en-US" sz="2400" u="none" baseline="0" dirty="0" smtClean="0">
+                        <a:rPr lang="en-US" sz="2400" u="none" baseline="0" dirty="0">
                           <a:solidFill>
                             <a:srgbClr val="3366FF"/>
                           </a:solidFill>
@@ -10493,7 +10427,7 @@
                         <a:t> </a:t>
                       </a:r>
                       <a:r>
-                        <a:rPr lang="en-US" sz="2400" u="sng" baseline="0" dirty="0" err="1" smtClean="0">
+                        <a:rPr lang="en-US" sz="2400" u="sng" baseline="0" dirty="0" err="1">
                           <a:solidFill>
                             <a:srgbClr val="3366FF"/>
                           </a:solidFill>
@@ -10502,7 +10436,7 @@
                         </a:rPr>
                         <a:t>baaaaa</a:t>
                       </a:r>
-                      <a:endParaRPr lang="en-US" sz="2400" u="none" dirty="0" smtClean="0">
+                      <a:endParaRPr lang="en-US" sz="2400" u="none" dirty="0">
                         <a:solidFill>
                           <a:srgbClr val="000000"/>
                         </a:solidFill>
@@ -10543,7 +10477,7 @@
                         <a:defRPr/>
                       </a:pPr>
                       <a:r>
-                        <a:rPr lang="en-US" sz="2400" dirty="0" err="1" smtClean="0">
+                        <a:rPr lang="en-US" sz="2400" dirty="0" err="1">
                           <a:solidFill>
                             <a:srgbClr val="CC0000"/>
                           </a:solidFill>
@@ -10552,7 +10486,7 @@
                         </a:rPr>
                         <a:t>beg.n</a:t>
                       </a:r>
-                      <a:endParaRPr lang="en-US" sz="2400" dirty="0" smtClean="0"/>
+                      <a:endParaRPr lang="en-US" sz="2400" dirty="0"/>
                     </a:p>
                   </a:txBody>
                   <a:tcPr marL="121920" marR="121920" marT="60960" marB="60960"/>
@@ -10590,7 +10524,7 @@
                         <a:defRPr/>
                       </a:pPr>
                       <a:r>
-                        <a:rPr lang="en-US" sz="2400" u="sng" dirty="0" smtClean="0">
+                        <a:rPr lang="en-US" sz="2400" u="sng" dirty="0">
                           <a:solidFill>
                             <a:srgbClr val="3366FF"/>
                           </a:solidFill>
@@ -10600,7 +10534,7 @@
                         <a:t>begin </a:t>
                       </a:r>
                       <a:r>
-                        <a:rPr lang="en-US" sz="2400" u="sng" baseline="0" dirty="0" smtClean="0">
+                        <a:rPr lang="en-US" sz="2400" u="sng" baseline="0" dirty="0">
                           <a:solidFill>
                             <a:srgbClr val="3366FF"/>
                           </a:solidFill>
@@ -10609,7 +10543,7 @@
                         </a:rPr>
                         <a:t>begun begun beg3n</a:t>
                       </a:r>
-                      <a:endParaRPr lang="en-US" sz="2400" u="none" dirty="0" smtClean="0">
+                      <a:endParaRPr lang="en-US" sz="2400" u="none" dirty="0">
                         <a:solidFill>
                           <a:srgbClr val="000000"/>
                         </a:solidFill>
@@ -10687,8 +10621,8 @@
           <a:lstStyle/>
           <a:p>
             <a:r>
-              <a:rPr lang="en-US" altLang="zh-TW" smtClean="0"/>
-              <a:t>NLP &amp; TM, Spring 2024</a:t>
+              <a:rPr lang="en-US" altLang="zh-TW"/>
+              <a:t>NLP &amp; TM, Spring 2025</a:t>
             </a:r>
             <a:endParaRPr lang="zh-TW" altLang="en-US"/>
           </a:p>
@@ -10710,7 +10644,7 @@
           <a:lstStyle/>
           <a:p>
             <a:r>
-              <a:rPr lang="en-US" altLang="zh-TW" smtClean="0"/>
+              <a:rPr lang="en-US" altLang="zh-TW"/>
               <a:t>NTUT CSIE</a:t>
             </a:r>
             <a:endParaRPr lang="zh-TW" altLang="en-US"/>
@@ -10750,13 +10684,6 @@
   <p:clrMapOvr>
     <a:masterClrMapping/>
   </p:clrMapOvr>
-  <p:timing>
-    <p:tnLst>
-      <p:par>
-        <p:cTn id="1" dur="indefinite" restart="never" nodeType="tmRoot"/>
-      </p:par>
-    </p:tnLst>
-  </p:timing>
 </p:sld>
 </file>
 
@@ -10795,25 +10722,16 @@
             <a:pPr eaLnBrk="1" hangingPunct="1"/>
             <a:r>
               <a:rPr lang="en-US" dirty="0"/>
-              <a:t>Regular </a:t>
-            </a:r>
-            <a:r>
-              <a:rPr lang="en-US" dirty="0" smtClean="0"/>
-              <a:t>Expressions: Anchors  </a:t>
-            </a:r>
-            <a:r>
-              <a:rPr lang="en-US" dirty="0" smtClean="0">
+              <a:t>Regular Expressions: Anchors  </a:t>
+            </a:r>
+            <a:r>
+              <a:rPr lang="en-US" dirty="0">
                 <a:solidFill>
                   <a:srgbClr val="FF0000"/>
                 </a:solidFill>
               </a:rPr>
               <a:t>^   $</a:t>
             </a:r>
-            <a:endParaRPr lang="en-US" dirty="0">
-              <a:solidFill>
-                <a:srgbClr val="FF0000"/>
-              </a:solidFill>
-            </a:endParaRPr>
           </a:p>
         </p:txBody>
       </p:sp>
@@ -10846,7 +10764,7 @@
               </a:spcBef>
             </a:pPr>
             <a:r>
-              <a:rPr lang="en-US" sz="3200" dirty="0" smtClean="0">
+              <a:rPr lang="en-US" sz="3200" dirty="0">
                 <a:latin typeface="Courier New" charset="0"/>
               </a:rPr>
               <a:t>^: start of line</a:t>
@@ -10862,14 +10780,11 @@
               </a:spcBef>
             </a:pPr>
             <a:r>
-              <a:rPr lang="en-US" sz="3200" dirty="0" smtClean="0">
+              <a:rPr lang="en-US" sz="3200" dirty="0">
                 <a:latin typeface="Courier New" charset="0"/>
               </a:rPr>
               <a:t>$: end of line</a:t>
             </a:r>
-            <a:endParaRPr lang="en-US" sz="3200" dirty="0">
-              <a:latin typeface="Courier New" charset="0"/>
-            </a:endParaRPr>
           </a:p>
         </p:txBody>
       </p:sp>
@@ -10920,10 +10835,9 @@
                     <a:lstStyle/>
                     <a:p>
                       <a:r>
-                        <a:rPr lang="en-US" sz="2400" dirty="0" smtClean="0"/>
+                        <a:rPr lang="en-US" sz="2400" dirty="0"/>
                         <a:t>Pattern</a:t>
                       </a:r>
-                      <a:endParaRPr lang="en-US" sz="2400" dirty="0"/>
                     </a:p>
                   </a:txBody>
                   <a:tcPr marL="121920" marR="121920" marT="60960" marB="60960"/>
@@ -10934,10 +10848,9 @@
                     <a:lstStyle/>
                     <a:p>
                       <a:r>
-                        <a:rPr lang="en-US" sz="2400" dirty="0" smtClean="0"/>
+                        <a:rPr lang="en-US" sz="2400" dirty="0"/>
                         <a:t>Matches</a:t>
                       </a:r>
-                      <a:endParaRPr lang="en-US" sz="2400" dirty="0"/>
                     </a:p>
                   </a:txBody>
                   <a:tcPr marL="121920" marR="121920" marT="60960" marB="60960"/>
@@ -10955,7 +10868,7 @@
                     <a:lstStyle/>
                     <a:p>
                       <a:r>
-                        <a:rPr lang="en-US" sz="2400" dirty="0" smtClean="0">
+                        <a:rPr lang="en-US" sz="2400" dirty="0">
                           <a:solidFill>
                             <a:srgbClr val="CC3300"/>
                           </a:solidFill>
@@ -10965,7 +10878,7 @@
                         <a:t>^</a:t>
                       </a:r>
                       <a:r>
-                        <a:rPr lang="en-US" sz="2400" dirty="0" smtClean="0">
+                        <a:rPr lang="en-US" sz="2400" dirty="0">
                           <a:latin typeface="Courier"/>
                           <a:cs typeface="Courier"/>
                         </a:rPr>
@@ -10982,7 +10895,7 @@
                     <a:lstStyle/>
                     <a:p>
                       <a:r>
-                        <a:rPr lang="en-US" sz="2400" u="sng" dirty="0" smtClean="0">
+                        <a:rPr lang="en-US" sz="2400" u="sng" dirty="0">
                           <a:solidFill>
                             <a:srgbClr val="0000FF"/>
                           </a:solidFill>
@@ -10992,7 +10905,7 @@
                         <a:t>P</a:t>
                       </a:r>
                       <a:r>
-                        <a:rPr lang="en-US" sz="2400" u="none" dirty="0" smtClean="0">
+                        <a:rPr lang="en-US" sz="2400" u="none" dirty="0">
                           <a:solidFill>
                             <a:srgbClr val="000000"/>
                           </a:solidFill>
@@ -11002,7 +10915,7 @@
                         <a:t>alo</a:t>
                       </a:r>
                       <a:r>
-                        <a:rPr lang="en-US" sz="2400" u="none" baseline="0" dirty="0" smtClean="0">
+                        <a:rPr lang="en-US" sz="2400" u="none" baseline="0" dirty="0">
                           <a:solidFill>
                             <a:srgbClr val="000000"/>
                           </a:solidFill>
@@ -11035,7 +10948,7 @@
                     <a:lstStyle/>
                     <a:p>
                       <a:r>
-                        <a:rPr lang="en-US" sz="2400" dirty="0" smtClean="0">
+                        <a:rPr lang="en-US" sz="2400" dirty="0">
                           <a:solidFill>
                             <a:srgbClr val="CC3300"/>
                           </a:solidFill>
@@ -11045,21 +10958,21 @@
                         <a:t>^</a:t>
                       </a:r>
                       <a:r>
-                        <a:rPr lang="en-US" sz="2400" dirty="0" smtClean="0">
+                        <a:rPr lang="en-US" sz="2400" dirty="0">
                           <a:latin typeface="Courier"/>
                           <a:cs typeface="Courier"/>
                         </a:rPr>
                         <a:t>[^A-</a:t>
                       </a:r>
                       <a:r>
-                        <a:rPr lang="en-US" sz="2400" dirty="0" err="1" smtClean="0">
+                        <a:rPr lang="en-US" sz="2400" dirty="0" err="1">
                           <a:latin typeface="Courier"/>
                           <a:cs typeface="Courier"/>
                         </a:rPr>
                         <a:t>Za</a:t>
                       </a:r>
                       <a:r>
-                        <a:rPr lang="en-US" sz="2400" dirty="0" smtClean="0">
+                        <a:rPr lang="en-US" sz="2400" dirty="0">
                           <a:latin typeface="Courier"/>
                           <a:cs typeface="Courier"/>
                         </a:rPr>
@@ -11093,7 +11006,7 @@
                         <a:defRPr/>
                       </a:pPr>
                       <a:r>
-                        <a:rPr lang="en-US" sz="2400" u="sng" dirty="0" smtClean="0">
+                        <a:rPr lang="en-US" sz="2400" u="sng" dirty="0">
                           <a:solidFill>
                             <a:srgbClr val="3366FF"/>
                           </a:solidFill>
@@ -11103,7 +11016,7 @@
                         <a:t>1</a:t>
                       </a:r>
                       <a:r>
-                        <a:rPr lang="en-US" sz="2400" u="none" baseline="0" dirty="0" smtClean="0">
+                        <a:rPr lang="en-US" sz="2400" u="none" baseline="0" dirty="0">
                           <a:solidFill>
                             <a:srgbClr val="3366FF"/>
                           </a:solidFill>
@@ -11113,7 +11026,7 @@
                         <a:t>    </a:t>
                       </a:r>
                       <a:r>
-                        <a:rPr lang="en-US" sz="2400" u="sng" baseline="0" dirty="0" smtClean="0">
+                        <a:rPr lang="en-US" sz="2400" u="sng" baseline="0" dirty="0">
                           <a:solidFill>
                             <a:srgbClr val="3366FF"/>
                           </a:solidFill>
@@ -11123,7 +11036,7 @@
                         <a:t>“</a:t>
                       </a:r>
                       <a:r>
-                        <a:rPr lang="en-US" sz="2400" u="sng" baseline="0" dirty="0" smtClean="0">
+                        <a:rPr lang="en-US" sz="2400" u="sng" baseline="0" dirty="0">
                           <a:solidFill>
                             <a:srgbClr val="000000"/>
                           </a:solidFill>
@@ -11132,7 +11045,7 @@
                         </a:rPr>
                         <a:t>Hello”</a:t>
                       </a:r>
-                      <a:endParaRPr lang="en-US" sz="2400" u="sng" dirty="0" smtClean="0">
+                      <a:endParaRPr lang="en-US" sz="2400" u="sng" dirty="0">
                         <a:solidFill>
                           <a:srgbClr val="000000"/>
                         </a:solidFill>
@@ -11156,7 +11069,7 @@
                     <a:lstStyle/>
                     <a:p>
                       <a:r>
-                        <a:rPr lang="en-US" sz="2400" dirty="0" smtClean="0">
+                        <a:rPr lang="en-US" sz="2400" dirty="0">
                           <a:latin typeface="Courier"/>
                           <a:cs typeface="Courier"/>
                           <a:sym typeface="Wingdings" charset="2"/>
@@ -11164,7 +11077,7 @@
                         <a:t>\.</a:t>
                       </a:r>
                       <a:r>
-                        <a:rPr lang="en-US" sz="2400" dirty="0" smtClean="0">
+                        <a:rPr lang="en-US" sz="2400" dirty="0">
                           <a:solidFill>
                             <a:srgbClr val="CC3300"/>
                           </a:solidFill>
@@ -11175,7 +11088,7 @@
                         <a:t>$</a:t>
                       </a:r>
                       <a:r>
-                        <a:rPr lang="en-US" sz="2400" dirty="0" smtClean="0">
+                        <a:rPr lang="en-US" sz="2400" dirty="0">
                           <a:latin typeface="Courier"/>
                           <a:cs typeface="Courier"/>
                           <a:sym typeface="Wingdings" charset="2"/>
@@ -11210,7 +11123,7 @@
                         <a:defRPr/>
                       </a:pPr>
                       <a:r>
-                        <a:rPr lang="en-US" sz="2400" u="none" dirty="0" smtClean="0">
+                        <a:rPr lang="en-US" sz="2400" u="none" dirty="0">
                           <a:solidFill>
                             <a:schemeClr val="tx1"/>
                           </a:solidFill>
@@ -11220,7 +11133,7 @@
                         <a:t>The end</a:t>
                       </a:r>
                       <a:r>
-                        <a:rPr lang="en-US" sz="2400" u="sng" dirty="0" smtClean="0">
+                        <a:rPr lang="en-US" sz="2400" u="sng" dirty="0">
                           <a:solidFill>
                             <a:srgbClr val="3366FF"/>
                           </a:solidFill>
@@ -11229,7 +11142,7 @@
                         </a:rPr>
                         <a:t>.</a:t>
                       </a:r>
-                      <a:endParaRPr lang="en-US" sz="2400" u="none" dirty="0" smtClean="0">
+                      <a:endParaRPr lang="en-US" sz="2400" u="none" dirty="0">
                         <a:solidFill>
                           <a:srgbClr val="000000"/>
                         </a:solidFill>
@@ -11270,7 +11183,7 @@
                         <a:defRPr/>
                       </a:pPr>
                       <a:r>
-                        <a:rPr lang="en-US" sz="2400" dirty="0" smtClean="0">
+                        <a:rPr lang="en-US" sz="2400" dirty="0">
                           <a:latin typeface="Courier"/>
                           <a:cs typeface="Courier"/>
                           <a:sym typeface="Wingdings" charset="2"/>
@@ -11278,7 +11191,7 @@
                         <a:t>.</a:t>
                       </a:r>
                       <a:r>
-                        <a:rPr lang="en-US" sz="2400" dirty="0" smtClean="0">
+                        <a:rPr lang="en-US" sz="2400" dirty="0">
                           <a:solidFill>
                             <a:srgbClr val="CC3300"/>
                           </a:solidFill>
@@ -11289,14 +11202,14 @@
                         <a:t>$</a:t>
                       </a:r>
                       <a:r>
-                        <a:rPr lang="en-US" sz="2400" dirty="0" smtClean="0">
+                        <a:rPr lang="en-US" sz="2400" dirty="0">
                           <a:latin typeface="Courier"/>
                           <a:cs typeface="Courier"/>
                           <a:sym typeface="Wingdings" charset="2"/>
                         </a:rPr>
                         <a:t> </a:t>
                       </a:r>
-                      <a:endParaRPr lang="en-US" sz="2400" dirty="0" smtClean="0"/>
+                      <a:endParaRPr lang="en-US" sz="2400" dirty="0"/>
                     </a:p>
                   </a:txBody>
                   <a:tcPr marL="121920" marR="121920" marT="60960" marB="60960"/>
@@ -11324,7 +11237,7 @@
                         <a:defRPr/>
                       </a:pPr>
                       <a:r>
-                        <a:rPr lang="en-US" sz="2400" u="none" dirty="0" smtClean="0">
+                        <a:rPr lang="en-US" sz="2400" u="none" dirty="0">
                           <a:solidFill>
                             <a:schemeClr val="tx1"/>
                           </a:solidFill>
@@ -11334,7 +11247,7 @@
                         <a:t>The end</a:t>
                       </a:r>
                       <a:r>
-                        <a:rPr lang="en-US" sz="2400" u="sng" dirty="0" smtClean="0">
+                        <a:rPr lang="en-US" sz="2400" u="sng" dirty="0">
                           <a:solidFill>
                             <a:srgbClr val="3366FF"/>
                           </a:solidFill>
@@ -11344,7 +11257,7 @@
                         <a:t>?</a:t>
                       </a:r>
                       <a:r>
-                        <a:rPr lang="en-US" sz="2400" u="none" baseline="0" dirty="0" smtClean="0">
+                        <a:rPr lang="en-US" sz="2400" u="none" baseline="0" dirty="0">
                           <a:solidFill>
                             <a:srgbClr val="3366FF"/>
                           </a:solidFill>
@@ -11354,7 +11267,7 @@
                         <a:t>  </a:t>
                       </a:r>
                       <a:r>
-                        <a:rPr lang="en-US" sz="2400" u="none" dirty="0" smtClean="0">
+                        <a:rPr lang="en-US" sz="2400" u="none" dirty="0">
                           <a:solidFill>
                             <a:schemeClr val="tx1"/>
                           </a:solidFill>
@@ -11364,7 +11277,7 @@
                         <a:t>The end</a:t>
                       </a:r>
                       <a:r>
-                        <a:rPr lang="en-US" sz="2400" u="sng" dirty="0" smtClean="0">
+                        <a:rPr lang="en-US" sz="2400" u="sng" dirty="0">
                           <a:solidFill>
                             <a:srgbClr val="3366FF"/>
                           </a:solidFill>
@@ -11373,7 +11286,7 @@
                         </a:rPr>
                         <a:t>!</a:t>
                       </a:r>
-                      <a:endParaRPr lang="en-US" sz="2400" u="none" dirty="0" smtClean="0">
+                      <a:endParaRPr lang="en-US" sz="2400" u="none" dirty="0">
                         <a:solidFill>
                           <a:srgbClr val="000000"/>
                         </a:solidFill>
@@ -11399,7 +11312,7 @@
                         <a:tabLst/>
                         <a:defRPr/>
                       </a:pPr>
-                      <a:endParaRPr lang="en-US" sz="2400" u="none" dirty="0" smtClean="0">
+                      <a:endParaRPr lang="en-US" sz="2400" u="none" dirty="0">
                         <a:solidFill>
                           <a:srgbClr val="000000"/>
                         </a:solidFill>
@@ -11436,8 +11349,8 @@
           <a:lstStyle/>
           <a:p>
             <a:r>
-              <a:rPr lang="en-US" altLang="zh-TW" smtClean="0"/>
-              <a:t>NLP &amp; TM, Spring 2024</a:t>
+              <a:rPr lang="en-US" altLang="zh-TW"/>
+              <a:t>NLP &amp; TM, Spring 2025</a:t>
             </a:r>
             <a:endParaRPr lang="zh-TW" altLang="en-US"/>
           </a:p>
@@ -11459,7 +11372,7 @@
           <a:lstStyle/>
           <a:p>
             <a:r>
-              <a:rPr lang="en-US" altLang="zh-TW" smtClean="0"/>
+              <a:rPr lang="en-US" altLang="zh-TW"/>
               <a:t>NTUT CSIE</a:t>
             </a:r>
             <a:endParaRPr lang="zh-TW" altLang="en-US"/>
@@ -11499,13 +11412,6 @@
   <p:clrMapOvr>
     <a:masterClrMapping/>
   </p:clrMapOvr>
-  <p:timing>
-    <p:tnLst>
-      <p:par>
-        <p:cTn id="1" dur="indefinite" restart="never" nodeType="tmRoot"/>
-      </p:par>
-    </p:tnLst>
-  </p:timing>
 </p:sld>
 </file>
 
@@ -11598,14 +11504,7 @@
                 <a:latin typeface="Calibri" panose="020F0502020204030204" pitchFamily="34" charset="0"/>
                 <a:cs typeface="Calibri" panose="020F0502020204030204" pitchFamily="34" charset="0"/>
               </a:rPr>
-              <a:t>" for special characters. </a:t>
-            </a:r>
-            <a:r>
-              <a:rPr lang="en-US" sz="3733" dirty="0">
-                <a:latin typeface="Calibri" panose="020F0502020204030204" pitchFamily="34" charset="0"/>
-                <a:cs typeface="Calibri" panose="020F0502020204030204" pitchFamily="34" charset="0"/>
-              </a:rPr>
-              <a:t>You must type extra backslashes!</a:t>
+              <a:t>" for special characters. You must type extra backslashes!</a:t>
             </a:r>
           </a:p>
           <a:p>
@@ -11781,6 +11680,64 @@
               <a:t>13</a:t>
             </a:fld>
             <a:endParaRPr lang="en-US" dirty="0"/>
+          </a:p>
+        </p:txBody>
+      </p:sp>
+      <p:sp>
+        <p:nvSpPr>
+          <p:cNvPr id="2" name="日期版面配置區 1">
+            <a:extLst>
+              <a:ext uri="{FF2B5EF4-FFF2-40B4-BE49-F238E27FC236}">
+                <a16:creationId xmlns:a16="http://schemas.microsoft.com/office/drawing/2014/main" id="{72979179-8F23-4A28-931C-60B705D2A691}"/>
+              </a:ext>
+            </a:extLst>
+          </p:cNvPr>
+          <p:cNvSpPr>
+            <a:spLocks noGrp="1"/>
+          </p:cNvSpPr>
+          <p:nvPr>
+            <p:ph type="dt" sz="half" idx="10"/>
+          </p:nvPr>
+        </p:nvSpPr>
+        <p:spPr/>
+        <p:txBody>
+          <a:bodyPr/>
+          <a:lstStyle/>
+          <a:p>
+            <a:r>
+              <a:rPr lang="en-US" altLang="zh-TW"/>
+              <a:t>NLP &amp; TM, Spring 2025</a:t>
+            </a:r>
+            <a:endParaRPr lang="zh-TW" altLang="en-US"/>
+          </a:p>
+        </p:txBody>
+      </p:sp>
+      <p:sp>
+        <p:nvSpPr>
+          <p:cNvPr id="3" name="頁尾版面配置區 2">
+            <a:extLst>
+              <a:ext uri="{FF2B5EF4-FFF2-40B4-BE49-F238E27FC236}">
+                <a16:creationId xmlns:a16="http://schemas.microsoft.com/office/drawing/2014/main" id="{AC235071-A084-449A-8DEE-1EF55B4C40B6}"/>
+              </a:ext>
+            </a:extLst>
+          </p:cNvPr>
+          <p:cNvSpPr>
+            <a:spLocks noGrp="1"/>
+          </p:cNvSpPr>
+          <p:nvPr>
+            <p:ph type="ftr" sz="quarter" idx="11"/>
+          </p:nvPr>
+        </p:nvSpPr>
+        <p:spPr/>
+        <p:txBody>
+          <a:bodyPr/>
+          <a:lstStyle/>
+          <a:p>
+            <a:r>
+              <a:rPr lang="en-US" altLang="zh-TW"/>
+              <a:t>NTUT CSIE</a:t>
+            </a:r>
+            <a:endParaRPr lang="zh-TW" altLang="en-US"/>
           </a:p>
         </p:txBody>
       </p:sp>
@@ -11855,40 +11812,13 @@
             <a:pPr eaLnBrk="1" hangingPunct="1"/>
             <a:r>
               <a:rPr lang="en-US" dirty="0"/>
-              <a:t>Find me all instances of the word “the” in a </a:t>
-            </a:r>
-            <a:r>
-              <a:rPr lang="en-US" dirty="0" smtClean="0"/>
-              <a:t>text</a:t>
-            </a:r>
-            <a:endParaRPr lang="en-US" dirty="0"/>
+              <a:t>Find me all instances of the word “the” in a text</a:t>
+            </a:r>
           </a:p>
           <a:p>
             <a:pPr marL="609585" lvl="1" indent="0">
               <a:buNone/>
             </a:pPr>
-            <a:endParaRPr lang="en-US" dirty="0" smtClean="0">
-              <a:solidFill>
-                <a:srgbClr val="A50021"/>
-              </a:solidFill>
-              <a:latin typeface="Courier"/>
-              <a:cs typeface="Courier"/>
-            </a:endParaRPr>
-          </a:p>
-          <a:p>
-            <a:pPr marL="609585" lvl="1" indent="0">
-              <a:buNone/>
-            </a:pPr>
-            <a:r>
-              <a:rPr lang="en-US" dirty="0" smtClean="0">
-                <a:solidFill>
-                  <a:srgbClr val="A50021"/>
-                </a:solidFill>
-                <a:latin typeface="Courier"/>
-                <a:cs typeface="Courier"/>
-              </a:rPr>
-              <a:t>the</a:t>
-            </a:r>
             <a:endParaRPr lang="en-US" dirty="0">
               <a:solidFill>
                 <a:srgbClr val="A50021"/>
@@ -11898,19 +11828,24 @@
             </a:endParaRPr>
           </a:p>
           <a:p>
+            <a:pPr marL="609585" lvl="1" indent="0">
+              <a:buNone/>
+            </a:pPr>
+            <a:r>
+              <a:rPr lang="en-US" dirty="0">
+                <a:solidFill>
+                  <a:srgbClr val="A50021"/>
+                </a:solidFill>
+                <a:latin typeface="Courier"/>
+                <a:cs typeface="Courier"/>
+              </a:rPr>
+              <a:t>the</a:t>
+            </a:r>
+          </a:p>
+          <a:p>
             <a:pPr marL="1066773" lvl="2" indent="0">
               <a:buNone/>
             </a:pPr>
-            <a:r>
-              <a:rPr lang="en-US" dirty="0" smtClean="0">
-                <a:solidFill>
-                  <a:srgbClr val="000000"/>
-                </a:solidFill>
-                <a:latin typeface="Calibri"/>
-                <a:cs typeface="Calibri"/>
-              </a:rPr>
-              <a:t>                                                Misses </a:t>
-            </a:r>
             <a:r>
               <a:rPr lang="en-US" dirty="0">
                 <a:solidFill>
@@ -11919,65 +11854,13 @@
                 <a:latin typeface="Calibri"/>
                 <a:cs typeface="Calibri"/>
               </a:rPr>
-              <a:t>capitalized examples</a:t>
+              <a:t>                                                Misses capitalized examples</a:t>
             </a:r>
           </a:p>
           <a:p>
             <a:pPr marL="609585" lvl="1" indent="0">
               <a:buNone/>
             </a:pPr>
-            <a:endParaRPr lang="en-US" dirty="0" smtClean="0">
-              <a:solidFill>
-                <a:srgbClr val="009900"/>
-              </a:solidFill>
-              <a:latin typeface="Courier"/>
-              <a:cs typeface="Courier"/>
-            </a:endParaRPr>
-          </a:p>
-          <a:p>
-            <a:pPr marL="609585" lvl="1" indent="0">
-              <a:buNone/>
-            </a:pPr>
-            <a:r>
-              <a:rPr lang="en-US" dirty="0" smtClean="0">
-                <a:solidFill>
-                  <a:srgbClr val="009900"/>
-                </a:solidFill>
-                <a:latin typeface="Courier"/>
-                <a:cs typeface="Courier"/>
-              </a:rPr>
-              <a:t>[</a:t>
-            </a:r>
-            <a:r>
-              <a:rPr lang="en-US" dirty="0" err="1">
-                <a:solidFill>
-                  <a:srgbClr val="009900"/>
-                </a:solidFill>
-                <a:latin typeface="Courier"/>
-                <a:cs typeface="Courier"/>
-              </a:rPr>
-              <a:t>tT</a:t>
-            </a:r>
-            <a:r>
-              <a:rPr lang="en-US" dirty="0">
-                <a:solidFill>
-                  <a:srgbClr val="009900"/>
-                </a:solidFill>
-                <a:latin typeface="Courier"/>
-                <a:cs typeface="Courier"/>
-              </a:rPr>
-              <a:t>]</a:t>
-            </a:r>
-            <a:r>
-              <a:rPr lang="en-US" dirty="0" smtClean="0">
-                <a:solidFill>
-                  <a:srgbClr val="009900"/>
-                </a:solidFill>
-                <a:latin typeface="Courier"/>
-                <a:cs typeface="Courier"/>
-              </a:rPr>
-              <a:t>he</a:t>
-            </a:r>
             <a:endParaRPr lang="en-US" dirty="0">
               <a:solidFill>
                 <a:srgbClr val="009900"/>
@@ -11987,63 +11870,70 @@
             </a:endParaRPr>
           </a:p>
           <a:p>
+            <a:pPr marL="609585" lvl="1" indent="0">
+              <a:buNone/>
+            </a:pPr>
+            <a:r>
+              <a:rPr lang="en-US" dirty="0">
+                <a:solidFill>
+                  <a:srgbClr val="009900"/>
+                </a:solidFill>
+                <a:latin typeface="Courier"/>
+                <a:cs typeface="Courier"/>
+              </a:rPr>
+              <a:t>[</a:t>
+            </a:r>
+            <a:r>
+              <a:rPr lang="en-US" dirty="0" err="1">
+                <a:solidFill>
+                  <a:srgbClr val="009900"/>
+                </a:solidFill>
+                <a:latin typeface="Courier"/>
+                <a:cs typeface="Courier"/>
+              </a:rPr>
+              <a:t>tT</a:t>
+            </a:r>
+            <a:r>
+              <a:rPr lang="en-US" dirty="0">
+                <a:solidFill>
+                  <a:srgbClr val="009900"/>
+                </a:solidFill>
+                <a:latin typeface="Courier"/>
+                <a:cs typeface="Courier"/>
+              </a:rPr>
+              <a:t>]he</a:t>
+            </a:r>
+          </a:p>
+          <a:p>
             <a:pPr marL="1066773" lvl="2" indent="0">
               <a:buNone/>
             </a:pPr>
             <a:r>
-              <a:rPr lang="en-US" dirty="0" smtClean="0">
-                <a:latin typeface="Calibri"/>
-                <a:cs typeface="Calibri"/>
-              </a:rPr>
-              <a:t>                                                </a:t>
-            </a:r>
-            <a:r>
               <a:rPr lang="en-US" dirty="0">
                 <a:latin typeface="Calibri"/>
                 <a:cs typeface="Calibri"/>
               </a:rPr>
-              <a:t>I</a:t>
-            </a:r>
-            <a:r>
-              <a:rPr lang="en-US" dirty="0" smtClean="0">
-                <a:latin typeface="Calibri"/>
-                <a:cs typeface="Calibri"/>
-              </a:rPr>
-              <a:t>ncorrectly </a:t>
+              <a:t>                                                Incorrectly returns </a:t>
+            </a:r>
+            <a:r>
+              <a:rPr lang="en-US" dirty="0">
+                <a:latin typeface="Courier"/>
+                <a:cs typeface="Courier"/>
+              </a:rPr>
+              <a:t>other</a:t>
             </a:r>
             <a:r>
               <a:rPr lang="en-US" dirty="0">
                 <a:latin typeface="Calibri"/>
                 <a:cs typeface="Calibri"/>
               </a:rPr>
-              <a:t>r</a:t>
-            </a:r>
-            <a:r>
-              <a:rPr lang="en-US" dirty="0" smtClean="0">
-                <a:latin typeface="Calibri"/>
-                <a:cs typeface="Calibri"/>
-              </a:rPr>
-              <a:t>eturns </a:t>
+              <a:t> or </a:t>
             </a:r>
             <a:r>
               <a:rPr lang="en-US" dirty="0">
                 <a:latin typeface="Courier"/>
                 <a:cs typeface="Courier"/>
               </a:rPr>
-              <a:t>other</a:t>
-            </a:r>
-            <a:r>
-              <a:rPr lang="en-US" dirty="0">
-                <a:latin typeface="Calibri"/>
-                <a:cs typeface="Calibri"/>
-              </a:rPr>
-              <a:t> or </a:t>
-            </a:r>
-            <a:r>
-              <a:rPr lang="en-US" dirty="0">
-                <a:latin typeface="Courier"/>
-                <a:cs typeface="Courier"/>
-              </a:rPr>
               <a:t>theology</a:t>
             </a:r>
           </a:p>
@@ -12051,7 +11941,7 @@
             <a:pPr marL="609585" lvl="1" indent="0">
               <a:buNone/>
             </a:pPr>
-            <a:endParaRPr lang="en-US" dirty="0" smtClean="0">
+            <a:endParaRPr lang="en-US" dirty="0">
               <a:solidFill>
                 <a:srgbClr val="0066FF"/>
               </a:solidFill>
@@ -12064,16 +11954,6 @@
               <a:buNone/>
             </a:pPr>
             <a:r>
-              <a:rPr lang="en-US" dirty="0" smtClean="0">
-                <a:solidFill>
-                  <a:srgbClr val="0066FF"/>
-                </a:solidFill>
-                <a:latin typeface="Courier"/>
-                <a:cs typeface="Courier"/>
-              </a:rPr>
-              <a:t>[^</a:t>
-            </a:r>
-            <a:r>
               <a:rPr lang="en-US" dirty="0">
                 <a:solidFill>
                   <a:srgbClr val="0066FF"/>
@@ -12081,7 +11961,7 @@
                 <a:latin typeface="Courier"/>
                 <a:cs typeface="Courier"/>
               </a:rPr>
-              <a:t>a-</a:t>
+              <a:t>[^a-</a:t>
             </a:r>
             <a:r>
               <a:rPr lang="en-US" dirty="0" err="1">
@@ -12168,17 +12048,7 @@
                 <a:latin typeface="Courier"/>
                 <a:cs typeface="Courier"/>
               </a:rPr>
-              <a:t>-Z</a:t>
-            </a:r>
-            <a:r>
-              <a:rPr lang="en-US" dirty="0" smtClean="0">
-                <a:solidFill>
-                  <a:srgbClr val="0066FF"/>
-                </a:solidFill>
-                <a:latin typeface="Courier"/>
-                <a:cs typeface="Courier"/>
-              </a:rPr>
-              <a:t>]</a:t>
+              <a:t>-Z]</a:t>
             </a:r>
             <a:endParaRPr lang="en-US" dirty="0">
               <a:latin typeface="Courier"/>
@@ -12190,7 +12060,7 @@
               <a:buNone/>
             </a:pPr>
             <a:r>
-              <a:rPr lang="en-US" dirty="0" smtClean="0">
+              <a:rPr lang="en-US" dirty="0">
                 <a:latin typeface="Calibri"/>
                 <a:cs typeface="Calibri"/>
               </a:rPr>
@@ -12227,8 +12097,8 @@
           <a:lstStyle/>
           <a:p>
             <a:r>
-              <a:rPr lang="en-US" altLang="zh-TW" smtClean="0"/>
-              <a:t>NLP &amp; TM, Spring 2024</a:t>
+              <a:rPr lang="en-US" altLang="zh-TW"/>
+              <a:t>NLP &amp; TM, Spring 2025</a:t>
             </a:r>
             <a:endParaRPr lang="zh-TW" altLang="en-US"/>
           </a:p>
@@ -12250,7 +12120,7 @@
           <a:lstStyle/>
           <a:p>
             <a:r>
-              <a:rPr lang="en-US" altLang="zh-TW" smtClean="0"/>
+              <a:rPr lang="en-US" altLang="zh-TW"/>
               <a:t>NTUT CSIE</a:t>
             </a:r>
             <a:endParaRPr lang="zh-TW" altLang="en-US"/>
@@ -12723,8 +12593,8 @@
           <a:lstStyle/>
           <a:p>
             <a:r>
-              <a:rPr lang="en-US" altLang="zh-TW" smtClean="0"/>
-              <a:t>NLP &amp; TM, Spring 2024</a:t>
+              <a:rPr lang="en-US" altLang="zh-TW"/>
+              <a:t>NLP &amp; TM, Spring 2025</a:t>
             </a:r>
             <a:endParaRPr lang="zh-TW" altLang="en-US"/>
           </a:p>
@@ -12746,7 +12616,7 @@
           <a:lstStyle/>
           <a:p>
             <a:r>
-              <a:rPr lang="en-US" altLang="zh-TW" smtClean="0"/>
+              <a:rPr lang="en-US" altLang="zh-TW"/>
               <a:t>NTUT CSIE</a:t>
             </a:r>
             <a:endParaRPr lang="zh-TW" altLang="en-US"/>
@@ -12786,13 +12656,6 @@
   <p:clrMapOvr>
     <a:masterClrMapping/>
   </p:clrMapOvr>
-  <p:timing>
-    <p:tnLst>
-      <p:par>
-        <p:cTn id="1" dur="indefinite" restart="never" nodeType="tmRoot"/>
-      </p:par>
-    </p:tnLst>
-  </p:timing>
 </p:sld>
 </file>
 
@@ -12829,10 +12692,9 @@
           <a:lstStyle/>
           <a:p>
             <a:r>
-              <a:rPr lang="en-US" dirty="0" smtClean="0"/>
+              <a:rPr lang="en-US" dirty="0"/>
               <a:t>Errors cont.</a:t>
             </a:r>
-            <a:endParaRPr lang="en-US" dirty="0"/>
           </a:p>
         </p:txBody>
       </p:sp>
@@ -12853,13 +12715,8 @@
           <a:p>
             <a:r>
               <a:rPr lang="en-US" sz="3733" dirty="0"/>
-              <a:t>In NLP we are always dealing with these kinds of </a:t>
-            </a:r>
-            <a:r>
-              <a:rPr lang="en-US" sz="3733" dirty="0" smtClean="0"/>
-              <a:t>errors</a:t>
-            </a:r>
-            <a:endParaRPr lang="en-US" sz="3733" dirty="0"/>
+              <a:t>In NLP we are always dealing with these kinds of errors</a:t>
+            </a:r>
           </a:p>
           <a:p>
             <a:r>
@@ -12915,8 +12772,8 @@
           <a:lstStyle/>
           <a:p>
             <a:r>
-              <a:rPr lang="en-US" altLang="zh-TW" smtClean="0"/>
-              <a:t>NLP &amp; TM, Spring 2024</a:t>
+              <a:rPr lang="en-US" altLang="zh-TW"/>
+              <a:t>NLP &amp; TM, Spring 2025</a:t>
             </a:r>
             <a:endParaRPr lang="zh-TW" altLang="en-US"/>
           </a:p>
@@ -12938,7 +12795,7 @@
           <a:lstStyle/>
           <a:p>
             <a:r>
-              <a:rPr lang="en-US" altLang="zh-TW" smtClean="0"/>
+              <a:rPr lang="en-US" altLang="zh-TW"/>
               <a:t>NTUT CSIE</a:t>
             </a:r>
             <a:endParaRPr lang="zh-TW" altLang="en-US"/>
@@ -12978,13 +12835,6 @@
   <p:clrMapOvr>
     <a:masterClrMapping/>
   </p:clrMapOvr>
-  <p:timing>
-    <p:tnLst>
-      <p:par>
-        <p:cTn id="1" dur="indefinite" restart="never" nodeType="tmRoot"/>
-      </p:par>
-    </p:tnLst>
-  </p:timing>
 </p:sld>
 </file>
 
@@ -13050,54 +12900,37 @@
           <a:p>
             <a:pPr lvl="1"/>
             <a:r>
-              <a:rPr lang="en-US" dirty="0" smtClean="0"/>
-              <a:t>Sophisticated sequences </a:t>
-            </a:r>
-            <a:r>
               <a:rPr lang="en-US" dirty="0"/>
-              <a:t>of regular expressions are often the first model </a:t>
-            </a:r>
-            <a:r>
-              <a:rPr lang="en-US" dirty="0" smtClean="0"/>
-              <a:t>for any text processing text</a:t>
+              <a:t>Sophisticated sequences of regular expressions are often the first model for any text processing text</a:t>
             </a:r>
           </a:p>
           <a:p>
             <a:r>
               <a:rPr lang="en-US" dirty="0"/>
-              <a:t>For many hard tasks, we use machine learning </a:t>
-            </a:r>
-            <a:r>
-              <a:rPr lang="en-US" dirty="0" smtClean="0"/>
-              <a:t>classifiers</a:t>
+              <a:t>For many hard tasks, we use machine learning classifiers</a:t>
             </a:r>
           </a:p>
           <a:p>
             <a:pPr lvl="1"/>
             <a:r>
-              <a:rPr lang="en-US" dirty="0" smtClean="0"/>
+              <a:rPr lang="en-US" dirty="0"/>
               <a:t>But regular expressions are</a:t>
             </a:r>
             <a:r>
-              <a:rPr lang="en-US" altLang="zh-TW" dirty="0" smtClean="0"/>
-              <a:t> </a:t>
-            </a:r>
-            <a:r>
               <a:rPr lang="en-US" altLang="zh-TW" dirty="0"/>
-              <a:t>still used for pre-processing, or as features </a:t>
-            </a:r>
-            <a:r>
-              <a:rPr lang="en-US" dirty="0" smtClean="0"/>
+              <a:t> still used for pre-processing, or as features </a:t>
+            </a:r>
+            <a:r>
+              <a:rPr lang="en-US" dirty="0"/>
               <a:t>in the classifiers</a:t>
             </a:r>
           </a:p>
           <a:p>
             <a:pPr lvl="1"/>
             <a:r>
-              <a:rPr lang="en-US" dirty="0" smtClean="0"/>
+              <a:rPr lang="en-US" dirty="0"/>
               <a:t>Can be very useful in capturing generalizations</a:t>
             </a:r>
-            <a:endParaRPr lang="en-US" dirty="0"/>
           </a:p>
           <a:p>
             <a:pPr lvl="1"/>
@@ -13147,8 +12980,8 @@
           <a:lstStyle/>
           <a:p>
             <a:r>
-              <a:rPr lang="en-US" altLang="zh-TW" smtClean="0"/>
-              <a:t>NLP &amp; TM, Spring 2024</a:t>
+              <a:rPr lang="en-US" altLang="zh-TW"/>
+              <a:t>NLP &amp; TM, Spring 2025</a:t>
             </a:r>
             <a:endParaRPr lang="zh-TW" altLang="en-US"/>
           </a:p>
@@ -13170,7 +13003,7 @@
           <a:lstStyle/>
           <a:p>
             <a:r>
-              <a:rPr lang="en-US" altLang="zh-TW" smtClean="0"/>
+              <a:rPr lang="en-US" altLang="zh-TW"/>
               <a:t>NTUT CSIE</a:t>
             </a:r>
             <a:endParaRPr lang="zh-TW" altLang="en-US"/>
@@ -13187,13 +13020,6 @@
   <p:clrMapOvr>
     <a:masterClrMapping/>
   </p:clrMapOvr>
-  <p:timing>
-    <p:tnLst>
-      <p:par>
-        <p:cTn id="1" dur="indefinite" restart="never" nodeType="tmRoot"/>
-      </p:par>
-    </p:tnLst>
-  </p:timing>
 </p:sld>
 </file>
 
@@ -13295,8 +13121,8 @@
           <a:lstStyle/>
           <a:p>
             <a:r>
-              <a:rPr lang="en-US" altLang="zh-TW" smtClean="0"/>
-              <a:t>NLP &amp; TM, Spring 2024</a:t>
+              <a:rPr lang="en-US" altLang="zh-TW"/>
+              <a:t>NLP &amp; TM, Spring 2025</a:t>
             </a:r>
             <a:endParaRPr lang="zh-TW" altLang="en-US"/>
           </a:p>
@@ -13318,7 +13144,7 @@
           <a:lstStyle/>
           <a:p>
             <a:r>
-              <a:rPr lang="en-US" altLang="zh-TW" smtClean="0"/>
+              <a:rPr lang="en-US" altLang="zh-TW"/>
               <a:t>NTUT CSIE</a:t>
             </a:r>
             <a:endParaRPr lang="zh-TW" altLang="en-US"/>
@@ -13499,8 +13325,8 @@
           <a:lstStyle/>
           <a:p>
             <a:r>
-              <a:rPr lang="en-US" altLang="zh-TW" smtClean="0"/>
-              <a:t>NLP &amp; TM, Spring 2024</a:t>
+              <a:rPr lang="en-US" altLang="zh-TW"/>
+              <a:t>NLP &amp; TM, Spring 2025</a:t>
             </a:r>
             <a:endParaRPr lang="zh-TW" altLang="en-US"/>
           </a:p>
@@ -13522,7 +13348,7 @@
           <a:lstStyle/>
           <a:p>
             <a:r>
-              <a:rPr lang="en-US" altLang="zh-TW" smtClean="0"/>
+              <a:rPr lang="en-US" altLang="zh-TW"/>
               <a:t>NTUT CSIE</a:t>
             </a:r>
             <a:endParaRPr lang="zh-TW" altLang="en-US"/>
@@ -13598,7 +13424,7 @@
           <a:lstStyle/>
           <a:p>
             <a:r>
-              <a:rPr lang="en-US" altLang="zh-TW" dirty="0" smtClean="0"/>
+              <a:rPr lang="en-US" altLang="zh-TW" dirty="0"/>
               <a:t>Reference</a:t>
             </a:r>
             <a:endParaRPr lang="zh-TW" altLang="en-US" dirty="0"/>
@@ -13621,30 +13447,22 @@
           <a:lstStyle/>
           <a:p>
             <a:r>
-              <a:rPr lang="en-US" altLang="zh-TW" dirty="0" smtClean="0"/>
-              <a:t>Ch.2</a:t>
-            </a:r>
-            <a:r>
               <a:rPr lang="en-US" altLang="zh-TW" dirty="0"/>
-              <a:t>: </a:t>
-            </a:r>
-            <a:r>
-              <a:rPr lang="en-US" altLang="zh-TW" dirty="0" smtClean="0"/>
-              <a:t>Regular </a:t>
+              <a:t>Ch.2: Regular Expressions</a:t>
+            </a:r>
+            <a:r>
+              <a:rPr lang="en-US" altLang="zh-TW"/>
+              <a:t>, Tokenization</a:t>
             </a:r>
             <a:r>
               <a:rPr lang="en-US" altLang="zh-TW" dirty="0"/>
-              <a:t>Expressions, Text Normalization, Edit Distance, </a:t>
-            </a:r>
-            <a:r>
-              <a:rPr lang="en-US" altLang="zh-TW" dirty="0" smtClean="0"/>
-              <a:t/>
+              <a:t>, Edit Distance, </a:t>
             </a:r>
             <a:br>
-              <a:rPr lang="en-US" altLang="zh-TW" dirty="0" smtClean="0"/>
+              <a:rPr lang="en-US" altLang="zh-TW" dirty="0"/>
             </a:br>
             <a:r>
-              <a:rPr lang="en-US" altLang="zh-TW" dirty="0" smtClean="0"/>
+              <a:rPr lang="en-US" altLang="zh-TW" dirty="0"/>
               <a:t>Dan </a:t>
             </a:r>
             <a:r>
@@ -13677,8 +13495,8 @@
           <a:lstStyle/>
           <a:p>
             <a:r>
-              <a:rPr lang="en-US" altLang="zh-TW" smtClean="0"/>
-              <a:t>NLP &amp; TM, Spring 2024</a:t>
+              <a:rPr lang="en-US" altLang="zh-TW"/>
+              <a:t>NLP &amp; TM, Spring 2025</a:t>
             </a:r>
             <a:endParaRPr lang="zh-TW" altLang="en-US"/>
           </a:p>
@@ -13700,7 +13518,7 @@
           <a:lstStyle/>
           <a:p>
             <a:r>
-              <a:rPr lang="en-US" altLang="zh-TW" smtClean="0"/>
+              <a:rPr lang="en-US" altLang="zh-TW"/>
               <a:t>NTUT CSIE</a:t>
             </a:r>
             <a:endParaRPr lang="zh-TW" altLang="en-US"/>
@@ -13980,8 +13798,8 @@
           <a:lstStyle/>
           <a:p>
             <a:r>
-              <a:rPr lang="en-US" altLang="zh-TW" smtClean="0"/>
-              <a:t>NLP &amp; TM, Spring 2024</a:t>
+              <a:rPr lang="en-US" altLang="zh-TW"/>
+              <a:t>NLP &amp; TM, Spring 2025</a:t>
             </a:r>
             <a:endParaRPr lang="zh-TW" altLang="en-US"/>
           </a:p>
@@ -14003,7 +13821,7 @@
           <a:lstStyle/>
           <a:p>
             <a:r>
-              <a:rPr lang="en-US" altLang="zh-TW" smtClean="0"/>
+              <a:rPr lang="en-US" altLang="zh-TW"/>
               <a:t>NTUT CSIE</a:t>
             </a:r>
             <a:endParaRPr lang="zh-TW" altLang="en-US"/>
@@ -14228,12 +14046,8 @@
               <a:buNone/>
             </a:pPr>
             <a:r>
-              <a:rPr lang="en-US" i="1" dirty="0" smtClean="0"/>
-              <a:t>     </a:t>
-            </a:r>
-            <a:r>
               <a:rPr lang="en-US" i="1" dirty="0"/>
-              <a:t>the </a:t>
+              <a:t>     the </a:t>
             </a:r>
             <a:r>
               <a:rPr lang="en-US" i="1" dirty="0">
@@ -14294,8 +14108,8 @@
           <a:lstStyle/>
           <a:p>
             <a:r>
-              <a:rPr lang="en-US" altLang="zh-TW" smtClean="0"/>
-              <a:t>NLP &amp; TM, Spring 2024</a:t>
+              <a:rPr lang="en-US" altLang="zh-TW"/>
+              <a:t>NLP &amp; TM, Spring 2025</a:t>
             </a:r>
             <a:endParaRPr lang="zh-TW" altLang="en-US"/>
           </a:p>
@@ -14317,7 +14131,7 @@
           <a:lstStyle/>
           <a:p>
             <a:r>
-              <a:rPr lang="en-US" altLang="zh-TW" smtClean="0"/>
+              <a:rPr lang="en-US" altLang="zh-TW"/>
               <a:t>NTUT CSIE</a:t>
             </a:r>
             <a:endParaRPr lang="zh-TW" altLang="en-US"/>
@@ -14553,8 +14367,8 @@
           <a:lstStyle/>
           <a:p>
             <a:r>
-              <a:rPr lang="en-US" altLang="zh-TW" smtClean="0"/>
-              <a:t>NLP &amp; TM, Spring 2024</a:t>
+              <a:rPr lang="en-US" altLang="zh-TW"/>
+              <a:t>NLP &amp; TM, Spring 2025</a:t>
             </a:r>
             <a:endParaRPr lang="zh-TW" altLang="en-US"/>
           </a:p>
@@ -14576,7 +14390,7 @@
           <a:lstStyle/>
           <a:p>
             <a:r>
-              <a:rPr lang="en-US" altLang="zh-TW" smtClean="0"/>
+              <a:rPr lang="en-US" altLang="zh-TW"/>
               <a:t>NTUT CSIE</a:t>
             </a:r>
             <a:endParaRPr lang="zh-TW" altLang="en-US"/>
@@ -14769,8 +14583,8 @@
           <a:lstStyle/>
           <a:p>
             <a:r>
-              <a:rPr lang="en-US" altLang="zh-TW" smtClean="0"/>
-              <a:t>NLP &amp; TM, Spring 2024</a:t>
+              <a:rPr lang="en-US" altLang="zh-TW"/>
+              <a:t>NLP &amp; TM, Spring 2025</a:t>
             </a:r>
             <a:endParaRPr lang="zh-TW" altLang="en-US"/>
           </a:p>
@@ -14792,7 +14606,7 @@
           <a:lstStyle/>
           <a:p>
             <a:r>
-              <a:rPr lang="en-US" altLang="zh-TW" smtClean="0"/>
+              <a:rPr lang="en-US" altLang="zh-TW"/>
               <a:t>NTUT CSIE</a:t>
             </a:r>
             <a:endParaRPr lang="zh-TW" altLang="en-US"/>
@@ -14925,13 +14739,8 @@
             </a:r>
             <a:r>
               <a:rPr lang="en-US" dirty="0"/>
-              <a:t>, </a:t>
-            </a:r>
-            <a:r>
-              <a:rPr lang="en-US" dirty="0" smtClean="0"/>
-              <a:t>1966</a:t>
-            </a:r>
-            <a:endParaRPr lang="en-US" dirty="0"/>
+              <a:t>, 1966</a:t>
+            </a:r>
           </a:p>
           <a:p>
             <a:endParaRPr lang="en-US" dirty="0"/>
@@ -14993,8 +14802,8 @@
           <a:lstStyle/>
           <a:p>
             <a:r>
-              <a:rPr lang="en-US" altLang="zh-TW" smtClean="0"/>
-              <a:t>NLP &amp; TM, Spring 2024</a:t>
+              <a:rPr lang="en-US" altLang="zh-TW"/>
+              <a:t>NLP &amp; TM, Spring 2025</a:t>
             </a:r>
             <a:endParaRPr lang="zh-TW" altLang="en-US"/>
           </a:p>
@@ -15016,7 +14825,7 @@
           <a:lstStyle/>
           <a:p>
             <a:r>
-              <a:rPr lang="en-US" altLang="zh-TW" smtClean="0"/>
+              <a:rPr lang="en-US" altLang="zh-TW"/>
               <a:t>NTUT CSIE</a:t>
             </a:r>
             <a:endParaRPr lang="zh-TW" altLang="en-US"/>
@@ -15227,8 +15036,8 @@
           <a:lstStyle/>
           <a:p>
             <a:r>
-              <a:rPr lang="en-US" altLang="zh-TW" smtClean="0"/>
-              <a:t>NLP &amp; TM, Spring 2024</a:t>
+              <a:rPr lang="en-US" altLang="zh-TW"/>
+              <a:t>NLP &amp; TM, Spring 2025</a:t>
             </a:r>
             <a:endParaRPr lang="zh-TW" altLang="en-US"/>
           </a:p>
@@ -15250,7 +15059,7 @@
           <a:lstStyle/>
           <a:p>
             <a:r>
-              <a:rPr lang="en-US" altLang="zh-TW" smtClean="0"/>
+              <a:rPr lang="en-US" altLang="zh-TW"/>
               <a:t>NTUT CSIE</a:t>
             </a:r>
             <a:endParaRPr lang="zh-TW" altLang="en-US"/>
@@ -15427,8 +15236,8 @@
           <a:lstStyle/>
           <a:p>
             <a:r>
-              <a:rPr lang="en-US" altLang="zh-TW" smtClean="0"/>
-              <a:t>NLP &amp; TM, Spring 2024</a:t>
+              <a:rPr lang="en-US" altLang="zh-TW"/>
+              <a:t>NLP &amp; TM, Spring 2025</a:t>
             </a:r>
             <a:endParaRPr lang="zh-TW" altLang="en-US"/>
           </a:p>
@@ -15450,7 +15259,7 @@
           <a:lstStyle/>
           <a:p>
             <a:r>
-              <a:rPr lang="en-US" altLang="zh-TW" smtClean="0"/>
+              <a:rPr lang="en-US" altLang="zh-TW"/>
               <a:t>NTUT CSIE</a:t>
             </a:r>
             <a:endParaRPr lang="zh-TW" altLang="en-US"/>
@@ -15598,8 +15407,8 @@
           <a:lstStyle/>
           <a:p>
             <a:r>
-              <a:rPr lang="en-US" altLang="zh-TW" smtClean="0"/>
-              <a:t>NLP &amp; TM, Spring 2024</a:t>
+              <a:rPr lang="en-US" altLang="zh-TW"/>
+              <a:t>NLP &amp; TM, Spring 2025</a:t>
             </a:r>
             <a:endParaRPr lang="zh-TW" altLang="en-US"/>
           </a:p>
@@ -15621,7 +15430,7 @@
           <a:lstStyle/>
           <a:p>
             <a:r>
-              <a:rPr lang="en-US" altLang="zh-TW" smtClean="0"/>
+              <a:rPr lang="en-US" altLang="zh-TW"/>
               <a:t>NTUT CSIE</a:t>
             </a:r>
             <a:endParaRPr lang="zh-TW" altLang="en-US"/>
@@ -15857,8 +15666,8 @@
           <a:lstStyle/>
           <a:p>
             <a:r>
-              <a:rPr lang="en-US" altLang="zh-TW" smtClean="0"/>
-              <a:t>NLP &amp; TM, Spring 2024</a:t>
+              <a:rPr lang="en-US" altLang="zh-TW"/>
+              <a:t>NLP &amp; TM, Spring 2025</a:t>
             </a:r>
             <a:endParaRPr lang="zh-TW" altLang="en-US"/>
           </a:p>
@@ -15880,7 +15689,7 @@
           <a:lstStyle/>
           <a:p>
             <a:r>
-              <a:rPr lang="en-US" altLang="zh-TW" smtClean="0"/>
+              <a:rPr lang="en-US" altLang="zh-TW"/>
               <a:t>NTUT CSIE</a:t>
             </a:r>
             <a:endParaRPr lang="zh-TW" altLang="en-US"/>
@@ -16306,15 +16115,7 @@
                   <a:srgbClr val="000000"/>
                 </a:solidFill>
               </a:rPr>
-              <a:t>: an element of the </a:t>
-            </a:r>
-            <a:r>
-              <a:rPr lang="en-US" dirty="0" smtClean="0">
-                <a:solidFill>
-                  <a:srgbClr val="000000"/>
-                </a:solidFill>
-              </a:rPr>
-              <a:t>vocabulary</a:t>
+              <a:t>: an element of the vocabulary</a:t>
             </a:r>
             <a:endParaRPr lang="en-US" b="1" dirty="0">
               <a:solidFill>
@@ -16337,21 +16138,8 @@
                   <a:srgbClr val="000000"/>
                 </a:solidFill>
               </a:rPr>
-              <a:t>: an instance of that type in running </a:t>
-            </a:r>
-            <a:r>
-              <a:rPr lang="en-US" dirty="0" smtClean="0">
-                <a:solidFill>
-                  <a:srgbClr val="000000"/>
-                </a:solidFill>
-              </a:rPr>
-              <a:t>text</a:t>
-            </a:r>
-            <a:endParaRPr lang="en-US" dirty="0">
-              <a:solidFill>
-                <a:srgbClr val="000000"/>
-              </a:solidFill>
-            </a:endParaRPr>
+              <a:t>: an instance of that type in running text</a:t>
+            </a:r>
           </a:p>
           <a:p>
             <a:r>
@@ -16391,8 +16179,8 @@
           <a:lstStyle/>
           <a:p>
             <a:r>
-              <a:rPr lang="en-US" altLang="zh-TW" smtClean="0"/>
-              <a:t>NLP &amp; TM, Spring 2024</a:t>
+              <a:rPr lang="en-US" altLang="zh-TW"/>
+              <a:t>NLP &amp; TM, Spring 2025</a:t>
             </a:r>
             <a:endParaRPr lang="zh-TW" altLang="en-US"/>
           </a:p>
@@ -16414,7 +16202,7 @@
           <a:lstStyle/>
           <a:p>
             <a:r>
-              <a:rPr lang="en-US" altLang="zh-TW" smtClean="0"/>
+              <a:rPr lang="en-US" altLang="zh-TW"/>
               <a:t>NTUT CSIE</a:t>
             </a:r>
             <a:endParaRPr lang="zh-TW" altLang="en-US"/>
@@ -16732,7 +16520,7 @@
           <a:lstStyle/>
           <a:p>
             <a:r>
-              <a:rPr lang="en-US" altLang="zh-TW" dirty="0" smtClean="0"/>
+              <a:rPr lang="en-US" altLang="zh-TW" dirty="0"/>
               <a:t>Outline</a:t>
             </a:r>
             <a:endParaRPr lang="zh-TW" altLang="en-US" dirty="0"/>
@@ -16755,41 +16543,40 @@
           <a:lstStyle/>
           <a:p>
             <a:r>
-              <a:rPr lang="en-US" altLang="zh-TW" dirty="0" smtClean="0"/>
+              <a:rPr lang="en-US" altLang="zh-TW" dirty="0"/>
               <a:t>Words</a:t>
             </a:r>
           </a:p>
           <a:p>
             <a:pPr lvl="1"/>
             <a:r>
-              <a:rPr lang="en-US" altLang="zh-TW" dirty="0" smtClean="0"/>
+              <a:rPr lang="en-US" altLang="zh-TW" dirty="0"/>
               <a:t>Regular expressions</a:t>
             </a:r>
           </a:p>
           <a:p>
             <a:r>
-              <a:rPr lang="en-US" altLang="zh-TW" dirty="0" smtClean="0"/>
+              <a:rPr lang="en-US" altLang="zh-TW" dirty="0"/>
               <a:t>Text Normalization</a:t>
             </a:r>
           </a:p>
           <a:p>
             <a:pPr lvl="1"/>
             <a:r>
-              <a:rPr lang="en-US" altLang="zh-TW" dirty="0" smtClean="0"/>
+              <a:rPr lang="en-US" altLang="zh-TW" dirty="0"/>
               <a:t>Word tokenization</a:t>
             </a:r>
           </a:p>
           <a:p>
             <a:pPr lvl="1"/>
             <a:r>
-              <a:rPr lang="en-US" altLang="zh-TW" dirty="0" smtClean="0"/>
+              <a:rPr lang="en-US" altLang="zh-TW" dirty="0"/>
               <a:t>Byte Pair Encoding</a:t>
             </a:r>
-            <a:endParaRPr lang="en-US" altLang="zh-TW" dirty="0"/>
-          </a:p>
-          <a:p>
-            <a:r>
-              <a:rPr lang="en-US" altLang="zh-TW" dirty="0" smtClean="0">
+          </a:p>
+          <a:p>
+            <a:r>
+              <a:rPr lang="en-US" altLang="zh-TW" dirty="0">
                 <a:solidFill>
                   <a:schemeClr val="bg1">
                     <a:lumMod val="75000"/>
@@ -16820,8 +16607,8 @@
           <a:lstStyle/>
           <a:p>
             <a:r>
-              <a:rPr lang="en-US" altLang="zh-TW" smtClean="0"/>
-              <a:t>NLP &amp; TM, Spring 2024</a:t>
+              <a:rPr lang="en-US" altLang="zh-TW"/>
+              <a:t>NLP &amp; TM, Spring 2025</a:t>
             </a:r>
             <a:endParaRPr lang="zh-TW" altLang="en-US"/>
           </a:p>
@@ -16843,7 +16630,7 @@
           <a:lstStyle/>
           <a:p>
             <a:r>
-              <a:rPr lang="en-US" altLang="zh-TW" smtClean="0"/>
+              <a:rPr lang="en-US" altLang="zh-TW"/>
               <a:t>NTUT CSIE</a:t>
             </a:r>
             <a:endParaRPr lang="zh-TW" altLang="en-US"/>
@@ -17381,8 +17168,8 @@
           <a:lstStyle/>
           <a:p>
             <a:r>
-              <a:rPr lang="en-US" altLang="zh-TW" smtClean="0"/>
-              <a:t>NLP &amp; TM, Spring 2024</a:t>
+              <a:rPr lang="en-US" altLang="zh-TW"/>
+              <a:t>NLP &amp; TM, Spring 2025</a:t>
             </a:r>
             <a:endParaRPr lang="zh-TW" altLang="en-US"/>
           </a:p>
@@ -17404,7 +17191,7 @@
           <a:lstStyle/>
           <a:p>
             <a:r>
-              <a:rPr lang="en-US" altLang="zh-TW" smtClean="0"/>
+              <a:rPr lang="en-US" altLang="zh-TW"/>
               <a:t>NTUT CSIE</a:t>
             </a:r>
             <a:endParaRPr lang="zh-TW" altLang="en-US"/>
@@ -17883,8 +17670,8 @@
           <a:lstStyle/>
           <a:p>
             <a:r>
-              <a:rPr lang="en-US" altLang="zh-TW" smtClean="0"/>
-              <a:t>NLP &amp; TM, Spring 2024</a:t>
+              <a:rPr lang="en-US" altLang="zh-TW"/>
+              <a:t>NLP &amp; TM, Spring 2025</a:t>
             </a:r>
             <a:endParaRPr lang="zh-TW" altLang="en-US"/>
           </a:p>
@@ -17906,7 +17693,7 @@
           <a:lstStyle/>
           <a:p>
             <a:r>
-              <a:rPr lang="en-US" altLang="zh-TW" smtClean="0"/>
+              <a:rPr lang="en-US" altLang="zh-TW"/>
               <a:t>NTUT CSIE</a:t>
             </a:r>
             <a:endParaRPr lang="zh-TW" altLang="en-US"/>
@@ -18353,7 +18140,7 @@
             </a:r>
             <a:r>
               <a:rPr lang="en-US" dirty="0"/>
-              <a:t>: 7097 languages in the world</a:t>
+              <a:t>: 7,097 languages in the world</a:t>
             </a:r>
           </a:p>
           <a:p>
@@ -18364,13 +18151,8 @@
             </a:r>
             <a:r>
               <a:rPr lang="en-US" dirty="0"/>
-              <a:t>, like African American Language </a:t>
-            </a:r>
-            <a:r>
-              <a:rPr lang="en-US" dirty="0" smtClean="0"/>
-              <a:t>varieties</a:t>
-            </a:r>
-            <a:endParaRPr lang="en-US" dirty="0"/>
+              <a:t>, like African American Language varieties</a:t>
+            </a:r>
           </a:p>
           <a:p>
             <a:pPr lvl="2"/>
@@ -18555,8 +18337,8 @@
           <a:lstStyle/>
           <a:p>
             <a:r>
-              <a:rPr lang="en-US" altLang="zh-TW" smtClean="0"/>
-              <a:t>NLP &amp; TM, Spring 2024</a:t>
+              <a:rPr lang="en-US" altLang="zh-TW"/>
+              <a:t>NLP &amp; TM, Spring 2025</a:t>
             </a:r>
             <a:endParaRPr lang="zh-TW" altLang="en-US"/>
           </a:p>
@@ -18578,7 +18360,7 @@
           <a:lstStyle/>
           <a:p>
             <a:r>
-              <a:rPr lang="en-US" altLang="zh-TW" smtClean="0"/>
+              <a:rPr lang="en-US" altLang="zh-TW"/>
               <a:t>NTUT CSIE</a:t>
             </a:r>
             <a:endParaRPr lang="zh-TW" altLang="en-US"/>
@@ -18788,7 +18570,7 @@
             </a:r>
             <a:r>
               <a:rPr lang="en-US" sz="3467" dirty="0"/>
-              <a:t>If it is a subsample how was it sampled? Was there consent? Pre-processing?</a:t>
+              <a:t>If it is a subsample, how was it sampled? Was there consent? Pre-processing?</a:t>
             </a:r>
           </a:p>
           <a:p>
@@ -18873,8 +18655,8 @@
           <a:lstStyle/>
           <a:p>
             <a:r>
-              <a:rPr lang="en-US" altLang="zh-TW" smtClean="0"/>
-              <a:t>NLP &amp; TM, Spring 2024</a:t>
+              <a:rPr lang="en-US" altLang="zh-TW"/>
+              <a:t>NLP &amp; TM, Spring 2025</a:t>
             </a:r>
             <a:endParaRPr lang="zh-TW" altLang="en-US"/>
           </a:p>
@@ -18896,7 +18678,7 @@
           <a:lstStyle/>
           <a:p>
             <a:r>
-              <a:rPr lang="en-US" altLang="zh-TW" smtClean="0"/>
+              <a:rPr lang="en-US" altLang="zh-TW"/>
               <a:t>NTUT CSIE</a:t>
             </a:r>
             <a:endParaRPr lang="zh-TW" altLang="en-US"/>
@@ -19042,8 +18824,8 @@
           <a:lstStyle/>
           <a:p>
             <a:r>
-              <a:rPr lang="en-US" altLang="zh-TW" smtClean="0"/>
-              <a:t>NLP &amp; TM, Spring 2024</a:t>
+              <a:rPr lang="en-US" altLang="zh-TW"/>
+              <a:t>NLP &amp; TM, Spring 2025</a:t>
             </a:r>
             <a:endParaRPr lang="zh-TW" altLang="en-US"/>
           </a:p>
@@ -19065,7 +18847,7 @@
           <a:lstStyle/>
           <a:p>
             <a:r>
-              <a:rPr lang="en-US" altLang="zh-TW" smtClean="0"/>
+              <a:rPr lang="en-US" altLang="zh-TW"/>
               <a:t>NTUT CSIE</a:t>
             </a:r>
             <a:endParaRPr lang="zh-TW" altLang="en-US"/>
@@ -19106,13 +18888,6 @@
     <a:masterClrMapping/>
   </p:clrMapOvr>
   <p:transition/>
-  <p:timing>
-    <p:tnLst>
-      <p:par>
-        <p:cTn id="1" dur="indefinite" restart="never" nodeType="tmRoot"/>
-      </p:par>
-    </p:tnLst>
-  </p:timing>
 </p:sld>
 </file>
 
@@ -19154,10 +18929,9 @@
           <a:lstStyle/>
           <a:p>
             <a:r>
-              <a:rPr lang="en-US" dirty="0" smtClean="0"/>
+              <a:rPr lang="en-US" dirty="0"/>
               <a:t>Text Normalization</a:t>
             </a:r>
-            <a:endParaRPr lang="en-US" dirty="0"/>
           </a:p>
         </p:txBody>
       </p:sp>
@@ -19190,12 +18964,8 @@
               <a:t>requires </a:t>
             </a:r>
             <a:r>
-              <a:rPr lang="en-US" sz="4267" dirty="0" smtClean="0"/>
-              <a:t>text </a:t>
-            </a:r>
-            <a:r>
               <a:rPr lang="en-US" sz="4267" dirty="0"/>
-              <a:t>normalization: </a:t>
+              <a:t>text normalization: </a:t>
             </a:r>
           </a:p>
           <a:p>
@@ -19204,18 +18974,17 @@
               <a:buAutoNum type="arabicPeriod"/>
             </a:pPr>
             <a:r>
-              <a:rPr lang="en-US" sz="3733" dirty="0" smtClean="0"/>
+              <a:rPr lang="en-US" sz="3733" dirty="0"/>
               <a:t>Tokenizing (s</a:t>
             </a:r>
             <a:r>
-              <a:rPr lang="en-US" altLang="zh-TW" sz="3733" dirty="0" smtClean="0"/>
+              <a:rPr lang="en-US" altLang="zh-TW" sz="3733" dirty="0"/>
               <a:t>egmenting</a:t>
             </a:r>
             <a:r>
-              <a:rPr lang="en-US" sz="3733" dirty="0" smtClean="0"/>
+              <a:rPr lang="en-US" sz="3733" dirty="0"/>
               <a:t>) words</a:t>
             </a:r>
-            <a:endParaRPr lang="en-US" sz="3733" dirty="0"/>
           </a:p>
           <a:p>
             <a:pPr marL="1219170" lvl="1" indent="-609585">
@@ -19234,11 +19003,7 @@
             </a:pPr>
             <a:r>
               <a:rPr lang="en-US" sz="3733" dirty="0"/>
-              <a:t>Segmenting </a:t>
-            </a:r>
-            <a:r>
-              <a:rPr lang="en-US" sz="3733" dirty="0" smtClean="0"/>
-              <a:t>sentences</a:t>
+              <a:t>Segmenting sentences</a:t>
             </a:r>
             <a:endParaRPr lang="en-US" sz="2667" b="1" dirty="0">
               <a:latin typeface="Courier" charset="0"/>
@@ -19280,8 +19045,8 @@
           <a:lstStyle/>
           <a:p>
             <a:r>
-              <a:rPr lang="en-US" altLang="zh-TW" smtClean="0"/>
-              <a:t>NLP &amp; TM, Spring 2024</a:t>
+              <a:rPr lang="en-US" altLang="zh-TW"/>
+              <a:t>NLP &amp; TM, Spring 2025</a:t>
             </a:r>
             <a:endParaRPr lang="zh-TW" altLang="en-US"/>
           </a:p>
@@ -19303,7 +19068,7 @@
           <a:lstStyle/>
           <a:p>
             <a:r>
-              <a:rPr lang="en-US" altLang="zh-TW" smtClean="0"/>
+              <a:rPr lang="en-US" altLang="zh-TW"/>
               <a:t>NTUT CSIE</a:t>
             </a:r>
             <a:endParaRPr lang="zh-TW" altLang="en-US"/>
@@ -19626,7 +19391,19 @@
             <a:pPr lvl="1"/>
             <a:r>
               <a:rPr lang="en-US" dirty="0"/>
-              <a:t>The "tr" command</a:t>
+              <a:t>The "</a:t>
+            </a:r>
+            <a:r>
+              <a:rPr lang="en-US" dirty="0">
+                <a:solidFill>
+                  <a:srgbClr val="0000FF"/>
+                </a:solidFill>
+              </a:rPr>
+              <a:t>tr</a:t>
+            </a:r>
+            <a:r>
+              <a:rPr lang="en-US" dirty="0"/>
+              <a:t>" command</a:t>
             </a:r>
           </a:p>
           <a:p>
@@ -19667,8 +19444,8 @@
           <a:lstStyle/>
           <a:p>
             <a:r>
-              <a:rPr lang="en-US" altLang="zh-TW" smtClean="0"/>
-              <a:t>NLP &amp; TM, Spring 2024</a:t>
+              <a:rPr lang="en-US" altLang="zh-TW"/>
+              <a:t>NLP &amp; TM, Spring 2025</a:t>
             </a:r>
             <a:endParaRPr lang="zh-TW" altLang="en-US"/>
           </a:p>
@@ -19690,7 +19467,7 @@
           <a:lstStyle/>
           <a:p>
             <a:r>
-              <a:rPr lang="en-US" altLang="zh-TW" smtClean="0"/>
+              <a:rPr lang="en-US" altLang="zh-TW"/>
               <a:t>NTUT CSIE</a:t>
             </a:r>
             <a:endParaRPr lang="zh-TW" altLang="en-US"/>
@@ -19956,10 +19733,9 @@
           <a:lstStyle/>
           <a:p>
             <a:r>
-              <a:rPr lang="en-US" dirty="0" smtClean="0"/>
+              <a:rPr lang="en-US" dirty="0"/>
               <a:t>Simple Tokenization in UNIX</a:t>
             </a:r>
-            <a:endParaRPr lang="en-US" dirty="0"/>
           </a:p>
         </p:txBody>
       </p:sp>
@@ -19986,21 +19762,15 @@
           <a:lstStyle/>
           <a:p>
             <a:r>
-              <a:rPr lang="en-US" dirty="0" smtClean="0"/>
-              <a:t>(Inspired by Ken Church’s UNIX </a:t>
-            </a:r>
-            <a:r>
-              <a:rPr lang="en-US" smtClean="0"/>
-              <a:t>for Poets)</a:t>
-            </a:r>
-            <a:endParaRPr lang="en-US" dirty="0" smtClean="0"/>
-          </a:p>
-          <a:p>
-            <a:r>
-              <a:rPr lang="en-US" dirty="0" smtClean="0"/>
+              <a:rPr lang="en-US" dirty="0"/>
+              <a:t>(Inspired by Ken Church’s UNIX for Poets)</a:t>
+            </a:r>
+          </a:p>
+          <a:p>
+            <a:r>
+              <a:rPr lang="en-US" dirty="0"/>
               <a:t>Given a text file, output the word tokens and their frequencies</a:t>
             </a:r>
-            <a:endParaRPr lang="en-US" dirty="0"/>
           </a:p>
           <a:p>
             <a:pPr marL="0" indent="0">
@@ -20011,21 +19781,44 @@
                 <a:latin typeface="Courier"/>
                 <a:cs typeface="Courier"/>
               </a:rPr>
-              <a:t>tr -</a:t>
-            </a:r>
-            <a:r>
-              <a:rPr lang="fr-FR" sz="2667" dirty="0" err="1">
+              <a:t>tr </a:t>
+            </a:r>
+            <a:r>
+              <a:rPr lang="fr-FR" sz="2667" dirty="0">
+                <a:solidFill>
+                  <a:srgbClr val="0000FF"/>
+                </a:solidFill>
                 <a:latin typeface="Courier"/>
                 <a:cs typeface="Courier"/>
               </a:rPr>
+              <a:t>-</a:t>
+            </a:r>
+            <a:r>
+              <a:rPr lang="fr-FR" sz="2667" dirty="0" err="1">
+                <a:solidFill>
+                  <a:srgbClr val="0000FF"/>
+                </a:solidFill>
+                <a:latin typeface="Courier"/>
+                <a:cs typeface="Courier"/>
+              </a:rPr>
               <a:t>sc</a:t>
+            </a:r>
+            <a:r>
+              <a:rPr lang="fr-FR" sz="2667" dirty="0">
+                <a:solidFill>
+                  <a:srgbClr val="0000FF"/>
+                </a:solidFill>
+                <a:latin typeface="Courier"/>
+                <a:cs typeface="Courier"/>
+              </a:rPr>
+              <a:t> </a:t>
             </a:r>
             <a:r>
               <a:rPr lang="fr-FR" sz="2667" dirty="0">
                 <a:latin typeface="Courier"/>
                 <a:cs typeface="Courier"/>
               </a:rPr>
-              <a:t> ’A-</a:t>
+              <a:t>’A-</a:t>
             </a:r>
             <a:r>
               <a:rPr lang="fr-FR" sz="2667" dirty="0" err="1">
@@ -20473,8 +20266,8 @@
           <a:lstStyle/>
           <a:p>
             <a:r>
-              <a:rPr lang="en-US" altLang="zh-TW" smtClean="0"/>
-              <a:t>NLP &amp; TM, Spring 2024</a:t>
+              <a:rPr lang="en-US" altLang="zh-TW"/>
+              <a:t>NLP &amp; TM, Spring 2025</a:t>
             </a:r>
             <a:endParaRPr lang="zh-TW" altLang="en-US"/>
           </a:p>
@@ -20496,7 +20289,7 @@
           <a:lstStyle/>
           <a:p>
             <a:r>
-              <a:rPr lang="en-US" altLang="zh-TW" smtClean="0"/>
+              <a:rPr lang="en-US" altLang="zh-TW"/>
               <a:t>NTUT CSIE</a:t>
             </a:r>
             <a:endParaRPr lang="zh-TW" altLang="en-US"/>
@@ -21121,10 +20914,9 @@
           <a:lstStyle/>
           <a:p>
             <a:r>
-              <a:rPr lang="en-US" dirty="0" smtClean="0"/>
+              <a:rPr lang="en-US" dirty="0"/>
               <a:t>The first step: tokenizing</a:t>
             </a:r>
-            <a:endParaRPr lang="en-US" dirty="0"/>
           </a:p>
         </p:txBody>
       </p:sp>
@@ -21390,8 +21182,8 @@
           <a:lstStyle/>
           <a:p>
             <a:r>
-              <a:rPr lang="en-US" altLang="zh-TW" smtClean="0"/>
-              <a:t>NLP &amp; TM, Spring 2024</a:t>
+              <a:rPr lang="en-US" altLang="zh-TW"/>
+              <a:t>NLP &amp; TM, Spring 2025</a:t>
             </a:r>
             <a:endParaRPr lang="zh-TW" altLang="en-US"/>
           </a:p>
@@ -21413,7 +21205,7 @@
           <a:lstStyle/>
           <a:p>
             <a:r>
-              <a:rPr lang="en-US" altLang="zh-TW" smtClean="0"/>
+              <a:rPr lang="en-US" altLang="zh-TW"/>
               <a:t>NTUT CSIE</a:t>
             </a:r>
             <a:endParaRPr lang="zh-TW" altLang="en-US"/>
@@ -21453,13 +21245,6 @@
   <p:clrMapOvr>
     <a:masterClrMapping/>
   </p:clrMapOvr>
-  <p:timing>
-    <p:tnLst>
-      <p:par>
-        <p:cTn id="1" dur="indefinite" restart="never" nodeType="tmRoot"/>
-      </p:par>
-    </p:tnLst>
-  </p:timing>
 </p:sld>
 </file>
 
@@ -21496,10 +21281,9 @@
           <a:lstStyle/>
           <a:p>
             <a:r>
-              <a:rPr lang="en-US" dirty="0" smtClean="0"/>
+              <a:rPr lang="en-US" dirty="0"/>
               <a:t>The second step: sorting</a:t>
             </a:r>
-            <a:endParaRPr lang="en-US" dirty="0"/>
           </a:p>
         </p:txBody>
       </p:sp>
@@ -21739,8 +21523,8 @@
           <a:lstStyle/>
           <a:p>
             <a:r>
-              <a:rPr lang="en-US" altLang="zh-TW" smtClean="0"/>
-              <a:t>NLP &amp; TM, Spring 2024</a:t>
+              <a:rPr lang="en-US" altLang="zh-TW"/>
+              <a:t>NLP &amp; TM, Spring 2025</a:t>
             </a:r>
             <a:endParaRPr lang="zh-TW" altLang="en-US"/>
           </a:p>
@@ -21762,7 +21546,7 @@
           <a:lstStyle/>
           <a:p>
             <a:r>
-              <a:rPr lang="en-US" altLang="zh-TW" smtClean="0"/>
+              <a:rPr lang="en-US" altLang="zh-TW"/>
               <a:t>NTUT CSIE</a:t>
             </a:r>
             <a:endParaRPr lang="zh-TW" altLang="en-US"/>
@@ -21802,13 +21586,6 @@
   <p:clrMapOvr>
     <a:masterClrMapping/>
   </p:clrMapOvr>
-  <p:timing>
-    <p:tnLst>
-      <p:par>
-        <p:cTn id="1" dur="indefinite" restart="never" nodeType="tmRoot"/>
-      </p:par>
-    </p:tnLst>
-  </p:timing>
 </p:sld>
 </file>
 
@@ -21910,8 +21687,8 @@
           <a:lstStyle/>
           <a:p>
             <a:r>
-              <a:rPr lang="en-US" altLang="zh-TW" smtClean="0"/>
-              <a:t>NLP &amp; TM, Spring 2024</a:t>
+              <a:rPr lang="en-US" altLang="zh-TW"/>
+              <a:t>NLP &amp; TM, Spring 2025</a:t>
             </a:r>
             <a:endParaRPr lang="zh-TW" altLang="en-US"/>
           </a:p>
@@ -21933,7 +21710,7 @@
           <a:lstStyle/>
           <a:p>
             <a:r>
-              <a:rPr lang="en-US" altLang="zh-TW" smtClean="0"/>
+              <a:rPr lang="en-US" altLang="zh-TW"/>
               <a:t>NTUT CSIE</a:t>
             </a:r>
             <a:endParaRPr lang="zh-TW" altLang="en-US"/>
@@ -21974,13 +21751,6 @@
     <a:masterClrMapping/>
   </p:clrMapOvr>
   <p:transition/>
-  <p:timing>
-    <p:tnLst>
-      <p:par>
-        <p:cTn id="1" dur="indefinite" restart="never" nodeType="tmRoot"/>
-      </p:par>
-    </p:tnLst>
-  </p:timing>
 </p:sld>
 </file>
 
@@ -22022,10 +21792,9 @@
           <a:lstStyle/>
           <a:p>
             <a:r>
-              <a:rPr lang="en-US" dirty="0" smtClean="0"/>
+              <a:rPr lang="en-US" dirty="0"/>
               <a:t>More counting</a:t>
             </a:r>
-            <a:endParaRPr lang="en-US" dirty="0"/>
           </a:p>
         </p:txBody>
       </p:sp>
@@ -22050,7 +21819,7 @@
           <a:lstStyle/>
           <a:p>
             <a:r>
-              <a:rPr lang="en-US" dirty="0" smtClean="0"/>
+              <a:rPr lang="en-US" dirty="0"/>
               <a:t>Merging upper and lower case</a:t>
             </a:r>
             <a:endParaRPr lang="en-US" sz="1600" dirty="0">
@@ -22164,10 +21933,9 @@
           </a:p>
           <a:p>
             <a:r>
-              <a:rPr lang="en-US" dirty="0" smtClean="0"/>
+              <a:rPr lang="en-US" dirty="0"/>
               <a:t>Sorting the counts</a:t>
             </a:r>
-            <a:endParaRPr lang="en-US" dirty="0"/>
           </a:p>
           <a:p>
             <a:pPr marL="0" indent="0">
@@ -22555,8 +22323,8 @@
           <a:lstStyle/>
           <a:p>
             <a:r>
-              <a:rPr lang="en-US" altLang="zh-TW" smtClean="0"/>
-              <a:t>NLP &amp; TM, Spring 2024</a:t>
+              <a:rPr lang="en-US" altLang="zh-TW"/>
+              <a:t>NLP &amp; TM, Spring 2025</a:t>
             </a:r>
             <a:endParaRPr lang="zh-TW" altLang="en-US"/>
           </a:p>
@@ -22578,7 +22346,7 @@
           <a:lstStyle/>
           <a:p>
             <a:r>
-              <a:rPr lang="en-US" altLang="zh-TW" smtClean="0"/>
+              <a:rPr lang="en-US" altLang="zh-TW"/>
               <a:t>NTUT CSIE</a:t>
             </a:r>
             <a:endParaRPr lang="zh-TW" altLang="en-US"/>
@@ -23599,8 +23367,8 @@
           <a:lstStyle/>
           <a:p>
             <a:r>
-              <a:rPr lang="en-US" altLang="zh-TW" smtClean="0"/>
-              <a:t>NLP &amp; TM, Spring 2024</a:t>
+              <a:rPr lang="en-US" altLang="zh-TW"/>
+              <a:t>NLP &amp; TM, Spring 2025</a:t>
             </a:r>
             <a:endParaRPr lang="zh-TW" altLang="en-US"/>
           </a:p>
@@ -23622,7 +23390,7 @@
           <a:lstStyle/>
           <a:p>
             <a:r>
-              <a:rPr lang="en-US" altLang="zh-TW" smtClean="0"/>
+              <a:rPr lang="en-US" altLang="zh-TW"/>
               <a:t>NTUT CSIE</a:t>
             </a:r>
             <a:endParaRPr lang="zh-TW" altLang="en-US"/>
@@ -24233,8 +24001,8 @@
           <a:lstStyle/>
           <a:p>
             <a:r>
-              <a:rPr lang="en-US" altLang="zh-TW" smtClean="0"/>
-              <a:t>NLP &amp; TM, Spring 2024</a:t>
+              <a:rPr lang="en-US" altLang="zh-TW"/>
+              <a:t>NLP &amp; TM, Spring 2025</a:t>
             </a:r>
             <a:endParaRPr lang="zh-TW" altLang="en-US"/>
           </a:p>
@@ -24256,7 +24024,7 @@
           <a:lstStyle/>
           <a:p>
             <a:r>
-              <a:rPr lang="en-US" altLang="zh-TW" smtClean="0"/>
+              <a:rPr lang="en-US" altLang="zh-TW"/>
               <a:t>NTUT CSIE</a:t>
             </a:r>
             <a:endParaRPr lang="zh-TW" altLang="en-US"/>
@@ -24406,8 +24174,8 @@
           <a:lstStyle/>
           <a:p>
             <a:r>
-              <a:rPr lang="en-US" altLang="zh-TW" smtClean="0"/>
-              <a:t>NLP &amp; TM, Spring 2024</a:t>
+              <a:rPr lang="en-US" altLang="zh-TW"/>
+              <a:t>NLP &amp; TM, Spring 2025</a:t>
             </a:r>
             <a:endParaRPr lang="zh-TW" altLang="en-US"/>
           </a:p>
@@ -24429,7 +24197,7 @@
           <a:lstStyle/>
           <a:p>
             <a:r>
-              <a:rPr lang="en-US" altLang="zh-TW" smtClean="0"/>
+              <a:rPr lang="en-US" altLang="zh-TW"/>
               <a:t>NTUT CSIE</a:t>
             </a:r>
             <a:endParaRPr lang="zh-TW" altLang="en-US"/>
@@ -24556,28 +24324,27 @@
           <a:p>
             <a:r>
               <a:rPr lang="en-US" altLang="zh-TW" dirty="0"/>
-              <a:t>Each one represents a meaning unit called a morpheme</a:t>
+              <a:t>Each one represents a meaning unit called a </a:t>
+            </a:r>
+            <a:r>
+              <a:rPr lang="en-US" altLang="zh-TW" dirty="0">
+                <a:solidFill>
+                  <a:srgbClr val="0000FF"/>
+                </a:solidFill>
+              </a:rPr>
+              <a:t>morpheme</a:t>
             </a:r>
           </a:p>
           <a:p>
             <a:r>
               <a:rPr lang="en-US" altLang="zh-TW" dirty="0"/>
-              <a:t>Each word has on average 2.4 of </a:t>
-            </a:r>
-            <a:r>
-              <a:rPr lang="en-US" altLang="zh-TW" dirty="0" smtClean="0"/>
-              <a:t>them</a:t>
-            </a:r>
-            <a:endParaRPr lang="en-US" altLang="zh-TW" dirty="0"/>
+              <a:t>Each word has on average 2.4 of them</a:t>
+            </a:r>
           </a:p>
           <a:p>
             <a:r>
               <a:rPr lang="en-US" altLang="zh-TW" dirty="0"/>
-              <a:t>But deciding what counts as a word is complex and not agreed </a:t>
-            </a:r>
-            <a:r>
-              <a:rPr lang="en-US" altLang="zh-TW" dirty="0" smtClean="0"/>
-              <a:t>upon</a:t>
+              <a:t>But deciding what counts as a word is complex and not agreed upon</a:t>
             </a:r>
             <a:endParaRPr lang="zh-TW" altLang="en-US" dirty="0"/>
           </a:p>
@@ -24599,8 +24366,8 @@
           <a:lstStyle/>
           <a:p>
             <a:r>
-              <a:rPr lang="en-US" altLang="zh-TW" smtClean="0"/>
-              <a:t>NLP &amp; TM, Spring 2024</a:t>
+              <a:rPr lang="en-US" altLang="zh-TW"/>
+              <a:t>NLP &amp; TM, Spring 2025</a:t>
             </a:r>
             <a:endParaRPr lang="zh-TW" altLang="en-US"/>
           </a:p>
@@ -24622,7 +24389,7 @@
           <a:lstStyle/>
           <a:p>
             <a:r>
-              <a:rPr lang="en-US" altLang="zh-TW" smtClean="0"/>
+              <a:rPr lang="en-US" altLang="zh-TW"/>
               <a:t>NTUT CSIE</a:t>
             </a:r>
             <a:endParaRPr lang="zh-TW" altLang="en-US"/>
@@ -25330,8 +25097,8 @@
           <a:lstStyle/>
           <a:p>
             <a:r>
-              <a:rPr lang="en-US" altLang="zh-TW" smtClean="0"/>
-              <a:t>NLP &amp; TM, Spring 2024</a:t>
+              <a:rPr lang="en-US" altLang="zh-TW"/>
+              <a:t>NLP &amp; TM, Spring 2025</a:t>
             </a:r>
             <a:endParaRPr lang="zh-TW" altLang="en-US"/>
           </a:p>
@@ -25353,7 +25120,7 @@
           <a:lstStyle/>
           <a:p>
             <a:r>
-              <a:rPr lang="en-US" altLang="zh-TW" smtClean="0"/>
+              <a:rPr lang="en-US" altLang="zh-TW"/>
               <a:t>NTUT CSIE</a:t>
             </a:r>
             <a:endParaRPr lang="zh-TW" altLang="en-US"/>
@@ -26012,8 +25779,8 @@
           <a:lstStyle/>
           <a:p>
             <a:r>
-              <a:rPr lang="en-US" altLang="zh-TW" smtClean="0"/>
-              <a:t>NLP &amp; TM, Spring 2024</a:t>
+              <a:rPr lang="en-US" altLang="zh-TW"/>
+              <a:t>NLP &amp; TM, Spring 2025</a:t>
             </a:r>
             <a:endParaRPr lang="zh-TW" altLang="en-US"/>
           </a:p>
@@ -26035,7 +25802,7 @@
           <a:lstStyle/>
           <a:p>
             <a:r>
-              <a:rPr lang="en-US" altLang="zh-TW" smtClean="0"/>
+              <a:rPr lang="en-US" altLang="zh-TW"/>
               <a:t>NTUT CSIE</a:t>
             </a:r>
             <a:endParaRPr lang="zh-TW" altLang="en-US"/>
@@ -26200,7 +25967,7 @@
               <a:t>總決賽</a:t>
             </a:r>
             <a:r>
-              <a:rPr lang="en-US" altLang="ja-JP" sz="6000" dirty="0" smtClean="0">
+              <a:rPr lang="en-US" altLang="ja-JP" sz="6000" dirty="0">
                 <a:solidFill>
                   <a:srgbClr val="0044FE"/>
                 </a:solidFill>
@@ -26268,47 +26035,7 @@
                 <a:latin typeface="Microsoft JhengHei" panose="020B0604030504040204" pitchFamily="34" charset="-120"/>
                 <a:ea typeface="Microsoft JhengHei" panose="020B0604030504040204" pitchFamily="34" charset="-120"/>
               </a:rPr>
-              <a:t>姚</a:t>
-            </a:r>
-            <a:r>
-              <a:rPr lang="ja-JP" altLang="en-US" sz="6000" dirty="0" smtClean="0">
-                <a:solidFill>
-                  <a:srgbClr val="0044FE"/>
-                </a:solidFill>
-                <a:latin typeface="Microsoft JhengHei" panose="020B0604030504040204" pitchFamily="34" charset="-120"/>
-                <a:ea typeface="Microsoft JhengHei" panose="020B0604030504040204" pitchFamily="34" charset="-120"/>
-              </a:rPr>
-              <a:t>明        </a:t>
-            </a:r>
-            <a:r>
-              <a:rPr lang="zh-TW" altLang="en-US" sz="6000" dirty="0" smtClean="0">
-                <a:solidFill>
-                  <a:srgbClr val="0044FE"/>
-                </a:solidFill>
-                <a:latin typeface="Microsoft JhengHei" panose="020B0604030504040204" pitchFamily="34" charset="-120"/>
-                <a:ea typeface="Microsoft JhengHei" panose="020B0604030504040204" pitchFamily="34" charset="-120"/>
-              </a:rPr>
-              <a:t>進</a:t>
-            </a:r>
-            <a:r>
-              <a:rPr lang="ja-JP" altLang="en-US" sz="6000" dirty="0" smtClean="0">
-                <a:solidFill>
-                  <a:srgbClr val="0044FE"/>
-                </a:solidFill>
-                <a:latin typeface="Microsoft JhengHei" panose="020B0604030504040204" pitchFamily="34" charset="-120"/>
-                <a:ea typeface="Microsoft JhengHei" panose="020B0604030504040204" pitchFamily="34" charset="-120"/>
-              </a:rPr>
-              <a:t>入      </a:t>
-            </a:r>
-            <a:r>
-              <a:rPr lang="zh-TW" altLang="en-US" sz="6000" dirty="0" smtClean="0">
-                <a:solidFill>
-                  <a:srgbClr val="0044FE"/>
-                </a:solidFill>
-                <a:latin typeface="Microsoft JhengHei" panose="020B0604030504040204" pitchFamily="34" charset="-120"/>
-                <a:ea typeface="Microsoft JhengHei" panose="020B0604030504040204" pitchFamily="34" charset="-120"/>
-              </a:rPr>
-              <a:t>總</a:t>
+              <a:t>姚明        </a:t>
             </a:r>
             <a:r>
               <a:rPr lang="zh-TW" altLang="en-US" sz="6000" dirty="0">
@@ -26318,7 +26045,27 @@
                 <a:latin typeface="Microsoft JhengHei" panose="020B0604030504040204" pitchFamily="34" charset="-120"/>
                 <a:ea typeface="Microsoft JhengHei" panose="020B0604030504040204" pitchFamily="34" charset="-120"/>
               </a:rPr>
-              <a:t>決賽</a:t>
+              <a:t>進</a:t>
+            </a:r>
+            <a:r>
+              <a:rPr lang="ja-JP" altLang="en-US" sz="6000" dirty="0">
+                <a:solidFill>
+                  <a:srgbClr val="0044FE"/>
+                </a:solidFill>
+                <a:latin typeface="Microsoft JhengHei" panose="020B0604030504040204" pitchFamily="34" charset="-120"/>
+                <a:ea typeface="Microsoft JhengHei" panose="020B0604030504040204" pitchFamily="34" charset="-120"/>
+              </a:rPr>
+              <a:t>入      </a:t>
+            </a:r>
+            <a:r>
+              <a:rPr lang="zh-TW" altLang="en-US" sz="6000" dirty="0">
+                <a:solidFill>
+                  <a:srgbClr val="0044FE"/>
+                </a:solidFill>
+                <a:latin typeface="Microsoft JhengHei" panose="020B0604030504040204" pitchFamily="34" charset="-120"/>
+                <a:ea typeface="Microsoft JhengHei" panose="020B0604030504040204" pitchFamily="34" charset="-120"/>
+              </a:rPr>
+              <a:t>總決賽</a:t>
             </a:r>
             <a:endParaRPr lang="en-US" altLang="ja-JP" sz="6000" dirty="0">
               <a:solidFill>
@@ -26368,11 +26115,7 @@
             </a:pPr>
             <a:r>
               <a:rPr lang="en-US" sz="6000" dirty="0"/>
-              <a:t>5 words</a:t>
-            </a:r>
-            <a:r>
-              <a:rPr lang="en-US" sz="6000" dirty="0" smtClean="0"/>
-              <a:t>?</a:t>
+              <a:t>5 words?</a:t>
             </a:r>
           </a:p>
           <a:p>
@@ -26385,7 +26128,7 @@
               </a:spcBef>
             </a:pPr>
             <a:r>
-              <a:rPr lang="ja-JP" altLang="en-US" sz="6000" dirty="0" smtClean="0">
+              <a:rPr lang="ja-JP" altLang="en-US" sz="6000" dirty="0">
                 <a:solidFill>
                   <a:srgbClr val="0044FE"/>
                 </a:solidFill>
@@ -26395,7 +26138,7 @@
               <a:t>姚</a:t>
             </a:r>
             <a:r>
-              <a:rPr lang="en-US" altLang="ja-JP" sz="6000" dirty="0" smtClean="0">
+              <a:rPr lang="en-US" altLang="ja-JP" sz="6000" dirty="0">
                 <a:solidFill>
                   <a:srgbClr val="0044FE"/>
                 </a:solidFill>
@@ -26405,7 +26148,7 @@
               <a:t>      </a:t>
             </a:r>
             <a:r>
-              <a:rPr lang="ja-JP" altLang="en-US" sz="6000" dirty="0" smtClean="0">
+              <a:rPr lang="ja-JP" altLang="en-US" sz="6000" dirty="0">
                 <a:solidFill>
                   <a:srgbClr val="0044FE"/>
                 </a:solidFill>
@@ -26415,7 +26158,7 @@
               <a:t> 明      </a:t>
             </a:r>
             <a:r>
-              <a:rPr lang="zh-TW" altLang="en-US" sz="6000" dirty="0" smtClean="0">
+              <a:rPr lang="zh-TW" altLang="en-US" sz="6000" dirty="0">
                 <a:solidFill>
                   <a:srgbClr val="0044FE"/>
                 </a:solidFill>
@@ -26425,7 +26168,7 @@
               <a:t>進</a:t>
             </a:r>
             <a:r>
-              <a:rPr lang="ja-JP" altLang="en-US" sz="6000" dirty="0" smtClean="0">
+              <a:rPr lang="ja-JP" altLang="en-US" sz="6000" dirty="0">
                 <a:solidFill>
                   <a:srgbClr val="0044FE"/>
                 </a:solidFill>
@@ -26435,7 +26178,7 @@
               <a:t>入        </a:t>
             </a:r>
             <a:r>
-              <a:rPr lang="zh-TW" altLang="en-US" sz="6000" dirty="0" smtClean="0">
+              <a:rPr lang="zh-TW" altLang="en-US" sz="6000" dirty="0">
                 <a:solidFill>
                   <a:srgbClr val="0044FE"/>
                 </a:solidFill>
@@ -26444,7 +26187,7 @@
               </a:rPr>
               <a:t>總           決賽</a:t>
             </a:r>
-            <a:endParaRPr lang="en-US" altLang="ja-JP" sz="6000" dirty="0" smtClean="0">
+            <a:endParaRPr lang="en-US" altLang="ja-JP" sz="6000" dirty="0">
               <a:solidFill>
                 <a:srgbClr val="0044FE"/>
               </a:solidFill>
@@ -26462,7 +26205,7 @@
               </a:spcBef>
             </a:pPr>
             <a:r>
-              <a:rPr lang="en-US" sz="6000" dirty="0" smtClean="0"/>
+              <a:rPr lang="en-US" sz="6000" dirty="0"/>
               <a:t>Yao    Ming    reaches    overall    finals </a:t>
             </a:r>
           </a:p>
@@ -26521,7 +26264,7 @@
               <a:t>  </a:t>
             </a:r>
             <a:r>
-              <a:rPr lang="ja-JP" altLang="en-US" sz="6000" dirty="0" smtClean="0">
+              <a:rPr lang="ja-JP" altLang="en-US" sz="6000" dirty="0">
                 <a:solidFill>
                   <a:srgbClr val="0044FE"/>
                 </a:solidFill>
@@ -26531,7 +26274,7 @@
               <a:t>明         </a:t>
             </a:r>
             <a:r>
-              <a:rPr lang="zh-TW" altLang="en-US" sz="6000" dirty="0" smtClean="0">
+              <a:rPr lang="zh-TW" altLang="en-US" sz="6000" dirty="0">
                 <a:solidFill>
                   <a:srgbClr val="0044FE"/>
                 </a:solidFill>
@@ -26541,7 +26284,7 @@
               <a:t>進    </a:t>
             </a:r>
             <a:r>
-              <a:rPr lang="ja-JP" altLang="en-US" sz="6000" dirty="0" smtClean="0">
+              <a:rPr lang="ja-JP" altLang="en-US" sz="6000" dirty="0">
                 <a:solidFill>
                   <a:srgbClr val="0044FE"/>
                 </a:solidFill>
@@ -26551,7 +26294,7 @@
               <a:t>入      </a:t>
             </a:r>
             <a:r>
-              <a:rPr lang="zh-TW" altLang="en-US" sz="6000" dirty="0" smtClean="0">
+              <a:rPr lang="zh-TW" altLang="en-US" sz="6000" dirty="0">
                 <a:solidFill>
                   <a:srgbClr val="0044FE"/>
                 </a:solidFill>
@@ -26655,8 +26398,8 @@
           <a:lstStyle/>
           <a:p>
             <a:r>
-              <a:rPr lang="en-US" altLang="zh-TW" smtClean="0"/>
-              <a:t>NLP &amp; TM, Spring 2024</a:t>
+              <a:rPr lang="en-US" altLang="zh-TW"/>
+              <a:t>NLP &amp; TM, Spring 2025</a:t>
             </a:r>
             <a:endParaRPr lang="zh-TW" altLang="en-US"/>
           </a:p>
@@ -26678,7 +26421,7 @@
           <a:lstStyle/>
           <a:p>
             <a:r>
-              <a:rPr lang="en-US" altLang="zh-TW" smtClean="0"/>
+              <a:rPr lang="en-US" altLang="zh-TW"/>
               <a:t>NTUT CSIE</a:t>
             </a:r>
             <a:endParaRPr lang="zh-TW" altLang="en-US"/>
@@ -27230,8 +26973,8 @@
           <a:lstStyle/>
           <a:p>
             <a:r>
-              <a:rPr lang="en-US" altLang="zh-TW" smtClean="0"/>
-              <a:t>NLP &amp; TM, Spring 2024</a:t>
+              <a:rPr lang="en-US" altLang="zh-TW"/>
+              <a:t>NLP &amp; TM, Spring 2025</a:t>
             </a:r>
             <a:endParaRPr lang="zh-TW" altLang="en-US"/>
           </a:p>
@@ -27253,7 +26996,7 @@
           <a:lstStyle/>
           <a:p>
             <a:r>
-              <a:rPr lang="en-US" altLang="zh-TW" smtClean="0"/>
+              <a:rPr lang="en-US" altLang="zh-TW"/>
               <a:t>NTUT CSIE</a:t>
             </a:r>
             <a:endParaRPr lang="zh-TW" altLang="en-US"/>
@@ -27382,13 +27125,8 @@
             </a:r>
             <a:r>
               <a:rPr lang="en-US" dirty="0"/>
-              <a:t>) as a </a:t>
-            </a:r>
-            <a:r>
-              <a:rPr lang="en-US" dirty="0" smtClean="0"/>
-              <a:t>token</a:t>
-            </a:r>
-            <a:endParaRPr lang="en-US" dirty="0"/>
+              <a:t>) as a token</a:t>
+            </a:r>
           </a:p>
           <a:p>
             <a:pPr marL="630751" indent="-315376"/>
@@ -27411,25 +27149,15 @@
             </a:pPr>
             <a:r>
               <a:rPr lang="en-US" dirty="0"/>
-              <a:t>In other languages (like Thai and Japanese), more complex word segmentation is </a:t>
-            </a:r>
-            <a:r>
-              <a:rPr lang="en-US" dirty="0" smtClean="0"/>
-              <a:t>required</a:t>
-            </a:r>
-            <a:endParaRPr lang="en-US" dirty="0"/>
+              <a:t>In other languages (like Thai and Japanese), more complex word segmentation is required</a:t>
+            </a:r>
           </a:p>
           <a:p>
             <a:pPr marL="685783" indent="-368291"/>
             <a:r>
               <a:rPr lang="en-US" dirty="0"/>
-              <a:t>The standard algorithms are neural sequence models trained by supervised machine </a:t>
-            </a:r>
-            <a:r>
-              <a:rPr lang="en-US" dirty="0" smtClean="0"/>
-              <a:t>learning</a:t>
-            </a:r>
-            <a:endParaRPr lang="en-US" dirty="0"/>
+              <a:t>The standard algorithms are neural sequence models trained by supervised machine learning</a:t>
+            </a:r>
           </a:p>
         </p:txBody>
       </p:sp>
@@ -27449,8 +27177,8 @@
           <a:lstStyle/>
           <a:p>
             <a:r>
-              <a:rPr lang="en-US" altLang="zh-TW" smtClean="0"/>
-              <a:t>NLP &amp; TM, Spring 2024</a:t>
+              <a:rPr lang="en-US" altLang="zh-TW"/>
+              <a:t>NLP &amp; TM, Spring 2025</a:t>
             </a:r>
             <a:endParaRPr lang="zh-TW" altLang="en-US"/>
           </a:p>
@@ -27472,7 +27200,7 @@
           <a:lstStyle/>
           <a:p>
             <a:r>
-              <a:rPr lang="en-US" altLang="zh-TW" smtClean="0"/>
+              <a:rPr lang="en-US" altLang="zh-TW"/>
               <a:t>NTUT CSIE</a:t>
             </a:r>
             <a:endParaRPr lang="zh-TW" altLang="en-US"/>
@@ -27751,6 +27479,64 @@
           </a:p>
         </p:txBody>
       </p:sp>
+      <p:sp>
+        <p:nvSpPr>
+          <p:cNvPr id="2" name="日期版面配置區 1">
+            <a:extLst>
+              <a:ext uri="{FF2B5EF4-FFF2-40B4-BE49-F238E27FC236}">
+                <a16:creationId xmlns:a16="http://schemas.microsoft.com/office/drawing/2014/main" id="{2FE4B046-3948-4A90-81F8-A822385B7EBB}"/>
+              </a:ext>
+            </a:extLst>
+          </p:cNvPr>
+          <p:cNvSpPr>
+            <a:spLocks noGrp="1"/>
+          </p:cNvSpPr>
+          <p:nvPr>
+            <p:ph type="dt" sz="half" idx="10"/>
+          </p:nvPr>
+        </p:nvSpPr>
+        <p:spPr/>
+        <p:txBody>
+          <a:bodyPr/>
+          <a:lstStyle/>
+          <a:p>
+            <a:r>
+              <a:rPr lang="en-US" altLang="zh-TW"/>
+              <a:t>NLP &amp; TM, Spring 2025</a:t>
+            </a:r>
+            <a:endParaRPr lang="zh-TW" altLang="en-US"/>
+          </a:p>
+        </p:txBody>
+      </p:sp>
+      <p:sp>
+        <p:nvSpPr>
+          <p:cNvPr id="3" name="頁尾版面配置區 2">
+            <a:extLst>
+              <a:ext uri="{FF2B5EF4-FFF2-40B4-BE49-F238E27FC236}">
+                <a16:creationId xmlns:a16="http://schemas.microsoft.com/office/drawing/2014/main" id="{0A88B16E-AACD-4B3D-BFD9-8CAE2A66E566}"/>
+              </a:ext>
+            </a:extLst>
+          </p:cNvPr>
+          <p:cNvSpPr>
+            <a:spLocks noGrp="1"/>
+          </p:cNvSpPr>
+          <p:nvPr>
+            <p:ph type="ftr" sz="quarter" idx="11"/>
+          </p:nvPr>
+        </p:nvSpPr>
+        <p:spPr/>
+        <p:txBody>
+          <a:bodyPr/>
+          <a:lstStyle/>
+          <a:p>
+            <a:r>
+              <a:rPr lang="en-US" altLang="zh-TW"/>
+              <a:t>NTUT CSIE</a:t>
+            </a:r>
+            <a:endParaRPr lang="zh-TW" altLang="en-US"/>
+          </a:p>
+        </p:txBody>
+      </p:sp>
     </p:spTree>
     <p:extLst>
       <p:ext uri="{BB962C8B-B14F-4D97-AF65-F5344CB8AC3E}">
@@ -27866,8 +27652,8 @@
           <a:lstStyle/>
           <a:p>
             <a:r>
-              <a:rPr lang="en-US" altLang="zh-TW" smtClean="0"/>
-              <a:t>NLP &amp; TM, Spring 2024</a:t>
+              <a:rPr lang="en-US" altLang="zh-TW"/>
+              <a:t>NLP &amp; TM, Spring 2025</a:t>
             </a:r>
             <a:endParaRPr lang="zh-TW" altLang="en-US"/>
           </a:p>
@@ -27889,7 +27675,7 @@
           <a:lstStyle/>
           <a:p>
             <a:r>
-              <a:rPr lang="en-US" altLang="zh-TW" smtClean="0"/>
+              <a:rPr lang="en-US" altLang="zh-TW"/>
               <a:t>NTUT CSIE</a:t>
             </a:r>
             <a:endParaRPr lang="zh-TW" altLang="en-US"/>
@@ -28046,11 +27832,7 @@
             </a:r>
             <a:r>
               <a:rPr lang="en-US"/>
-              <a:t>to </a:t>
-            </a:r>
-            <a:r>
-              <a:rPr lang="en-US" smtClean="0"/>
-              <a:t>tokenize</a:t>
+              <a:t>to tokenize</a:t>
             </a:r>
             <a:endParaRPr lang="en-US" dirty="0"/>
           </a:p>
@@ -28095,8 +27877,8 @@
           <a:lstStyle/>
           <a:p>
             <a:r>
-              <a:rPr lang="en-US" altLang="zh-TW" smtClean="0"/>
-              <a:t>NLP &amp; TM, Spring 2024</a:t>
+              <a:rPr lang="en-US" altLang="zh-TW"/>
+              <a:t>NLP &amp; TM, Spring 2025</a:t>
             </a:r>
             <a:endParaRPr lang="zh-TW" altLang="en-US"/>
           </a:p>
@@ -28118,7 +27900,7 @@
           <a:lstStyle/>
           <a:p>
             <a:r>
-              <a:rPr lang="en-US" altLang="zh-TW" smtClean="0"/>
+              <a:rPr lang="en-US" altLang="zh-TW"/>
               <a:t>NTUT CSIE</a:t>
             </a:r>
             <a:endParaRPr lang="zh-TW" altLang="en-US"/>
@@ -28312,11 +28094,7 @@
             </a:r>
             <a:r>
               <a:rPr lang="en-US" sz="3467"/>
-              <a:t>tokens</a:t>
-            </a:r>
-            <a:r>
-              <a:rPr lang="en-US" sz="3467" smtClean="0"/>
-              <a:t>) </a:t>
+              <a:t>tokens) </a:t>
             </a:r>
             <a:endParaRPr lang="en-US" sz="3467" dirty="0"/>
           </a:p>
@@ -28357,8 +28135,8 @@
           <a:lstStyle/>
           <a:p>
             <a:r>
-              <a:rPr lang="en-US" altLang="zh-TW" smtClean="0"/>
-              <a:t>NLP &amp; TM, Spring 2024</a:t>
+              <a:rPr lang="en-US" altLang="zh-TW"/>
+              <a:t>NLP &amp; TM, Spring 2025</a:t>
             </a:r>
             <a:endParaRPr lang="zh-TW" altLang="en-US"/>
           </a:p>
@@ -28380,7 +28158,7 @@
           <a:lstStyle/>
           <a:p>
             <a:r>
-              <a:rPr lang="en-US" altLang="zh-TW" smtClean="0"/>
+              <a:rPr lang="en-US" altLang="zh-TW"/>
               <a:t>NTUT CSIE</a:t>
             </a:r>
             <a:endParaRPr lang="zh-TW" altLang="en-US"/>
@@ -28523,27 +28301,46 @@
             <a:pPr lvl="1"/>
             <a:r>
               <a:rPr lang="en-US" dirty="0"/>
-              <a:t>Choose the two symbols that are most frequently adjacent in the training corpus (say 'A', 'B') </a:t>
+              <a:t>Choose the two symbols that are </a:t>
+            </a:r>
+            <a:r>
+              <a:rPr lang="en-US" dirty="0">
+                <a:solidFill>
+                  <a:srgbClr val="0000FF"/>
+                </a:solidFill>
+              </a:rPr>
+              <a:t>most frequently adjacent </a:t>
+            </a:r>
+            <a:r>
+              <a:rPr lang="en-US" dirty="0"/>
+              <a:t>in the training corpus (say 'A', 'B') </a:t>
             </a:r>
           </a:p>
           <a:p>
             <a:pPr lvl="1"/>
             <a:r>
               <a:rPr lang="en-US" dirty="0"/>
-              <a:t>Add a new merged symbol 'AB' to the vocabulary</a:t>
+              <a:t>Add a new </a:t>
+            </a:r>
+            <a:r>
+              <a:rPr lang="en-US" dirty="0">
+                <a:solidFill>
+                  <a:srgbClr val="0000FF"/>
+                </a:solidFill>
+              </a:rPr>
+              <a:t>merged symbol </a:t>
+            </a:r>
+            <a:r>
+              <a:rPr lang="en-US" dirty="0"/>
+              <a:t>'AB' to the vocabulary</a:t>
             </a:r>
           </a:p>
           <a:p>
             <a:pPr lvl="1"/>
             <a:r>
               <a:rPr lang="en-US" dirty="0"/>
-              <a:t>Replace every adjacent 'A' 'B' in the corpus with 'AB</a:t>
-            </a:r>
-            <a:r>
-              <a:rPr lang="en-US" dirty="0" smtClean="0"/>
-              <a:t>' </a:t>
-            </a:r>
-            <a:endParaRPr lang="en-US" dirty="0"/>
+              <a:t>Replace every adjacent 'A' 'B' in the corpus with 'AB' </a:t>
+            </a:r>
           </a:p>
           <a:p>
             <a:r>
@@ -28556,17 +28353,12 @@
             </a:r>
             <a:r>
               <a:rPr lang="en-US" dirty="0"/>
-              <a:t>merges have been </a:t>
-            </a:r>
-            <a:r>
-              <a:rPr lang="en-US" dirty="0" smtClean="0"/>
-              <a:t>done</a:t>
-            </a:r>
+              <a:t>merges have been done</a:t>
+            </a:r>
+          </a:p>
+          <a:p>
             <a:endParaRPr lang="en-US" dirty="0"/>
           </a:p>
-          <a:p>
-            <a:endParaRPr lang="en-US" dirty="0"/>
-          </a:p>
         </p:txBody>
       </p:sp>
       <p:sp>
@@ -28585,8 +28377,8 @@
           <a:lstStyle/>
           <a:p>
             <a:r>
-              <a:rPr lang="en-US" altLang="zh-TW" smtClean="0"/>
-              <a:t>NLP &amp; TM, Spring 2024</a:t>
+              <a:rPr lang="en-US" altLang="zh-TW"/>
+              <a:t>NLP &amp; TM, Spring 2025</a:t>
             </a:r>
             <a:endParaRPr lang="zh-TW" altLang="en-US"/>
           </a:p>
@@ -28608,7 +28400,7 @@
           <a:lstStyle/>
           <a:p>
             <a:r>
-              <a:rPr lang="en-US" altLang="zh-TW" smtClean="0"/>
+              <a:rPr lang="en-US" altLang="zh-TW"/>
               <a:t>NTUT CSIE</a:t>
             </a:r>
             <a:endParaRPr lang="zh-TW" altLang="en-US"/>
@@ -28741,8 +28533,8 @@
           <a:lstStyle/>
           <a:p>
             <a:r>
-              <a:rPr lang="en-US" altLang="zh-TW" smtClean="0"/>
-              <a:t>NLP &amp; TM, Spring 2024</a:t>
+              <a:rPr lang="en-US" altLang="zh-TW"/>
+              <a:t>NLP &amp; TM, Spring 2025</a:t>
             </a:r>
             <a:endParaRPr lang="zh-TW" altLang="en-US"/>
           </a:p>
@@ -28764,7 +28556,7 @@
           <a:lstStyle/>
           <a:p>
             <a:r>
-              <a:rPr lang="en-US" altLang="zh-TW" smtClean="0"/>
+              <a:rPr lang="en-US" altLang="zh-TW"/>
               <a:t>NTUT CSIE</a:t>
             </a:r>
             <a:endParaRPr lang="zh-TW" altLang="en-US"/>
@@ -28888,13 +28680,8 @@
             </a:r>
             <a:r>
               <a:rPr lang="en-US" dirty="0"/>
-              <a:t> algorithms are run inside space-separated </a:t>
-            </a:r>
-            <a:r>
-              <a:rPr lang="en-US" dirty="0" smtClean="0"/>
-              <a:t>tokens </a:t>
-            </a:r>
-            <a:endParaRPr lang="en-US" dirty="0"/>
+              <a:t> algorithms are run inside space-separated tokens </a:t>
+            </a:r>
           </a:p>
           <a:p>
             <a:pPr marL="0" indent="0">
@@ -28911,17 +28698,12 @@
             </a:pPr>
             <a:r>
               <a:rPr lang="en-US" dirty="0"/>
-              <a:t>Next, separate into </a:t>
-            </a:r>
-            <a:r>
-              <a:rPr lang="en-US" dirty="0" smtClean="0"/>
-              <a:t>letters</a:t>
-            </a:r>
+              <a:t>Next, separate into letters</a:t>
+            </a:r>
+          </a:p>
+          <a:p>
             <a:endParaRPr lang="en-US" dirty="0"/>
           </a:p>
-          <a:p>
-            <a:endParaRPr lang="en-US" dirty="0"/>
-          </a:p>
         </p:txBody>
       </p:sp>
       <p:sp>
@@ -28940,8 +28722,8 @@
           <a:lstStyle/>
           <a:p>
             <a:r>
-              <a:rPr lang="en-US" altLang="zh-TW" smtClean="0"/>
-              <a:t>NLP &amp; TM, Spring 2024</a:t>
+              <a:rPr lang="en-US" altLang="zh-TW"/>
+              <a:t>NLP &amp; TM, Spring 2025</a:t>
             </a:r>
             <a:endParaRPr lang="zh-TW" altLang="en-US"/>
           </a:p>
@@ -28963,7 +28745,7 @@
           <a:lstStyle/>
           <a:p>
             <a:r>
-              <a:rPr lang="en-US" altLang="zh-TW" smtClean="0"/>
+              <a:rPr lang="en-US" altLang="zh-TW"/>
               <a:t>NTUT CSIE</a:t>
             </a:r>
             <a:endParaRPr lang="zh-TW" altLang="en-US"/>
@@ -29269,8 +29051,8 @@
           <a:lstStyle/>
           <a:p>
             <a:r>
-              <a:rPr lang="en-US" altLang="zh-TW" smtClean="0"/>
-              <a:t>NLP &amp; TM, Spring 2024</a:t>
+              <a:rPr lang="en-US" altLang="zh-TW"/>
+              <a:t>NLP &amp; TM, Spring 2025</a:t>
             </a:r>
             <a:endParaRPr lang="zh-TW" altLang="en-US"/>
           </a:p>
@@ -29292,7 +29074,7 @@
           <a:lstStyle/>
           <a:p>
             <a:r>
-              <a:rPr lang="en-US" altLang="zh-TW" smtClean="0"/>
+              <a:rPr lang="en-US" altLang="zh-TW"/>
               <a:t>NTUT CSIE</a:t>
             </a:r>
             <a:endParaRPr lang="zh-TW" altLang="en-US"/>
@@ -29679,8 +29461,8 @@
           <a:lstStyle/>
           <a:p>
             <a:r>
-              <a:rPr lang="en-US" altLang="zh-TW" smtClean="0"/>
-              <a:t>NLP &amp; TM, Spring 2024</a:t>
+              <a:rPr lang="en-US" altLang="zh-TW"/>
+              <a:t>NLP &amp; TM, Spring 2025</a:t>
             </a:r>
             <a:endParaRPr lang="zh-TW" altLang="en-US"/>
           </a:p>
@@ -29702,7 +29484,7 @@
           <a:lstStyle/>
           <a:p>
             <a:r>
-              <a:rPr lang="en-US" altLang="zh-TW" smtClean="0"/>
+              <a:rPr lang="en-US" altLang="zh-TW"/>
               <a:t>NTUT CSIE</a:t>
             </a:r>
             <a:endParaRPr lang="zh-TW" altLang="en-US"/>
@@ -29921,8 +29703,8 @@
           <a:lstStyle/>
           <a:p>
             <a:r>
-              <a:rPr lang="en-US" altLang="zh-TW" smtClean="0"/>
-              <a:t>NLP &amp; TM, Spring 2024</a:t>
+              <a:rPr lang="en-US" altLang="zh-TW"/>
+              <a:t>NLP &amp; TM, Spring 2025</a:t>
             </a:r>
             <a:endParaRPr lang="zh-TW" altLang="en-US"/>
           </a:p>
@@ -29944,7 +29726,7 @@
           <a:lstStyle/>
           <a:p>
             <a:r>
-              <a:rPr lang="en-US" altLang="zh-TW" smtClean="0"/>
+              <a:rPr lang="en-US" altLang="zh-TW"/>
               <a:t>NTUT CSIE</a:t>
             </a:r>
             <a:endParaRPr lang="zh-TW" altLang="en-US"/>
@@ -30163,8 +29945,8 @@
           <a:lstStyle/>
           <a:p>
             <a:r>
-              <a:rPr lang="en-US" altLang="zh-TW" smtClean="0"/>
-              <a:t>NLP &amp; TM, Spring 2024</a:t>
+              <a:rPr lang="en-US" altLang="zh-TW"/>
+              <a:t>NLP &amp; TM, Spring 2025</a:t>
             </a:r>
             <a:endParaRPr lang="zh-TW" altLang="en-US"/>
           </a:p>
@@ -30186,7 +29968,7 @@
           <a:lstStyle/>
           <a:p>
             <a:r>
-              <a:rPr lang="en-US" altLang="zh-TW" smtClean="0"/>
+              <a:rPr lang="en-US" altLang="zh-TW"/>
               <a:t>NTUT CSIE</a:t>
             </a:r>
             <a:endParaRPr lang="zh-TW" altLang="en-US"/>
@@ -30326,7 +30108,7 @@
           <a:p>
             <a:pPr lvl="1" eaLnBrk="1" hangingPunct="1"/>
             <a:r>
-              <a:rPr lang="en-US" dirty="0" smtClean="0"/>
+              <a:rPr lang="en-US" dirty="0"/>
               <a:t>Woodchucks</a:t>
             </a:r>
           </a:p>
@@ -30388,8 +30170,8 @@
           <a:lstStyle/>
           <a:p>
             <a:r>
-              <a:rPr lang="en-US" altLang="zh-TW" smtClean="0"/>
-              <a:t>NLP &amp; TM, Spring 2024</a:t>
+              <a:rPr lang="en-US" altLang="zh-TW"/>
+              <a:t>NLP &amp; TM, Spring 2025</a:t>
             </a:r>
             <a:endParaRPr lang="zh-TW" altLang="en-US"/>
           </a:p>
@@ -30411,7 +30193,7 @@
           <a:lstStyle/>
           <a:p>
             <a:r>
-              <a:rPr lang="en-US" altLang="zh-TW" smtClean="0"/>
+              <a:rPr lang="en-US" altLang="zh-TW"/>
               <a:t>NTUT CSIE</a:t>
             </a:r>
             <a:endParaRPr lang="zh-TW" altLang="en-US"/>
@@ -30451,13 +30233,6 @@
   <p:clrMapOvr>
     <a:masterClrMapping/>
   </p:clrMapOvr>
-  <p:timing>
-    <p:tnLst>
-      <p:par>
-        <p:cTn id="1" dur="indefinite" restart="never" nodeType="tmRoot"/>
-      </p:par>
-    </p:tnLst>
-  </p:timing>
 </p:sld>
 </file>
 
@@ -30592,8 +30367,8 @@
           <a:lstStyle/>
           <a:p>
             <a:r>
-              <a:rPr lang="en-US" altLang="zh-TW" smtClean="0"/>
-              <a:t>NLP &amp; TM, Spring 2024</a:t>
+              <a:rPr lang="en-US" altLang="zh-TW"/>
+              <a:t>NLP &amp; TM, Spring 2025</a:t>
             </a:r>
             <a:endParaRPr lang="zh-TW" altLang="en-US"/>
           </a:p>
@@ -30615,7 +30390,7 @@
           <a:lstStyle/>
           <a:p>
             <a:r>
-              <a:rPr lang="en-US" altLang="zh-TW" smtClean="0"/>
+              <a:rPr lang="en-US" altLang="zh-TW"/>
               <a:t>NTUT CSIE</a:t>
             </a:r>
             <a:endParaRPr lang="zh-TW" altLang="en-US"/>
@@ -30867,8 +30642,8 @@
           <a:lstStyle/>
           <a:p>
             <a:r>
-              <a:rPr lang="en-US" altLang="zh-TW" smtClean="0"/>
-              <a:t>NLP &amp; TM, Spring 2024</a:t>
+              <a:rPr lang="en-US" altLang="zh-TW"/>
+              <a:t>NLP &amp; TM, Spring 2025</a:t>
             </a:r>
             <a:endParaRPr lang="zh-TW" altLang="en-US"/>
           </a:p>
@@ -30890,7 +30665,7 @@
           <a:lstStyle/>
           <a:p>
             <a:r>
-              <a:rPr lang="en-US" altLang="zh-TW" smtClean="0"/>
+              <a:rPr lang="en-US" altLang="zh-TW"/>
               <a:t>NTUT CSIE</a:t>
             </a:r>
             <a:endParaRPr lang="zh-TW" altLang="en-US"/>
@@ -31130,8 +30905,8 @@
           <a:lstStyle/>
           <a:p>
             <a:r>
-              <a:rPr lang="en-US" altLang="zh-TW" smtClean="0"/>
-              <a:t>NLP &amp; TM, Spring 2024</a:t>
+              <a:rPr lang="en-US" altLang="zh-TW"/>
+              <a:t>NLP &amp; TM, Spring 2025</a:t>
             </a:r>
             <a:endParaRPr lang="zh-TW" altLang="en-US"/>
           </a:p>
@@ -31153,7 +30928,7 @@
           <a:lstStyle/>
           <a:p>
             <a:r>
-              <a:rPr lang="en-US" altLang="zh-TW" smtClean="0"/>
+              <a:rPr lang="en-US" altLang="zh-TW"/>
               <a:t>NTUT CSIE</a:t>
             </a:r>
             <a:endParaRPr lang="zh-TW" altLang="en-US"/>
@@ -31281,16 +31056,7 @@
                 </a:solidFill>
                 <a:latin typeface="Calibri" charset="0"/>
               </a:rPr>
-              <a:t>Word Normalization and </a:t>
-            </a:r>
-            <a:r>
-              <a:rPr lang="en-US" sz="4267" dirty="0" smtClean="0">
-                <a:solidFill>
-                  <a:srgbClr val="A50021"/>
-                </a:solidFill>
-                <a:latin typeface="Calibri" charset="0"/>
-              </a:rPr>
-              <a:t>Other Issues</a:t>
+              <a:t>Word Normalization and Other Issues</a:t>
             </a:r>
             <a:endParaRPr lang="en-US" sz="4267" dirty="0">
               <a:latin typeface="Calibri" charset="0"/>
@@ -31320,8 +31086,8 @@
           <a:lstStyle/>
           <a:p>
             <a:r>
-              <a:rPr lang="en-US" altLang="zh-TW" smtClean="0"/>
-              <a:t>NLP &amp; TM, Spring 2024</a:t>
+              <a:rPr lang="en-US" altLang="zh-TW"/>
+              <a:t>NLP &amp; TM, Spring 2025</a:t>
             </a:r>
             <a:endParaRPr lang="zh-TW" altLang="en-US"/>
           </a:p>
@@ -31343,7 +31109,7 @@
           <a:lstStyle/>
           <a:p>
             <a:r>
-              <a:rPr lang="en-US" altLang="zh-TW" smtClean="0"/>
+              <a:rPr lang="en-US" altLang="zh-TW"/>
               <a:t>NTUT CSIE</a:t>
             </a:r>
             <a:endParaRPr lang="zh-TW" altLang="en-US"/>
@@ -31383,13 +31149,6 @@
   <p:clrMapOvr>
     <a:masterClrMapping/>
   </p:clrMapOvr>
-  <p:timing>
-    <p:tnLst>
-      <p:par>
-        <p:cTn id="1" dur="indefinite" restart="never" nodeType="tmRoot"/>
-      </p:par>
-    </p:tnLst>
-  </p:timing>
 </p:sld>
 </file>
 
@@ -31529,8 +31288,8 @@
           <a:lstStyle/>
           <a:p>
             <a:r>
-              <a:rPr lang="en-US" altLang="zh-TW" smtClean="0"/>
-              <a:t>NLP &amp; TM, Spring 2024</a:t>
+              <a:rPr lang="en-US" altLang="zh-TW"/>
+              <a:t>NLP &amp; TM, Spring 2025</a:t>
             </a:r>
             <a:endParaRPr lang="zh-TW" altLang="en-US"/>
           </a:p>
@@ -31552,7 +31311,7 @@
           <a:lstStyle/>
           <a:p>
             <a:r>
-              <a:rPr lang="en-US" altLang="zh-TW" smtClean="0"/>
+              <a:rPr lang="en-US" altLang="zh-TW"/>
               <a:t>NTUT CSIE</a:t>
             </a:r>
             <a:endParaRPr lang="zh-TW" altLang="en-US"/>
@@ -31933,8 +31692,8 @@
           <a:lstStyle/>
           <a:p>
             <a:r>
-              <a:rPr lang="en-US" altLang="zh-TW" smtClean="0"/>
-              <a:t>NLP &amp; TM, Spring 2024</a:t>
+              <a:rPr lang="en-US" altLang="zh-TW"/>
+              <a:t>NLP &amp; TM, Spring 2025</a:t>
             </a:r>
             <a:endParaRPr lang="zh-TW" altLang="en-US"/>
           </a:p>
@@ -31956,7 +31715,7 @@
           <a:lstStyle/>
           <a:p>
             <a:r>
-              <a:rPr lang="en-US" altLang="zh-TW" smtClean="0"/>
+              <a:rPr lang="en-US" altLang="zh-TW"/>
               <a:t>NTUT CSIE</a:t>
             </a:r>
             <a:endParaRPr lang="zh-TW" altLang="en-US"/>
@@ -32559,8 +32318,8 @@
           <a:lstStyle/>
           <a:p>
             <a:r>
-              <a:rPr lang="en-US" altLang="zh-TW" smtClean="0"/>
-              <a:t>NLP &amp; TM, Spring 2024</a:t>
+              <a:rPr lang="en-US" altLang="zh-TW"/>
+              <a:t>NLP &amp; TM, Spring 2025</a:t>
             </a:r>
             <a:endParaRPr lang="zh-TW" altLang="en-US"/>
           </a:p>
@@ -32582,7 +32341,7 @@
           <a:lstStyle/>
           <a:p>
             <a:r>
-              <a:rPr lang="en-US" altLang="zh-TW" smtClean="0"/>
+              <a:rPr lang="en-US" altLang="zh-TW"/>
               <a:t>NTUT CSIE</a:t>
             </a:r>
             <a:endParaRPr lang="zh-TW" altLang="en-US"/>
@@ -33087,11 +32846,7 @@
             </a:r>
             <a:r>
               <a:rPr lang="en-US" i="1" dirty="0"/>
-              <a:t>future </a:t>
-            </a:r>
-            <a:r>
-              <a:rPr lang="en-US" i="1" dirty="0" smtClean="0"/>
-              <a:t>subjunctive</a:t>
+              <a:t>future subjunctive</a:t>
             </a:r>
             <a:endParaRPr lang="en-US" dirty="0"/>
           </a:p>
@@ -33113,8 +32868,8 @@
           <a:lstStyle/>
           <a:p>
             <a:r>
-              <a:rPr lang="en-US" altLang="zh-TW" smtClean="0"/>
-              <a:t>NLP &amp; TM, Spring 2024</a:t>
+              <a:rPr lang="en-US" altLang="zh-TW"/>
+              <a:t>NLP &amp; TM, Spring 2025</a:t>
             </a:r>
             <a:endParaRPr lang="zh-TW" altLang="en-US"/>
           </a:p>
@@ -33136,7 +32891,7 @@
           <a:lstStyle/>
           <a:p>
             <a:r>
-              <a:rPr lang="en-US" altLang="zh-TW" smtClean="0"/>
+              <a:rPr lang="en-US" altLang="zh-TW"/>
               <a:t>NTUT CSIE</a:t>
             </a:r>
             <a:endParaRPr lang="zh-TW" altLang="en-US"/>
@@ -33724,8 +33479,8 @@
           <a:lstStyle/>
           <a:p>
             <a:r>
-              <a:rPr lang="en-US" altLang="zh-TW" smtClean="0"/>
-              <a:t>NLP &amp; TM, Spring 2024</a:t>
+              <a:rPr lang="en-US" altLang="zh-TW"/>
+              <a:t>NLP &amp; TM, Spring 2025</a:t>
             </a:r>
             <a:endParaRPr lang="zh-TW" altLang="en-US"/>
           </a:p>
@@ -33747,7 +33502,7 @@
           <a:lstStyle/>
           <a:p>
             <a:r>
-              <a:rPr lang="en-US" altLang="zh-TW" smtClean="0"/>
+              <a:rPr lang="en-US" altLang="zh-TW"/>
               <a:t>NTUT CSIE</a:t>
             </a:r>
             <a:endParaRPr lang="zh-TW" altLang="en-US"/>
@@ -34092,8 +33847,8 @@
           <a:lstStyle/>
           <a:p>
             <a:r>
-              <a:rPr lang="en-US" altLang="zh-TW" smtClean="0"/>
-              <a:t>NLP &amp; TM, Spring 2024</a:t>
+              <a:rPr lang="en-US" altLang="zh-TW"/>
+              <a:t>NLP &amp; TM, Spring 2025</a:t>
             </a:r>
             <a:endParaRPr lang="zh-TW" altLang="en-US"/>
           </a:p>
@@ -34115,7 +33870,7 @@
           <a:lstStyle/>
           <a:p>
             <a:r>
-              <a:rPr lang="en-US" altLang="zh-TW" smtClean="0"/>
+              <a:rPr lang="en-US" altLang="zh-TW"/>
               <a:t>NTUT CSIE</a:t>
             </a:r>
             <a:endParaRPr lang="zh-TW" altLang="en-US"/>
@@ -34193,13 +33948,8 @@
             <a:pPr eaLnBrk="1" hangingPunct="1"/>
             <a:r>
               <a:rPr lang="en-US" dirty="0"/>
-              <a:t>Regular </a:t>
-            </a:r>
-            <a:r>
-              <a:rPr lang="en-US" dirty="0" smtClean="0"/>
-              <a:t>Expressions: Disjunctions</a:t>
-            </a:r>
-            <a:endParaRPr lang="en-US" dirty="0"/>
+              <a:t>Regular Expressions: Disjunctions</a:t>
+            </a:r>
           </a:p>
         </p:txBody>
       </p:sp>
@@ -34225,7 +33975,7 @@
           <a:p>
             <a:pPr eaLnBrk="1" hangingPunct="1"/>
             <a:r>
-              <a:rPr lang="en-US" dirty="0" smtClean="0">
+              <a:rPr lang="en-US" dirty="0">
                 <a:latin typeface="Calibri"/>
                 <a:cs typeface="Calibri"/>
               </a:rPr>
@@ -34241,7 +33991,7 @@
           </a:p>
           <a:p>
             <a:pPr eaLnBrk="1" hangingPunct="1"/>
-            <a:endParaRPr lang="en-US" dirty="0" smtClean="0">
+            <a:endParaRPr lang="en-US" dirty="0">
               <a:latin typeface="Calibri"/>
               <a:cs typeface="Calibri"/>
             </a:endParaRPr>
@@ -34250,14 +34000,14 @@
             <a:pPr marL="0" indent="0">
               <a:buNone/>
             </a:pPr>
-            <a:endParaRPr lang="en-US" dirty="0" smtClean="0">
+            <a:endParaRPr lang="en-US" dirty="0">
               <a:latin typeface="Calibri"/>
               <a:cs typeface="Calibri"/>
             </a:endParaRPr>
           </a:p>
           <a:p>
             <a:r>
-              <a:rPr lang="en-US" dirty="0" smtClean="0"/>
+              <a:rPr lang="en-US" dirty="0"/>
               <a:t>Ranges</a:t>
             </a:r>
             <a:r>
@@ -34276,7 +34026,7 @@
           </a:p>
           <a:p>
             <a:pPr eaLnBrk="1" hangingPunct="1"/>
-            <a:endParaRPr lang="en-US" dirty="0" smtClean="0">
+            <a:endParaRPr lang="en-US" dirty="0">
               <a:latin typeface="Calibri"/>
               <a:cs typeface="Calibri"/>
             </a:endParaRPr>
@@ -34286,7 +34036,7 @@
               <a:buNone/>
             </a:pPr>
             <a:r>
-              <a:rPr lang="en-US" dirty="0" smtClean="0">
+              <a:rPr lang="en-US" dirty="0">
                 <a:solidFill>
                   <a:srgbClr val="CC0000"/>
                 </a:solidFill>
@@ -34353,10 +34103,9 @@
                     <a:lstStyle/>
                     <a:p>
                       <a:r>
-                        <a:rPr lang="en-US" sz="2400" dirty="0" smtClean="0"/>
+                        <a:rPr lang="en-US" sz="2400" dirty="0"/>
                         <a:t>Pattern</a:t>
                       </a:r>
-                      <a:endParaRPr lang="en-US" sz="2400" dirty="0"/>
                     </a:p>
                   </a:txBody>
                   <a:tcPr marL="121920" marR="121920" marT="60960" marB="60960"/>
@@ -34367,10 +34116,9 @@
                     <a:lstStyle/>
                     <a:p>
                       <a:r>
-                        <a:rPr lang="en-US" sz="2400" dirty="0" smtClean="0"/>
+                        <a:rPr lang="en-US" sz="2400" dirty="0"/>
                         <a:t>Matches</a:t>
                       </a:r>
-                      <a:endParaRPr lang="en-US" sz="2400" dirty="0"/>
                     </a:p>
                   </a:txBody>
                   <a:tcPr marL="121920" marR="121920" marT="60960" marB="60960"/>
@@ -34388,7 +34136,7 @@
                     <a:lstStyle/>
                     <a:p>
                       <a:r>
-                        <a:rPr lang="en-US" sz="2400" dirty="0" smtClean="0">
+                        <a:rPr lang="en-US" sz="2400" dirty="0">
                           <a:solidFill>
                             <a:srgbClr val="CC0000"/>
                           </a:solidFill>
@@ -34398,7 +34146,7 @@
                         <a:t>[</a:t>
                       </a:r>
                       <a:r>
-                        <a:rPr lang="en-US" sz="2400" dirty="0" err="1" smtClean="0">
+                        <a:rPr lang="en-US" sz="2400" dirty="0" err="1">
                           <a:solidFill>
                             <a:srgbClr val="CC0000"/>
                           </a:solidFill>
@@ -34408,7 +34156,7 @@
                         <a:t>wW</a:t>
                       </a:r>
                       <a:r>
-                        <a:rPr lang="en-US" sz="2400" dirty="0" smtClean="0">
+                        <a:rPr lang="en-US" sz="2400" dirty="0">
                           <a:solidFill>
                             <a:srgbClr val="CC0000"/>
                           </a:solidFill>
@@ -34418,7 +34166,7 @@
                         <a:t>]</a:t>
                       </a:r>
                       <a:r>
-                        <a:rPr lang="en-US" sz="2400" dirty="0" err="1" smtClean="0">
+                        <a:rPr lang="en-US" sz="2400" dirty="0" err="1">
                           <a:solidFill>
                             <a:srgbClr val="CC0000"/>
                           </a:solidFill>
@@ -34438,11 +34186,11 @@
                     <a:lstStyle/>
                     <a:p>
                       <a:r>
-                        <a:rPr lang="en-US" sz="2400" dirty="0" smtClean="0"/>
+                        <a:rPr lang="en-US" sz="2400" dirty="0"/>
                         <a:t>Woodchuck,</a:t>
                       </a:r>
                       <a:r>
-                        <a:rPr lang="en-US" sz="2400" baseline="0" dirty="0" smtClean="0"/>
+                        <a:rPr lang="en-US" sz="2400" baseline="0" dirty="0"/>
                         <a:t> woodchuck</a:t>
                       </a:r>
                       <a:endParaRPr lang="en-US" sz="2400" dirty="0"/>
@@ -34463,7 +34211,7 @@
                     <a:lstStyle/>
                     <a:p>
                       <a:r>
-                        <a:rPr lang="en-US" sz="2400" dirty="0" smtClean="0">
+                        <a:rPr lang="en-US" sz="2400" dirty="0">
                           <a:solidFill>
                             <a:srgbClr val="CC0000"/>
                           </a:solidFill>
@@ -34483,10 +34231,9 @@
                     <a:lstStyle/>
                     <a:p>
                       <a:r>
-                        <a:rPr lang="en-US" sz="2400" dirty="0" smtClean="0"/>
+                        <a:rPr lang="en-US" sz="2400" dirty="0"/>
                         <a:t>Any digit</a:t>
                       </a:r>
-                      <a:endParaRPr lang="en-US" sz="2400" dirty="0"/>
                     </a:p>
                   </a:txBody>
                   <a:tcPr marL="121920" marR="121920" marT="60960" marB="60960"/>
@@ -34555,10 +34302,9 @@
                     <a:lstStyle/>
                     <a:p>
                       <a:r>
-                        <a:rPr lang="en-US" sz="2400" dirty="0" smtClean="0"/>
+                        <a:rPr lang="en-US" sz="2400" dirty="0"/>
                         <a:t>Pattern</a:t>
                       </a:r>
-                      <a:endParaRPr lang="en-US" sz="2400" dirty="0"/>
                     </a:p>
                   </a:txBody>
                   <a:tcPr marL="121920" marR="121920" marT="60960" marB="60960"/>
@@ -34569,10 +34315,9 @@
                     <a:lstStyle/>
                     <a:p>
                       <a:r>
-                        <a:rPr lang="en-US" sz="2400" dirty="0" smtClean="0"/>
+                        <a:rPr lang="en-US" sz="2400" dirty="0"/>
                         <a:t>Matches</a:t>
                       </a:r>
-                      <a:endParaRPr lang="en-US" sz="2400" dirty="0"/>
                     </a:p>
                   </a:txBody>
                   <a:tcPr marL="121920" marR="121920" marT="60960" marB="60960"/>
@@ -34600,7 +34345,7 @@
                     <a:lstStyle/>
                     <a:p>
                       <a:r>
-                        <a:rPr lang="en-US" sz="2400" dirty="0" smtClean="0">
+                        <a:rPr lang="en-US" sz="2400" dirty="0">
                           <a:solidFill>
                             <a:srgbClr val="CC0000"/>
                           </a:solidFill>
@@ -34620,10 +34365,9 @@
                     <a:lstStyle/>
                     <a:p>
                       <a:r>
-                        <a:rPr lang="en-US" sz="2400" dirty="0" smtClean="0"/>
+                        <a:rPr lang="en-US" sz="2400" dirty="0"/>
                         <a:t>An upper case letter</a:t>
                       </a:r>
-                      <a:endParaRPr lang="en-US" sz="2400" dirty="0"/>
                     </a:p>
                   </a:txBody>
                   <a:tcPr marL="121920" marR="121920" marT="60960" marB="60960"/>
@@ -34634,7 +34378,7 @@
                     <a:lstStyle/>
                     <a:p>
                       <a:r>
-                        <a:rPr lang="en-US" sz="2400" u="sng" dirty="0" smtClean="0">
+                        <a:rPr lang="en-US" sz="2400" u="sng" dirty="0">
                           <a:solidFill>
                             <a:srgbClr val="3366FF"/>
                           </a:solidFill>
@@ -34644,16 +34388,12 @@
                         <a:t>D</a:t>
                       </a:r>
                       <a:r>
-                        <a:rPr lang="en-US" sz="2400" dirty="0" smtClean="0">
+                        <a:rPr lang="en-US" sz="2400" dirty="0">
                           <a:latin typeface="Courier"/>
                           <a:cs typeface="Courier"/>
                         </a:rPr>
                         <a:t>renched Blossoms</a:t>
                       </a:r>
-                      <a:endParaRPr lang="en-US" sz="2400" dirty="0">
-                        <a:latin typeface="Courier"/>
-                        <a:cs typeface="Courier"/>
-                      </a:endParaRPr>
                     </a:p>
                   </a:txBody>
                   <a:tcPr marL="121920" marR="121920" marT="60960" marB="60960"/>
@@ -34671,7 +34411,7 @@
                     <a:lstStyle/>
                     <a:p>
                       <a:r>
-                        <a:rPr lang="en-US" sz="2400" dirty="0" smtClean="0">
+                        <a:rPr lang="en-US" sz="2400" dirty="0">
                           <a:solidFill>
                             <a:srgbClr val="CC0000"/>
                           </a:solidFill>
@@ -34691,10 +34431,9 @@
                     <a:lstStyle/>
                     <a:p>
                       <a:r>
-                        <a:rPr lang="en-US" sz="2400" dirty="0" smtClean="0"/>
+                        <a:rPr lang="en-US" sz="2400" dirty="0"/>
                         <a:t>A lower case letter</a:t>
                       </a:r>
-                      <a:endParaRPr lang="en-US" sz="2400" dirty="0"/>
                     </a:p>
                   </a:txBody>
                   <a:tcPr marL="121920" marR="121920" marT="60960" marB="60960"/>
@@ -34705,7 +34444,7 @@
                     <a:lstStyle/>
                     <a:p>
                       <a:r>
-                        <a:rPr lang="en-US" sz="2400" u="sng" dirty="0" smtClean="0">
+                        <a:rPr lang="en-US" sz="2400" u="sng" dirty="0">
                           <a:solidFill>
                             <a:srgbClr val="3366FF"/>
                           </a:solidFill>
@@ -34715,16 +34454,12 @@
                         <a:t>m</a:t>
                       </a:r>
                       <a:r>
-                        <a:rPr lang="en-US" sz="2400" dirty="0" smtClean="0">
+                        <a:rPr lang="en-US" sz="2400" dirty="0">
                           <a:latin typeface="Courier"/>
                           <a:cs typeface="Courier"/>
                         </a:rPr>
                         <a:t>y beans were impatient</a:t>
                       </a:r>
-                      <a:endParaRPr lang="en-US" sz="2400" dirty="0">
-                        <a:latin typeface="Courier"/>
-                        <a:cs typeface="Courier"/>
-                      </a:endParaRPr>
                     </a:p>
                   </a:txBody>
                   <a:tcPr marL="121920" marR="121920" marT="60960" marB="60960"/>
@@ -34742,7 +34477,7 @@
                     <a:lstStyle/>
                     <a:p>
                       <a:r>
-                        <a:rPr lang="en-US" sz="2400" dirty="0" smtClean="0">
+                        <a:rPr lang="en-US" sz="2400" dirty="0">
                           <a:solidFill>
                             <a:srgbClr val="CC0000"/>
                           </a:solidFill>
@@ -34762,11 +34497,11 @@
                     <a:lstStyle/>
                     <a:p>
                       <a:r>
-                        <a:rPr lang="en-US" sz="2400" dirty="0" smtClean="0"/>
+                        <a:rPr lang="en-US" sz="2400" dirty="0"/>
                         <a:t>A single</a:t>
                       </a:r>
                       <a:r>
-                        <a:rPr lang="en-US" sz="2400" baseline="0" dirty="0" smtClean="0"/>
+                        <a:rPr lang="en-US" sz="2400" baseline="0" dirty="0"/>
                         <a:t> digit</a:t>
                       </a:r>
                       <a:endParaRPr lang="en-US" sz="2400" dirty="0"/>
@@ -34780,14 +34515,14 @@
                     <a:lstStyle/>
                     <a:p>
                       <a:r>
-                        <a:rPr lang="en-US" sz="2400" dirty="0" smtClean="0">
+                        <a:rPr lang="en-US" sz="2400" dirty="0">
                           <a:latin typeface="Courier"/>
                           <a:cs typeface="Courier"/>
                         </a:rPr>
                         <a:t>Chapter </a:t>
                       </a:r>
                       <a:r>
-                        <a:rPr lang="en-US" sz="2400" u="sng" dirty="0" smtClean="0">
+                        <a:rPr lang="en-US" sz="2400" u="sng" dirty="0">
                           <a:solidFill>
                             <a:srgbClr val="3366FF"/>
                           </a:solidFill>
@@ -34797,16 +34532,12 @@
                         <a:t>1</a:t>
                       </a:r>
                       <a:r>
-                        <a:rPr lang="en-US" sz="2400" dirty="0" smtClean="0">
+                        <a:rPr lang="en-US" sz="2400" dirty="0">
                           <a:latin typeface="Courier"/>
                           <a:cs typeface="Courier"/>
                         </a:rPr>
                         <a:t>: Down the Rabbit Hole</a:t>
                       </a:r>
-                      <a:endParaRPr lang="en-US" sz="2400" dirty="0">
-                        <a:latin typeface="Courier"/>
-                        <a:cs typeface="Courier"/>
-                      </a:endParaRPr>
                     </a:p>
                   </a:txBody>
                   <a:tcPr marL="121920" marR="121920" marT="60960" marB="60960"/>
@@ -34837,8 +34568,8 @@
           <a:lstStyle/>
           <a:p>
             <a:r>
-              <a:rPr lang="en-US" altLang="zh-TW" smtClean="0"/>
-              <a:t>NLP &amp; TM, Spring 2024</a:t>
+              <a:rPr lang="en-US" altLang="zh-TW"/>
+              <a:t>NLP &amp; TM, Spring 2025</a:t>
             </a:r>
             <a:endParaRPr lang="zh-TW" altLang="en-US"/>
           </a:p>
@@ -34860,7 +34591,7 @@
           <a:lstStyle/>
           <a:p>
             <a:r>
-              <a:rPr lang="en-US" altLang="zh-TW" smtClean="0"/>
+              <a:rPr lang="en-US" altLang="zh-TW"/>
               <a:t>NTUT CSIE</a:t>
             </a:r>
             <a:endParaRPr lang="zh-TW" altLang="en-US"/>
@@ -35481,8 +35212,8 @@
           <a:lstStyle/>
           <a:p>
             <a:r>
-              <a:rPr lang="en-US" altLang="zh-TW" smtClean="0"/>
-              <a:t>NLP &amp; TM, Spring 2024</a:t>
+              <a:rPr lang="en-US" altLang="zh-TW"/>
+              <a:t>NLP &amp; TM, Spring 2025</a:t>
             </a:r>
             <a:endParaRPr lang="zh-TW" altLang="en-US"/>
           </a:p>
@@ -35504,7 +35235,7 @@
           <a:lstStyle/>
           <a:p>
             <a:r>
-              <a:rPr lang="en-US" altLang="zh-TW" smtClean="0"/>
+              <a:rPr lang="en-US" altLang="zh-TW"/>
               <a:t>NTUT CSIE</a:t>
             </a:r>
             <a:endParaRPr lang="zh-TW" altLang="en-US"/>
@@ -35688,8 +35419,8 @@
           <a:lstStyle/>
           <a:p>
             <a:r>
-              <a:rPr lang="en-US" altLang="zh-TW" smtClean="0"/>
-              <a:t>NLP &amp; TM, Spring 2024</a:t>
+              <a:rPr lang="en-US" altLang="zh-TW"/>
+              <a:t>NLP &amp; TM, Spring 2025</a:t>
             </a:r>
             <a:endParaRPr lang="zh-TW" altLang="en-US"/>
           </a:p>
@@ -35711,7 +35442,7 @@
           <a:lstStyle/>
           <a:p>
             <a:r>
-              <a:rPr lang="en-US" altLang="zh-TW" smtClean="0"/>
+              <a:rPr lang="en-US" altLang="zh-TW"/>
               <a:t>NTUT CSIE</a:t>
             </a:r>
             <a:endParaRPr lang="zh-TW" altLang="en-US"/>
@@ -36160,11 +35891,11 @@
           <a:lstStyle/>
           <a:p>
             <a:r>
-              <a:rPr lang="en-US" altLang="zh-TW" dirty="0" smtClean="0"/>
+              <a:rPr lang="en-US" altLang="zh-TW" dirty="0"/>
               <a:t>Thanks for </a:t>
             </a:r>
             <a:r>
-              <a:rPr lang="en-US" altLang="zh-TW" smtClean="0"/>
+              <a:rPr lang="en-US" altLang="zh-TW"/>
               <a:t>Your Attention!</a:t>
             </a:r>
             <a:endParaRPr lang="zh-TW" altLang="en-US" dirty="0"/>
@@ -36206,8 +35937,8 @@
           <a:lstStyle/>
           <a:p>
             <a:r>
-              <a:rPr lang="en-US" altLang="zh-TW" smtClean="0"/>
-              <a:t>NLP &amp; TM, Spring 2024</a:t>
+              <a:rPr lang="en-US" altLang="zh-TW"/>
+              <a:t>NLP &amp; TM, Spring 2025</a:t>
             </a:r>
             <a:endParaRPr lang="zh-TW" altLang="en-US"/>
           </a:p>
@@ -36229,7 +35960,7 @@
           <a:lstStyle/>
           <a:p>
             <a:r>
-              <a:rPr lang="en-US" altLang="zh-TW" smtClean="0"/>
+              <a:rPr lang="en-US" altLang="zh-TW"/>
               <a:t>NTUT CSIE</a:t>
             </a:r>
             <a:endParaRPr lang="zh-TW" altLang="en-US"/>
@@ -36311,10 +36042,9 @@
           <a:p>
             <a:pPr eaLnBrk="1" hangingPunct="1"/>
             <a:r>
-              <a:rPr lang="en-US" dirty="0" smtClean="0"/>
+              <a:rPr lang="en-US" dirty="0"/>
               <a:t>Regular Expressions: Negation in Disjunction</a:t>
             </a:r>
-            <a:endParaRPr lang="en-US" dirty="0"/>
           </a:p>
         </p:txBody>
       </p:sp>
@@ -36340,7 +36070,7 @@
           <a:p>
             <a:pPr eaLnBrk="1" hangingPunct="1"/>
             <a:r>
-              <a:rPr lang="en-US" dirty="0" smtClean="0">
+              <a:rPr lang="en-US" dirty="0">
                 <a:solidFill>
                   <a:srgbClr val="000000"/>
                 </a:solidFill>
@@ -36350,7 +36080,7 @@
               <a:t>Negations</a:t>
             </a:r>
             <a:r>
-              <a:rPr lang="en-US" dirty="0" smtClean="0">
+              <a:rPr lang="en-US" dirty="0">
                 <a:solidFill>
                   <a:srgbClr val="CC0000"/>
                 </a:solidFill>
@@ -36359,7 +36089,7 @@
               <a:t> [^</a:t>
             </a:r>
             <a:r>
-              <a:rPr lang="en-US" dirty="0" err="1" smtClean="0">
+              <a:rPr lang="en-US" dirty="0" err="1">
                 <a:solidFill>
                   <a:srgbClr val="CC0000"/>
                 </a:solidFill>
@@ -36368,7 +36098,7 @@
               <a:t>Ss</a:t>
             </a:r>
             <a:r>
-              <a:rPr lang="en-US" dirty="0" smtClean="0">
+              <a:rPr lang="en-US" dirty="0">
                 <a:solidFill>
                   <a:srgbClr val="CC0000"/>
                 </a:solidFill>
@@ -36380,7 +36110,7 @@
           <a:p>
             <a:pPr lvl="1"/>
             <a:r>
-              <a:rPr lang="en-US" dirty="0" smtClean="0">
+              <a:rPr lang="en-US" dirty="0">
                 <a:latin typeface="Calibri"/>
                 <a:cs typeface="Calibri"/>
               </a:rPr>
@@ -36399,9 +36129,7 @@
           <p:cNvGraphicFramePr>
             <a:graphicFrameLocks noGrp="1"/>
           </p:cNvGraphicFramePr>
-          <p:nvPr>
-            <p:extLst/>
-          </p:nvPr>
+          <p:nvPr/>
         </p:nvGraphicFramePr>
         <p:xfrm>
           <a:off x="812800" y="3327400"/>
@@ -36443,10 +36171,9 @@
                     <a:lstStyle/>
                     <a:p>
                       <a:r>
-                        <a:rPr lang="en-US" sz="2400" dirty="0" smtClean="0"/>
+                        <a:rPr lang="en-US" sz="2400" dirty="0"/>
                         <a:t>Pattern</a:t>
                       </a:r>
-                      <a:endParaRPr lang="en-US" sz="2400" dirty="0"/>
                     </a:p>
                   </a:txBody>
                   <a:tcPr marL="121920" marR="121920" marT="60960" marB="60960"/>
@@ -36457,10 +36184,9 @@
                     <a:lstStyle/>
                     <a:p>
                       <a:r>
-                        <a:rPr lang="en-US" sz="2400" dirty="0" smtClean="0"/>
+                        <a:rPr lang="en-US" sz="2400" dirty="0"/>
                         <a:t>Matches</a:t>
                       </a:r>
-                      <a:endParaRPr lang="en-US" sz="2400" dirty="0"/>
                     </a:p>
                   </a:txBody>
                   <a:tcPr marL="121920" marR="121920" marT="60960" marB="60960"/>
@@ -36488,7 +36214,7 @@
                     <a:lstStyle/>
                     <a:p>
                       <a:r>
-                        <a:rPr lang="en-US" sz="2400" dirty="0" smtClean="0">
+                        <a:rPr lang="en-US" sz="2400" dirty="0">
                           <a:solidFill>
                             <a:srgbClr val="CC0000"/>
                           </a:solidFill>
@@ -36508,18 +36234,17 @@
                     <a:lstStyle/>
                     <a:p>
                       <a:r>
-                        <a:rPr lang="en-US" sz="2400" dirty="0" smtClean="0"/>
+                        <a:rPr lang="en-US" sz="2400" dirty="0"/>
                         <a:t>Not</a:t>
                       </a:r>
                       <a:r>
-                        <a:rPr lang="en-US" sz="2400" baseline="0" dirty="0" smtClean="0"/>
+                        <a:rPr lang="en-US" sz="2400" baseline="0" dirty="0"/>
                         <a:t> an </a:t>
                       </a:r>
                       <a:r>
-                        <a:rPr lang="en-US" sz="2400" dirty="0" smtClean="0"/>
+                        <a:rPr lang="en-US" sz="2400" dirty="0"/>
                         <a:t>upper case letter</a:t>
                       </a:r>
-                      <a:endParaRPr lang="en-US" sz="2400" dirty="0"/>
                     </a:p>
                   </a:txBody>
                   <a:tcPr marL="121920" marR="121920" marT="60960" marB="60960"/>
@@ -36530,14 +36255,14 @@
                     <a:lstStyle/>
                     <a:p>
                       <a:r>
-                        <a:rPr lang="en-US" sz="2400" dirty="0" err="1" smtClean="0">
+                        <a:rPr lang="en-US" sz="2400" dirty="0" err="1">
                           <a:latin typeface="Courier"/>
                           <a:cs typeface="Courier"/>
                         </a:rPr>
                         <a:t>O</a:t>
                       </a:r>
                       <a:r>
-                        <a:rPr lang="en-US" sz="2400" u="sng" dirty="0" err="1" smtClean="0">
+                        <a:rPr lang="en-US" sz="2400" u="sng" dirty="0" err="1">
                           <a:solidFill>
                             <a:srgbClr val="3366FF"/>
                           </a:solidFill>
@@ -36547,21 +36272,21 @@
                         <a:t>y</a:t>
                       </a:r>
                       <a:r>
-                        <a:rPr lang="en-US" sz="2400" dirty="0" err="1" smtClean="0">
+                        <a:rPr lang="en-US" sz="2400" dirty="0" err="1">
                           <a:latin typeface="Courier"/>
                           <a:cs typeface="Courier"/>
                         </a:rPr>
                         <a:t>fn</a:t>
                       </a:r>
                       <a:r>
-                        <a:rPr lang="en-US" sz="2400" dirty="0" smtClean="0">
+                        <a:rPr lang="en-US" sz="2400" dirty="0">
                           <a:latin typeface="Courier"/>
                           <a:cs typeface="Courier"/>
                         </a:rPr>
                         <a:t> </a:t>
                       </a:r>
                       <a:r>
-                        <a:rPr lang="en-US" sz="2400" dirty="0" err="1" smtClean="0">
+                        <a:rPr lang="en-US" sz="2400" dirty="0" err="1">
                           <a:latin typeface="Courier"/>
                           <a:cs typeface="Courier"/>
                         </a:rPr>
@@ -36588,7 +36313,7 @@
                     <a:lstStyle/>
                     <a:p>
                       <a:r>
-                        <a:rPr lang="en-US" sz="2400" dirty="0" smtClean="0">
+                        <a:rPr lang="en-US" sz="2400" dirty="0">
                           <a:solidFill>
                             <a:srgbClr val="CC0000"/>
                           </a:solidFill>
@@ -36598,7 +36323,7 @@
                         <a:t>[^</a:t>
                       </a:r>
                       <a:r>
-                        <a:rPr lang="en-US" sz="2400" dirty="0" err="1" smtClean="0">
+                        <a:rPr lang="en-US" sz="2400" dirty="0" err="1">
                           <a:solidFill>
                             <a:srgbClr val="CC0000"/>
                           </a:solidFill>
@@ -36608,7 +36333,7 @@
                         <a:t>Ss</a:t>
                       </a:r>
                       <a:r>
-                        <a:rPr lang="en-US" sz="2400" dirty="0" smtClean="0">
+                        <a:rPr lang="en-US" sz="2400" dirty="0">
                           <a:solidFill>
                             <a:srgbClr val="CC0000"/>
                           </a:solidFill>
@@ -36628,18 +36353,13 @@
                     <a:lstStyle/>
                     <a:p>
                       <a:r>
-                        <a:rPr lang="en-US" sz="2400" dirty="0" smtClean="0">
+                        <a:rPr lang="en-US" sz="2400" dirty="0">
                           <a:solidFill>
                             <a:srgbClr val="000000"/>
                           </a:solidFill>
                         </a:rPr>
                         <a:t>Neither ‘S’ nor ‘s’</a:t>
                       </a:r>
-                      <a:endParaRPr lang="en-US" sz="2400" dirty="0">
-                        <a:solidFill>
-                          <a:srgbClr val="000000"/>
-                        </a:solidFill>
-                      </a:endParaRPr>
                     </a:p>
                   </a:txBody>
                   <a:tcPr marL="121920" marR="121920" marT="60960" marB="60960"/>
@@ -36650,7 +36370,7 @@
                     <a:lstStyle/>
                     <a:p>
                       <a:r>
-                        <a:rPr lang="en-US" sz="2400" u="sng" dirty="0" smtClean="0">
+                        <a:rPr lang="en-US" sz="2400" u="sng" dirty="0">
                           <a:solidFill>
                             <a:srgbClr val="3366FF"/>
                           </a:solidFill>
@@ -36660,7 +36380,7 @@
                         <a:t>I</a:t>
                       </a:r>
                       <a:r>
-                        <a:rPr lang="en-US" sz="2400" u="none" dirty="0" smtClean="0">
+                        <a:rPr lang="en-US" sz="2400" u="none" dirty="0">
                           <a:solidFill>
                             <a:srgbClr val="000000"/>
                           </a:solidFill>
@@ -36669,13 +36389,6 @@
                         </a:rPr>
                         <a:t> have no exquisite reason”</a:t>
                       </a:r>
-                      <a:endParaRPr lang="en-US" sz="2400" u="none" dirty="0">
-                        <a:solidFill>
-                          <a:srgbClr val="000000"/>
-                        </a:solidFill>
-                        <a:latin typeface="Courier"/>
-                        <a:cs typeface="Courier"/>
-                      </a:endParaRPr>
                     </a:p>
                   </a:txBody>
                   <a:tcPr marL="121920" marR="121920" marT="60960" marB="60960"/>
@@ -36693,7 +36406,7 @@
                     <a:lstStyle/>
                     <a:p>
                       <a:r>
-                        <a:rPr lang="en-US" sz="2400" dirty="0" smtClean="0">
+                        <a:rPr lang="en-US" sz="2400" dirty="0">
                           <a:solidFill>
                             <a:srgbClr val="CC0000"/>
                           </a:solidFill>
@@ -36713,10 +36426,9 @@
                     <a:lstStyle/>
                     <a:p>
                       <a:r>
-                        <a:rPr lang="en-US" sz="2400" dirty="0" smtClean="0"/>
+                        <a:rPr lang="en-US" sz="2400" dirty="0"/>
                         <a:t>Neither e nor ^</a:t>
                       </a:r>
-                      <a:endParaRPr lang="en-US" sz="2400" dirty="0"/>
                     </a:p>
                   </a:txBody>
                   <a:tcPr marL="121920" marR="121920" marT="60960" marB="60960"/>
@@ -36727,14 +36439,14 @@
                     <a:lstStyle/>
                     <a:p>
                       <a:r>
-                        <a:rPr lang="en-US" sz="2400" dirty="0" smtClean="0">
+                        <a:rPr lang="en-US" sz="2400" dirty="0">
                           <a:latin typeface="Courier"/>
                           <a:cs typeface="Courier"/>
                         </a:rPr>
                         <a:t>Look h</a:t>
                       </a:r>
                       <a:r>
-                        <a:rPr lang="en-US" sz="2400" u="sng" dirty="0" smtClean="0">
+                        <a:rPr lang="en-US" sz="2400" u="sng" dirty="0">
                           <a:solidFill>
                             <a:srgbClr val="3366FF"/>
                           </a:solidFill>
@@ -36744,16 +36456,12 @@
                         <a:t>e</a:t>
                       </a:r>
                       <a:r>
-                        <a:rPr lang="en-US" sz="2400" dirty="0" smtClean="0">
+                        <a:rPr lang="en-US" sz="2400" dirty="0">
                           <a:latin typeface="Courier"/>
                           <a:cs typeface="Courier"/>
                         </a:rPr>
                         <a:t>re</a:t>
                       </a:r>
-                      <a:endParaRPr lang="en-US" sz="2400" dirty="0">
-                        <a:latin typeface="Courier"/>
-                        <a:cs typeface="Courier"/>
-                      </a:endParaRPr>
                     </a:p>
                   </a:txBody>
                   <a:tcPr marL="121920" marR="121920" marT="60960" marB="60960"/>
@@ -36788,7 +36496,7 @@
                         <a:defRPr/>
                       </a:pPr>
                       <a:r>
-                        <a:rPr lang="en-US" sz="2400" dirty="0" err="1" smtClean="0">
+                        <a:rPr lang="en-US" sz="2400" dirty="0" err="1">
                           <a:solidFill>
                             <a:srgbClr val="CC0000"/>
                           </a:solidFill>
@@ -36797,7 +36505,7 @@
                         </a:rPr>
                         <a:t>a^b</a:t>
                       </a:r>
-                      <a:endParaRPr lang="en-US" sz="2400" dirty="0" smtClean="0"/>
+                      <a:endParaRPr lang="en-US" sz="2400" dirty="0"/>
                     </a:p>
                   </a:txBody>
                   <a:tcPr marL="121920" marR="121920" marT="60960" marB="60960"/>
@@ -36808,19 +36516,19 @@
                     <a:lstStyle/>
                     <a:p>
                       <a:r>
-                        <a:rPr lang="en-US" sz="2400" dirty="0" smtClean="0"/>
+                        <a:rPr lang="en-US" sz="2400" dirty="0"/>
                         <a:t>The pattern</a:t>
                       </a:r>
                       <a:r>
-                        <a:rPr lang="en-US" sz="2400" baseline="0" dirty="0" smtClean="0"/>
+                        <a:rPr lang="en-US" sz="2400" baseline="0" dirty="0"/>
                         <a:t> a</a:t>
                       </a:r>
                       <a:r>
-                        <a:rPr lang="en-US" sz="2400" dirty="0" smtClean="0"/>
+                        <a:rPr lang="en-US" sz="2400" dirty="0"/>
                         <a:t> carat</a:t>
                       </a:r>
                       <a:r>
-                        <a:rPr lang="en-US" sz="2400" baseline="0" dirty="0" smtClean="0"/>
+                        <a:rPr lang="en-US" sz="2400" baseline="0" dirty="0"/>
                         <a:t> b</a:t>
                       </a:r>
                       <a:endParaRPr lang="en-US" sz="2400" dirty="0"/>
@@ -36834,14 +36542,14 @@
                     <a:lstStyle/>
                     <a:p>
                       <a:r>
-                        <a:rPr lang="en-US" sz="2400" dirty="0" smtClean="0">
+                        <a:rPr lang="en-US" sz="2400" dirty="0">
                           <a:latin typeface="Courier"/>
                           <a:cs typeface="Courier"/>
                         </a:rPr>
                         <a:t>Look up </a:t>
                       </a:r>
                       <a:r>
-                        <a:rPr lang="en-US" sz="2400" u="sng" dirty="0" err="1" smtClean="0">
+                        <a:rPr lang="en-US" sz="2400" u="sng" dirty="0" err="1">
                           <a:solidFill>
                             <a:srgbClr val="3366FF"/>
                           </a:solidFill>
@@ -36851,7 +36559,7 @@
                         <a:t>a^b</a:t>
                       </a:r>
                       <a:r>
-                        <a:rPr lang="en-US" sz="2400" u="sng" dirty="0" smtClean="0">
+                        <a:rPr lang="en-US" sz="2400" u="sng" dirty="0">
                           <a:solidFill>
                             <a:srgbClr val="3366FF"/>
                           </a:solidFill>
@@ -36861,16 +36569,12 @@
                         <a:t> </a:t>
                       </a:r>
                       <a:r>
-                        <a:rPr lang="en-US" sz="2400" dirty="0" smtClean="0">
+                        <a:rPr lang="en-US" sz="2400" dirty="0">
                           <a:latin typeface="Courier"/>
                           <a:cs typeface="Courier"/>
                         </a:rPr>
                         <a:t>now</a:t>
                       </a:r>
-                      <a:endParaRPr lang="en-US" sz="2400" dirty="0">
-                        <a:latin typeface="Courier"/>
-                        <a:cs typeface="Courier"/>
-                      </a:endParaRPr>
                     </a:p>
                   </a:txBody>
                   <a:tcPr marL="121920" marR="121920" marT="60960" marB="60960"/>
@@ -36901,8 +36605,8 @@
           <a:lstStyle/>
           <a:p>
             <a:r>
-              <a:rPr lang="en-US" altLang="zh-TW" smtClean="0"/>
-              <a:t>NLP &amp; TM, Spring 2024</a:t>
+              <a:rPr lang="en-US" altLang="zh-TW"/>
+              <a:t>NLP &amp; TM, Spring 2025</a:t>
             </a:r>
             <a:endParaRPr lang="zh-TW" altLang="en-US"/>
           </a:p>
@@ -36924,7 +36628,7 @@
           <a:lstStyle/>
           <a:p>
             <a:r>
-              <a:rPr lang="en-US" altLang="zh-TW" smtClean="0"/>
+              <a:rPr lang="en-US" altLang="zh-TW"/>
               <a:t>NTUT CSIE</a:t>
             </a:r>
             <a:endParaRPr lang="zh-TW" altLang="en-US"/>
@@ -36964,13 +36668,6 @@
   <p:clrMapOvr>
     <a:masterClrMapping/>
   </p:clrMapOvr>
-  <p:timing>
-    <p:tnLst>
-      <p:par>
-        <p:cTn id="1" dur="indefinite" restart="never" nodeType="tmRoot"/>
-      </p:par>
-    </p:tnLst>
-  </p:timing>
 </p:sld>
 </file>
 
@@ -37050,9 +36747,7 @@
           <p:cNvGraphicFramePr>
             <a:graphicFrameLocks noGrp="1"/>
           </p:cNvGraphicFramePr>
-          <p:nvPr>
-            <p:extLst/>
-          </p:nvPr>
+          <p:nvPr/>
         </p:nvGraphicFramePr>
         <p:xfrm>
           <a:off x="508001" y="1620065"/>
@@ -37804,6 +37499,93 @@
           </a:graphicData>
         </a:graphic>
       </p:graphicFrame>
+      <p:sp>
+        <p:nvSpPr>
+          <p:cNvPr id="2" name="日期版面配置區 1">
+            <a:extLst>
+              <a:ext uri="{FF2B5EF4-FFF2-40B4-BE49-F238E27FC236}">
+                <a16:creationId xmlns:a16="http://schemas.microsoft.com/office/drawing/2014/main" id="{7D5A2D37-783D-4BD0-979B-52EE6C7D7E8D}"/>
+              </a:ext>
+            </a:extLst>
+          </p:cNvPr>
+          <p:cNvSpPr>
+            <a:spLocks noGrp="1"/>
+          </p:cNvSpPr>
+          <p:nvPr>
+            <p:ph type="dt" sz="half" idx="10"/>
+          </p:nvPr>
+        </p:nvSpPr>
+        <p:spPr/>
+        <p:txBody>
+          <a:bodyPr/>
+          <a:lstStyle/>
+          <a:p>
+            <a:r>
+              <a:rPr lang="en-US" altLang="zh-TW"/>
+              <a:t>NLP &amp; TM, Spring 2025</a:t>
+            </a:r>
+            <a:endParaRPr lang="zh-TW" altLang="en-US"/>
+          </a:p>
+        </p:txBody>
+      </p:sp>
+      <p:sp>
+        <p:nvSpPr>
+          <p:cNvPr id="3" name="頁尾版面配置區 2">
+            <a:extLst>
+              <a:ext uri="{FF2B5EF4-FFF2-40B4-BE49-F238E27FC236}">
+                <a16:creationId xmlns:a16="http://schemas.microsoft.com/office/drawing/2014/main" id="{14833CAD-2E13-4137-86E4-3696E1F58A95}"/>
+              </a:ext>
+            </a:extLst>
+          </p:cNvPr>
+          <p:cNvSpPr>
+            <a:spLocks noGrp="1"/>
+          </p:cNvSpPr>
+          <p:nvPr>
+            <p:ph type="ftr" sz="quarter" idx="11"/>
+          </p:nvPr>
+        </p:nvSpPr>
+        <p:spPr/>
+        <p:txBody>
+          <a:bodyPr/>
+          <a:lstStyle/>
+          <a:p>
+            <a:r>
+              <a:rPr lang="en-US" altLang="zh-TW"/>
+              <a:t>NTUT CSIE</a:t>
+            </a:r>
+            <a:endParaRPr lang="zh-TW" altLang="en-US"/>
+          </a:p>
+        </p:txBody>
+      </p:sp>
+      <p:sp>
+        <p:nvSpPr>
+          <p:cNvPr id="4" name="投影片編號版面配置區 3">
+            <a:extLst>
+              <a:ext uri="{FF2B5EF4-FFF2-40B4-BE49-F238E27FC236}">
+                <a16:creationId xmlns:a16="http://schemas.microsoft.com/office/drawing/2014/main" id="{7A64EA13-1B81-420A-882A-06A6E25BBB9B}"/>
+              </a:ext>
+            </a:extLst>
+          </p:cNvPr>
+          <p:cNvSpPr>
+            <a:spLocks noGrp="1"/>
+          </p:cNvSpPr>
+          <p:nvPr>
+            <p:ph type="sldNum" sz="quarter" idx="12"/>
+          </p:nvPr>
+        </p:nvSpPr>
+        <p:spPr/>
+        <p:txBody>
+          <a:bodyPr/>
+          <a:lstStyle/>
+          <a:p>
+            <a:fld id="{DAADB36E-EF5A-4F9F-B024-4E0D63E1172E}" type="slidenum">
+              <a:rPr lang="zh-TW" altLang="en-US" smtClean="0"/>
+              <a:t>9</a:t>
+            </a:fld>
+            <a:endParaRPr lang="zh-TW" altLang="en-US"/>
+          </a:p>
+        </p:txBody>
+      </p:sp>
     </p:spTree>
     <p:extLst>
       <p:ext uri="{BB962C8B-B14F-4D97-AF65-F5344CB8AC3E}">
